--- a/Presentations/Logstash/Logstash.pptx
+++ b/Presentations/Logstash/Logstash.pptx
@@ -11,33 +11,49 @@
     <p:sldId id="458" r:id="rId5"/>
     <p:sldId id="460" r:id="rId6"/>
     <p:sldId id="457" r:id="rId7"/>
-    <p:sldId id="459" r:id="rId8"/>
-    <p:sldId id="450" r:id="rId9"/>
-    <p:sldId id="481" r:id="rId10"/>
-    <p:sldId id="482" r:id="rId11"/>
-    <p:sldId id="480" r:id="rId12"/>
-    <p:sldId id="461" r:id="rId13"/>
-    <p:sldId id="463" r:id="rId14"/>
-    <p:sldId id="464" r:id="rId15"/>
-    <p:sldId id="467" r:id="rId16"/>
-    <p:sldId id="468" r:id="rId17"/>
-    <p:sldId id="469" r:id="rId18"/>
-    <p:sldId id="470" r:id="rId19"/>
-    <p:sldId id="471" r:id="rId20"/>
-    <p:sldId id="472" r:id="rId21"/>
-    <p:sldId id="474" r:id="rId22"/>
-    <p:sldId id="473" r:id="rId23"/>
-    <p:sldId id="475" r:id="rId24"/>
-    <p:sldId id="476" r:id="rId25"/>
-    <p:sldId id="477" r:id="rId26"/>
-    <p:sldId id="478" r:id="rId27"/>
-    <p:sldId id="479" r:id="rId28"/>
-    <p:sldId id="465" r:id="rId29"/>
-    <p:sldId id="462" r:id="rId30"/>
-    <p:sldId id="483" r:id="rId31"/>
-    <p:sldId id="456" r:id="rId32"/>
-    <p:sldId id="389" r:id="rId33"/>
-    <p:sldId id="259" r:id="rId34"/>
+    <p:sldId id="487" r:id="rId8"/>
+    <p:sldId id="459" r:id="rId9"/>
+    <p:sldId id="450" r:id="rId10"/>
+    <p:sldId id="481" r:id="rId11"/>
+    <p:sldId id="482" r:id="rId12"/>
+    <p:sldId id="480" r:id="rId13"/>
+    <p:sldId id="461" r:id="rId14"/>
+    <p:sldId id="484" r:id="rId15"/>
+    <p:sldId id="485" r:id="rId16"/>
+    <p:sldId id="486" r:id="rId17"/>
+    <p:sldId id="463" r:id="rId18"/>
+    <p:sldId id="464" r:id="rId19"/>
+    <p:sldId id="467" r:id="rId20"/>
+    <p:sldId id="468" r:id="rId21"/>
+    <p:sldId id="469" r:id="rId22"/>
+    <p:sldId id="470" r:id="rId23"/>
+    <p:sldId id="488" r:id="rId24"/>
+    <p:sldId id="489" r:id="rId25"/>
+    <p:sldId id="490" r:id="rId26"/>
+    <p:sldId id="493" r:id="rId27"/>
+    <p:sldId id="491" r:id="rId28"/>
+    <p:sldId id="492" r:id="rId29"/>
+    <p:sldId id="494" r:id="rId30"/>
+    <p:sldId id="495" r:id="rId31"/>
+    <p:sldId id="471" r:id="rId32"/>
+    <p:sldId id="472" r:id="rId33"/>
+    <p:sldId id="474" r:id="rId34"/>
+    <p:sldId id="473" r:id="rId35"/>
+    <p:sldId id="475" r:id="rId36"/>
+    <p:sldId id="476" r:id="rId37"/>
+    <p:sldId id="477" r:id="rId38"/>
+    <p:sldId id="496" r:id="rId39"/>
+    <p:sldId id="497" r:id="rId40"/>
+    <p:sldId id="498" r:id="rId41"/>
+    <p:sldId id="499" r:id="rId42"/>
+    <p:sldId id="478" r:id="rId43"/>
+    <p:sldId id="479" r:id="rId44"/>
+    <p:sldId id="465" r:id="rId45"/>
+    <p:sldId id="462" r:id="rId46"/>
+    <p:sldId id="483" r:id="rId47"/>
+    <p:sldId id="456" r:id="rId48"/>
+    <p:sldId id="389" r:id="rId49"/>
+    <p:sldId id="259" r:id="rId50"/>
   </p:sldIdLst>
   <p:sldSz cx="9144000" cy="6858000" type="screen4x3"/>
   <p:notesSz cx="6858000" cy="9144000"/>
@@ -185,10 +201,6 @@
 </p:presentation>
 </file>
 
-<file path=ppt/revisionInfo.xml><?xml version="1.0" encoding="utf-8"?>
-<p1510:revInfo xmlns:a="http://schemas.openxmlformats.org/drawingml/2006/main" xmlns:r="http://schemas.openxmlformats.org/officeDocument/2006/relationships" xmlns:p1510="http://schemas.microsoft.com/office/powerpoint/2015/10/main"/>
-</file>
-
 <file path=ppt/slideLayouts/slideLayout1.xml><?xml version="1.0" encoding="utf-8"?>
 <p:sldLayout xmlns:a="http://schemas.openxmlformats.org/drawingml/2006/main" xmlns:r="http://schemas.openxmlformats.org/officeDocument/2006/relationships" xmlns:p="http://schemas.openxmlformats.org/presentationml/2006/main" type="title" preserve="1">
   <p:cSld name="Diapositive de titre">
@@ -380,7 +392,7 @@
               <a:pPr>
                 <a:defRPr/>
               </a:pPr>
-              <a:t>18/06/2017</a:t>
+              <a:t>09/04/2022</a:t>
             </a:fld>
             <a:endParaRPr lang="fr-CA"/>
           </a:p>
@@ -572,7 +584,7 @@
               <a:pPr>
                 <a:defRPr/>
               </a:pPr>
-              <a:t>18/06/2017</a:t>
+              <a:t>09/04/2022</a:t>
             </a:fld>
             <a:endParaRPr lang="fr-CA"/>
           </a:p>
@@ -774,7 +786,7 @@
               <a:pPr>
                 <a:defRPr/>
               </a:pPr>
-              <a:t>18/06/2017</a:t>
+              <a:t>09/04/2022</a:t>
             </a:fld>
             <a:endParaRPr lang="fr-CA"/>
           </a:p>
@@ -966,7 +978,7 @@
               <a:pPr>
                 <a:defRPr/>
               </a:pPr>
-              <a:t>18/06/2017</a:t>
+              <a:t>09/04/2022</a:t>
             </a:fld>
             <a:endParaRPr lang="fr-CA"/>
           </a:p>
@@ -1234,7 +1246,7 @@
               <a:pPr>
                 <a:defRPr/>
               </a:pPr>
-              <a:t>18/06/2017</a:t>
+              <a:t>09/04/2022</a:t>
             </a:fld>
             <a:endParaRPr lang="fr-CA"/>
           </a:p>
@@ -1544,7 +1556,7 @@
               <a:pPr>
                 <a:defRPr/>
               </a:pPr>
-              <a:t>18/06/2017</a:t>
+              <a:t>09/04/2022</a:t>
             </a:fld>
             <a:endParaRPr lang="fr-CA"/>
           </a:p>
@@ -1988,7 +2000,7 @@
               <a:pPr>
                 <a:defRPr/>
               </a:pPr>
-              <a:t>18/06/2017</a:t>
+              <a:t>09/04/2022</a:t>
             </a:fld>
             <a:endParaRPr lang="fr-CA"/>
           </a:p>
@@ -2128,7 +2140,7 @@
               <a:pPr>
                 <a:defRPr/>
               </a:pPr>
-              <a:t>18/06/2017</a:t>
+              <a:t>09/04/2022</a:t>
             </a:fld>
             <a:endParaRPr lang="fr-CA"/>
           </a:p>
@@ -2245,7 +2257,7 @@
               <a:pPr>
                 <a:defRPr/>
               </a:pPr>
-              <a:t>18/06/2017</a:t>
+              <a:t>09/04/2022</a:t>
             </a:fld>
             <a:endParaRPr lang="fr-CA"/>
           </a:p>
@@ -2544,7 +2556,7 @@
               <a:pPr>
                 <a:defRPr/>
               </a:pPr>
-              <a:t>18/06/2017</a:t>
+              <a:t>09/04/2022</a:t>
             </a:fld>
             <a:endParaRPr lang="fr-CA"/>
           </a:p>
@@ -2826,7 +2838,7 @@
               <a:pPr>
                 <a:defRPr/>
               </a:pPr>
-              <a:t>18/06/2017</a:t>
+              <a:t>09/04/2022</a:t>
             </a:fld>
             <a:endParaRPr lang="fr-CA"/>
           </a:p>
@@ -3090,7 +3102,7 @@
               <a:pPr>
                 <a:defRPr/>
               </a:pPr>
-              <a:t>18/06/2017</a:t>
+              <a:t>09/04/2022</a:t>
             </a:fld>
             <a:endParaRPr lang="fr-CA"/>
           </a:p>
@@ -3804,7 +3816,7 @@
                   <a:srgbClr val="3C5790"/>
                 </a:solidFill>
               </a:rPr>
-              <a:t>Monitoring</a:t>
+              <a:t>Analysis</a:t>
             </a:r>
           </a:p>
           <a:p>
@@ -3815,51 +3827,18 @@
                   <a:srgbClr val="3C5790"/>
                 </a:solidFill>
               </a:rPr>
-              <a:t>Nagios</a:t>
+              <a:t>Elasticsearch</a:t>
             </a:r>
           </a:p>
           <a:p>
             <a:pPr lvl="1"/>
             <a:r>
-              <a:rPr lang="en-US" sz="1400" dirty="0">
-                <a:solidFill>
-                  <a:srgbClr val="3C5790"/>
-                </a:solidFill>
-              </a:rPr>
-              <a:t>Ganglia</a:t>
-            </a:r>
-          </a:p>
-          <a:p>
-            <a:pPr lvl="1"/>
-            <a:r>
-              <a:rPr lang="en-US" sz="1400" dirty="0">
-                <a:solidFill>
-                  <a:srgbClr val="3C5790"/>
-                </a:solidFill>
-              </a:rPr>
-              <a:t>Zabbix</a:t>
-            </a:r>
-          </a:p>
-          <a:p>
-            <a:pPr lvl="1"/>
-            <a:r>
-              <a:rPr lang="en-US" sz="1400" dirty="0">
-                <a:solidFill>
-                  <a:srgbClr val="3C5790"/>
-                </a:solidFill>
-              </a:rPr>
-              <a:t>Graphite</a:t>
-            </a:r>
-          </a:p>
-          <a:p>
-            <a:pPr lvl="1"/>
-            <a:r>
               <a:rPr lang="en-US" sz="1400" dirty="0" err="1">
                 <a:solidFill>
                   <a:srgbClr val="3C5790"/>
                 </a:solidFill>
               </a:rPr>
-              <a:t>Datadog</a:t>
+              <a:t>MongoDb</a:t>
             </a:r>
             <a:endParaRPr lang="en-US" sz="1400" dirty="0">
               <a:solidFill>
@@ -3875,7 +3854,7 @@
                   <a:srgbClr val="3C5790"/>
                 </a:solidFill>
               </a:rPr>
-              <a:t>CloudWatch</a:t>
+              <a:t>Riak</a:t>
             </a:r>
             <a:endParaRPr lang="en-US" sz="1400" dirty="0">
               <a:solidFill>
@@ -3890,7 +3869,7 @@
                   <a:srgbClr val="3C5790"/>
                 </a:solidFill>
               </a:rPr>
-              <a:t>Alerting</a:t>
+              <a:t>Archiving</a:t>
             </a:r>
           </a:p>
           <a:p>
@@ -3901,7 +3880,7 @@
                   <a:srgbClr val="3C5790"/>
                 </a:solidFill>
               </a:rPr>
-              <a:t>Watcher</a:t>
+              <a:t>HDFS</a:t>
             </a:r>
           </a:p>
           <a:p>
@@ -3912,7 +3891,7 @@
                   <a:srgbClr val="3C5790"/>
                 </a:solidFill>
               </a:rPr>
-              <a:t>Email</a:t>
+              <a:t>S3</a:t>
             </a:r>
           </a:p>
           <a:p>
@@ -3923,18 +3902,7 @@
                   <a:srgbClr val="3C5790"/>
                 </a:solidFill>
               </a:rPr>
-              <a:t>IRC</a:t>
-            </a:r>
-          </a:p>
-          <a:p>
-            <a:pPr lvl="1"/>
-            <a:r>
-              <a:rPr lang="en-US" sz="1400" dirty="0">
-                <a:solidFill>
-                  <a:srgbClr val="3C5790"/>
-                </a:solidFill>
-              </a:rPr>
-              <a:t>SNS</a:t>
+              <a:t>Google Cloud Storage</a:t>
             </a:r>
           </a:p>
         </p:txBody>
@@ -3942,7 +3910,7 @@
     </p:spTree>
     <p:extLst>
       <p:ext uri="{BB962C8B-B14F-4D97-AF65-F5344CB8AC3E}">
-        <p14:creationId xmlns:p14="http://schemas.microsoft.com/office/powerpoint/2010/main" val="1869251815"/>
+        <p14:creationId xmlns:p14="http://schemas.microsoft.com/office/powerpoint/2010/main" val="1445172253"/>
       </p:ext>
     </p:extLst>
   </p:cSld>
@@ -4002,13 +3970,32 @@
                   <a:schemeClr val="bg1"/>
                 </a:solidFill>
               </a:rPr>
-              <a:t>Core</a:t>
-            </a:r>
-            <a:endParaRPr lang="fr-CA" dirty="0">
-              <a:solidFill>
-                <a:schemeClr val="bg1"/>
-              </a:solidFill>
-            </a:endParaRPr>
+              <a:t>Features</a:t>
+            </a:r>
+            <a:r>
+              <a:rPr lang="fr-CA" dirty="0">
+                <a:solidFill>
+                  <a:schemeClr val="bg1"/>
+                </a:solidFill>
+              </a:rPr>
+              <a:t> (</a:t>
+            </a:r>
+            <a:r>
+              <a:rPr lang="fr-CA" dirty="0" err="1">
+                <a:solidFill>
+                  <a:schemeClr val="bg1"/>
+                </a:solidFill>
+              </a:rPr>
+              <a:t>cont</a:t>
+            </a:r>
+            <a:r>
+              <a:rPr lang="fr-CA" dirty="0">
+                <a:solidFill>
+                  <a:schemeClr val="bg1"/>
+                </a:solidFill>
+              </a:rPr>
+              <a:t>.)</a:t>
+            </a:r>
           </a:p>
         </p:txBody>
       </p:sp>
@@ -4025,7 +4012,7 @@
         <p:spPr>
           <a:xfrm>
             <a:off x="304800" y="1905000"/>
-            <a:ext cx="8534400" cy="3200400"/>
+            <a:ext cx="8534400" cy="4572000"/>
           </a:xfrm>
         </p:spPr>
         <p:txBody>
@@ -4033,29 +4020,89 @@
           <a:lstStyle/>
           <a:p>
             <a:r>
-              <a:rPr lang="en-US" sz="1400" dirty="0">
-                <a:solidFill>
-                  <a:srgbClr val="3C5790"/>
-                </a:solidFill>
-              </a:rPr>
-              <a:t>Each type configures a different portion of the </a:t>
-            </a:r>
+              <a:rPr lang="en-US" sz="1400" b="1" dirty="0">
+                <a:solidFill>
+                  <a:srgbClr val="3C5790"/>
+                </a:solidFill>
+              </a:rPr>
+              <a:t>Monitoring</a:t>
+            </a:r>
+          </a:p>
+          <a:p>
+            <a:pPr lvl="1"/>
+            <a:r>
+              <a:rPr lang="en-US" sz="1400" dirty="0">
+                <a:solidFill>
+                  <a:srgbClr val="3C5790"/>
+                </a:solidFill>
+              </a:rPr>
+              <a:t>Nagios</a:t>
+            </a:r>
+          </a:p>
+          <a:p>
+            <a:pPr lvl="1"/>
+            <a:r>
+              <a:rPr lang="en-US" sz="1400" dirty="0">
+                <a:solidFill>
+                  <a:srgbClr val="3C5790"/>
+                </a:solidFill>
+              </a:rPr>
+              <a:t>Ganglia</a:t>
+            </a:r>
+          </a:p>
+          <a:p>
+            <a:pPr lvl="1"/>
+            <a:r>
+              <a:rPr lang="en-US" sz="1400" dirty="0">
+                <a:solidFill>
+                  <a:srgbClr val="3C5790"/>
+                </a:solidFill>
+              </a:rPr>
+              <a:t>Zabbix</a:t>
+            </a:r>
+          </a:p>
+          <a:p>
+            <a:pPr lvl="1"/>
+            <a:r>
+              <a:rPr lang="en-US" sz="1400" dirty="0">
+                <a:solidFill>
+                  <a:srgbClr val="3C5790"/>
+                </a:solidFill>
+              </a:rPr>
+              <a:t>Graphite</a:t>
+            </a:r>
+          </a:p>
+          <a:p>
+            <a:pPr lvl="1"/>
             <a:r>
               <a:rPr lang="en-US" sz="1400" dirty="0" err="1">
                 <a:solidFill>
                   <a:srgbClr val="3C5790"/>
                 </a:solidFill>
               </a:rPr>
-              <a:t>Logstash</a:t>
-            </a:r>
-            <a:r>
-              <a:rPr lang="en-US" sz="1400" dirty="0">
-                <a:solidFill>
-                  <a:srgbClr val="3C5790"/>
-                </a:solidFill>
-              </a:rPr>
-              <a:t> agent:</a:t>
-            </a:r>
+              <a:t>Datadog</a:t>
+            </a:r>
+            <a:endParaRPr lang="en-US" sz="1400" dirty="0">
+              <a:solidFill>
+                <a:srgbClr val="3C5790"/>
+              </a:solidFill>
+            </a:endParaRPr>
+          </a:p>
+          <a:p>
+            <a:pPr lvl="1"/>
+            <a:r>
+              <a:rPr lang="en-US" sz="1400" dirty="0" err="1">
+                <a:solidFill>
+                  <a:srgbClr val="3C5790"/>
+                </a:solidFill>
+              </a:rPr>
+              <a:t>CloudWatch</a:t>
+            </a:r>
+            <a:endParaRPr lang="en-US" sz="1400" dirty="0">
+              <a:solidFill>
+                <a:srgbClr val="3C5790"/>
+              </a:solidFill>
+            </a:endParaRPr>
           </a:p>
           <a:p>
             <a:r>
@@ -4064,99 +4111,51 @@
                   <a:srgbClr val="3C5790"/>
                 </a:solidFill>
               </a:rPr>
-              <a:t>inputs</a:t>
-            </a:r>
-            <a:r>
-              <a:rPr lang="en-US" sz="1400" dirty="0">
-                <a:solidFill>
-                  <a:srgbClr val="3C5790"/>
-                </a:solidFill>
-              </a:rPr>
-              <a:t> - How events get into </a:t>
-            </a:r>
-            <a:r>
-              <a:rPr lang="en-US" sz="1400" dirty="0" err="1">
-                <a:solidFill>
-                  <a:srgbClr val="3C5790"/>
-                </a:solidFill>
-              </a:rPr>
-              <a:t>Logstash</a:t>
-            </a:r>
-            <a:r>
-              <a:rPr lang="en-US" sz="1400" dirty="0">
-                <a:solidFill>
-                  <a:srgbClr val="3C5790"/>
-                </a:solidFill>
-              </a:rPr>
-              <a:t>.</a:t>
-            </a:r>
-          </a:p>
-          <a:p>
-            <a:r>
-              <a:rPr lang="en-US" sz="1400" b="1" dirty="0">
-                <a:solidFill>
-                  <a:srgbClr val="3C5790"/>
-                </a:solidFill>
-              </a:rPr>
-              <a:t>filters</a:t>
-            </a:r>
-            <a:r>
-              <a:rPr lang="en-US" sz="1400" dirty="0">
-                <a:solidFill>
-                  <a:srgbClr val="3C5790"/>
-                </a:solidFill>
-              </a:rPr>
-              <a:t> - How you can manipulate events in </a:t>
-            </a:r>
-            <a:r>
-              <a:rPr lang="en-US" sz="1400" dirty="0" err="1">
-                <a:solidFill>
-                  <a:srgbClr val="3C5790"/>
-                </a:solidFill>
-              </a:rPr>
-              <a:t>Logstash</a:t>
-            </a:r>
-            <a:r>
-              <a:rPr lang="en-US" sz="1400" dirty="0">
-                <a:solidFill>
-                  <a:srgbClr val="3C5790"/>
-                </a:solidFill>
-              </a:rPr>
-              <a:t>.</a:t>
-            </a:r>
-          </a:p>
-          <a:p>
-            <a:r>
-              <a:rPr lang="en-US" sz="1400" b="1" dirty="0">
-                <a:solidFill>
-                  <a:srgbClr val="3C5790"/>
-                </a:solidFill>
-              </a:rPr>
-              <a:t>outputs</a:t>
-            </a:r>
-            <a:r>
-              <a:rPr lang="en-US" sz="1400" dirty="0">
-                <a:solidFill>
-                  <a:srgbClr val="3C5790"/>
-                </a:solidFill>
-              </a:rPr>
-              <a:t> - How you can output events from </a:t>
-            </a:r>
-            <a:r>
-              <a:rPr lang="en-US" sz="1400" dirty="0" err="1">
-                <a:solidFill>
-                  <a:srgbClr val="3C5790"/>
-                </a:solidFill>
-              </a:rPr>
-              <a:t>Logstash</a:t>
-            </a:r>
-            <a:r>
-              <a:rPr lang="en-US" sz="1400" dirty="0">
-                <a:solidFill>
-                  <a:srgbClr val="3C5790"/>
-                </a:solidFill>
-              </a:rPr>
-              <a:t>.</a:t>
+              <a:t>Alerting</a:t>
+            </a:r>
+          </a:p>
+          <a:p>
+            <a:pPr lvl="1"/>
+            <a:r>
+              <a:rPr lang="en-US" sz="1400" dirty="0">
+                <a:solidFill>
+                  <a:srgbClr val="3C5790"/>
+                </a:solidFill>
+              </a:rPr>
+              <a:t>Watcher</a:t>
+            </a:r>
+          </a:p>
+          <a:p>
+            <a:pPr lvl="1"/>
+            <a:r>
+              <a:rPr lang="en-US" sz="1400" dirty="0">
+                <a:solidFill>
+                  <a:srgbClr val="3C5790"/>
+                </a:solidFill>
+              </a:rPr>
+              <a:t>Email</a:t>
+            </a:r>
+          </a:p>
+          <a:p>
+            <a:pPr lvl="1"/>
+            <a:r>
+              <a:rPr lang="en-US" sz="1400" dirty="0">
+                <a:solidFill>
+                  <a:srgbClr val="3C5790"/>
+                </a:solidFill>
+              </a:rPr>
+              <a:t>IRC</a:t>
+            </a:r>
+          </a:p>
+          <a:p>
+            <a:pPr lvl="1"/>
+            <a:r>
+              <a:rPr lang="en-US" sz="1400" dirty="0">
+                <a:solidFill>
+                  <a:srgbClr val="3C5790"/>
+                </a:solidFill>
+              </a:rPr>
+              <a:t>SNS</a:t>
             </a:r>
           </a:p>
         </p:txBody>
@@ -4164,7 +4163,7 @@
     </p:spTree>
     <p:extLst>
       <p:ext uri="{BB962C8B-B14F-4D97-AF65-F5344CB8AC3E}">
-        <p14:creationId xmlns:p14="http://schemas.microsoft.com/office/powerpoint/2010/main" val="2680966138"/>
+        <p14:creationId xmlns:p14="http://schemas.microsoft.com/office/powerpoint/2010/main" val="1869251815"/>
       </p:ext>
     </p:extLst>
   </p:cSld>
@@ -4226,30 +4225,11 @@
               </a:rPr>
               <a:t>Core</a:t>
             </a:r>
-            <a:r>
-              <a:rPr lang="fr-CA" dirty="0">
-                <a:solidFill>
-                  <a:schemeClr val="bg1"/>
-                </a:solidFill>
-              </a:rPr>
-              <a:t> (</a:t>
-            </a:r>
-            <a:r>
-              <a:rPr lang="fr-CA" dirty="0" err="1">
-                <a:solidFill>
-                  <a:schemeClr val="bg1"/>
-                </a:solidFill>
-              </a:rPr>
-              <a:t>cont</a:t>
-            </a:r>
-            <a:r>
-              <a:rPr lang="fr-CA" dirty="0">
-                <a:solidFill>
-                  <a:schemeClr val="bg1"/>
-                </a:solidFill>
-              </a:rPr>
-              <a:t>.)</a:t>
-            </a:r>
+            <a:endParaRPr lang="fr-CA" dirty="0">
+              <a:solidFill>
+                <a:schemeClr val="bg1"/>
+              </a:solidFill>
+            </a:endParaRPr>
           </a:p>
         </p:txBody>
       </p:sp>
@@ -4266,7 +4246,7 @@
         <p:spPr>
           <a:xfrm>
             <a:off x="304800" y="1905000"/>
-            <a:ext cx="8534400" cy="1295400"/>
+            <a:ext cx="8534400" cy="3200400"/>
           </a:xfrm>
         </p:spPr>
         <p:txBody>
@@ -4279,6 +4259,247 @@
                   <a:srgbClr val="3C5790"/>
                 </a:solidFill>
               </a:rPr>
+              <a:t>Each type configures a different portion of the </a:t>
+            </a:r>
+            <a:r>
+              <a:rPr lang="en-US" sz="1400" dirty="0" err="1">
+                <a:solidFill>
+                  <a:srgbClr val="3C5790"/>
+                </a:solidFill>
+              </a:rPr>
+              <a:t>Logstash</a:t>
+            </a:r>
+            <a:r>
+              <a:rPr lang="en-US" sz="1400" dirty="0">
+                <a:solidFill>
+                  <a:srgbClr val="3C5790"/>
+                </a:solidFill>
+              </a:rPr>
+              <a:t> agent:</a:t>
+            </a:r>
+          </a:p>
+          <a:p>
+            <a:r>
+              <a:rPr lang="en-US" sz="1400" b="1" dirty="0">
+                <a:solidFill>
+                  <a:srgbClr val="3C5790"/>
+                </a:solidFill>
+              </a:rPr>
+              <a:t>inputs</a:t>
+            </a:r>
+            <a:r>
+              <a:rPr lang="en-US" sz="1400" dirty="0">
+                <a:solidFill>
+                  <a:srgbClr val="3C5790"/>
+                </a:solidFill>
+              </a:rPr>
+              <a:t> - How events get into </a:t>
+            </a:r>
+            <a:r>
+              <a:rPr lang="en-US" sz="1400" dirty="0" err="1">
+                <a:solidFill>
+                  <a:srgbClr val="3C5790"/>
+                </a:solidFill>
+              </a:rPr>
+              <a:t>Logstash</a:t>
+            </a:r>
+            <a:r>
+              <a:rPr lang="en-US" sz="1400" dirty="0">
+                <a:solidFill>
+                  <a:srgbClr val="3C5790"/>
+                </a:solidFill>
+              </a:rPr>
+              <a:t>.</a:t>
+            </a:r>
+          </a:p>
+          <a:p>
+            <a:r>
+              <a:rPr lang="en-US" sz="1400" b="1" dirty="0">
+                <a:solidFill>
+                  <a:srgbClr val="3C5790"/>
+                </a:solidFill>
+              </a:rPr>
+              <a:t>filters</a:t>
+            </a:r>
+            <a:r>
+              <a:rPr lang="en-US" sz="1400" dirty="0">
+                <a:solidFill>
+                  <a:srgbClr val="3C5790"/>
+                </a:solidFill>
+              </a:rPr>
+              <a:t> - How you can manipulate events in </a:t>
+            </a:r>
+            <a:r>
+              <a:rPr lang="en-US" sz="1400" dirty="0" err="1">
+                <a:solidFill>
+                  <a:srgbClr val="3C5790"/>
+                </a:solidFill>
+              </a:rPr>
+              <a:t>Logstash</a:t>
+            </a:r>
+            <a:r>
+              <a:rPr lang="en-US" sz="1400" dirty="0">
+                <a:solidFill>
+                  <a:srgbClr val="3C5790"/>
+                </a:solidFill>
+              </a:rPr>
+              <a:t>.</a:t>
+            </a:r>
+          </a:p>
+          <a:p>
+            <a:r>
+              <a:rPr lang="en-US" sz="1400" b="1" dirty="0">
+                <a:solidFill>
+                  <a:srgbClr val="3C5790"/>
+                </a:solidFill>
+              </a:rPr>
+              <a:t>outputs</a:t>
+            </a:r>
+            <a:r>
+              <a:rPr lang="en-US" sz="1400" dirty="0">
+                <a:solidFill>
+                  <a:srgbClr val="3C5790"/>
+                </a:solidFill>
+              </a:rPr>
+              <a:t> - How you can output events from </a:t>
+            </a:r>
+            <a:r>
+              <a:rPr lang="en-US" sz="1400" dirty="0" err="1">
+                <a:solidFill>
+                  <a:srgbClr val="3C5790"/>
+                </a:solidFill>
+              </a:rPr>
+              <a:t>Logstash</a:t>
+            </a:r>
+            <a:r>
+              <a:rPr lang="en-US" sz="1400" dirty="0">
+                <a:solidFill>
+                  <a:srgbClr val="3C5790"/>
+                </a:solidFill>
+              </a:rPr>
+              <a:t>.</a:t>
+            </a:r>
+          </a:p>
+        </p:txBody>
+      </p:sp>
+    </p:spTree>
+    <p:extLst>
+      <p:ext uri="{BB962C8B-B14F-4D97-AF65-F5344CB8AC3E}">
+        <p14:creationId xmlns:p14="http://schemas.microsoft.com/office/powerpoint/2010/main" val="2680966138"/>
+      </p:ext>
+    </p:extLst>
+  </p:cSld>
+  <p:clrMapOvr>
+    <a:masterClrMapping/>
+  </p:clrMapOvr>
+</p:sld>
+</file>
+
+<file path=ppt/slides/slide13.xml><?xml version="1.0" encoding="utf-8"?>
+<p:sld xmlns:a="http://schemas.openxmlformats.org/drawingml/2006/main" xmlns:r="http://schemas.openxmlformats.org/officeDocument/2006/relationships" xmlns:p="http://schemas.openxmlformats.org/presentationml/2006/main">
+  <p:cSld>
+    <p:bg>
+      <p:bgPr>
+        <a:blipFill dpi="0" rotWithShape="0">
+          <a:blip r:embed="rId2" cstate="print"/>
+          <a:srcRect/>
+          <a:stretch>
+            <a:fillRect/>
+          </a:stretch>
+        </a:blipFill>
+        <a:effectLst/>
+      </p:bgPr>
+    </p:bg>
+    <p:spTree>
+      <p:nvGrpSpPr>
+        <p:cNvPr id="1" name=""/>
+        <p:cNvGrpSpPr/>
+        <p:nvPr/>
+      </p:nvGrpSpPr>
+      <p:grpSpPr>
+        <a:xfrm>
+          <a:off x="0" y="0"/>
+          <a:ext cx="0" cy="0"/>
+          <a:chOff x="0" y="0"/>
+          <a:chExt cx="0" cy="0"/>
+        </a:xfrm>
+      </p:grpSpPr>
+      <p:sp>
+        <p:nvSpPr>
+          <p:cNvPr id="4098" name="Titre 3"/>
+          <p:cNvSpPr>
+            <a:spLocks noGrp="1"/>
+          </p:cNvSpPr>
+          <p:nvPr>
+            <p:ph type="title"/>
+          </p:nvPr>
+        </p:nvSpPr>
+        <p:spPr/>
+        <p:txBody>
+          <a:bodyPr/>
+          <a:lstStyle/>
+          <a:p>
+            <a:r>
+              <a:rPr lang="fr-CA" dirty="0" err="1">
+                <a:solidFill>
+                  <a:schemeClr val="bg1"/>
+                </a:solidFill>
+              </a:rPr>
+              <a:t>Core</a:t>
+            </a:r>
+            <a:r>
+              <a:rPr lang="fr-CA" dirty="0">
+                <a:solidFill>
+                  <a:schemeClr val="bg1"/>
+                </a:solidFill>
+              </a:rPr>
+              <a:t> (</a:t>
+            </a:r>
+            <a:r>
+              <a:rPr lang="fr-CA" dirty="0" err="1">
+                <a:solidFill>
+                  <a:schemeClr val="bg1"/>
+                </a:solidFill>
+              </a:rPr>
+              <a:t>cont</a:t>
+            </a:r>
+            <a:r>
+              <a:rPr lang="fr-CA" dirty="0">
+                <a:solidFill>
+                  <a:schemeClr val="bg1"/>
+                </a:solidFill>
+              </a:rPr>
+              <a:t>.)</a:t>
+            </a:r>
+          </a:p>
+        </p:txBody>
+      </p:sp>
+      <p:sp>
+        <p:nvSpPr>
+          <p:cNvPr id="4099" name="Espace réservé du contenu 4"/>
+          <p:cNvSpPr>
+            <a:spLocks noGrp="1"/>
+          </p:cNvSpPr>
+          <p:nvPr>
+            <p:ph idx="1"/>
+          </p:nvPr>
+        </p:nvSpPr>
+        <p:spPr>
+          <a:xfrm>
+            <a:off x="304800" y="1905000"/>
+            <a:ext cx="8534400" cy="1524000"/>
+          </a:xfrm>
+        </p:spPr>
+        <p:txBody>
+          <a:bodyPr/>
+          <a:lstStyle/>
+          <a:p>
+            <a:r>
+              <a:rPr lang="en-US" sz="1400" dirty="0">
+                <a:solidFill>
+                  <a:srgbClr val="3C5790"/>
+                </a:solidFill>
+              </a:rPr>
               <a:t>In the </a:t>
             </a:r>
             <a:r>
@@ -4321,7 +4542,23 @@
                   <a:srgbClr val="3C5790"/>
                 </a:solidFill>
               </a:rPr>
-              <a:t>In the input block the stdin plugin which controls event input from STDIN. </a:t>
+              <a:t>In the input block the </a:t>
+            </a:r>
+            <a:r>
+              <a:rPr lang="en-US" sz="1400" b="1" dirty="0">
+                <a:solidFill>
+                  <a:srgbClr val="3C5790"/>
+                </a:solidFill>
+              </a:rPr>
+              <a:t>stdin</a:t>
+            </a:r>
+            <a:r>
+              <a:rPr lang="en-US" sz="1400" dirty="0">
+                <a:solidFill>
+                  <a:srgbClr val="3C5790"/>
+                </a:solidFill>
+              </a:rPr>
+              <a:t> plugin which controls event input from STDIN. </a:t>
             </a:r>
           </a:p>
           <a:p>
@@ -4334,7 +4571,7 @@
               <a:t>In the output block the </a:t>
             </a:r>
             <a:r>
-              <a:rPr lang="en-US" sz="1400" dirty="0" err="1">
+              <a:rPr lang="en-US" sz="1400" b="1" dirty="0" err="1">
                 <a:solidFill>
                   <a:srgbClr val="3C5790"/>
                 </a:solidFill>
@@ -4350,6 +4587,119 @@
               <a:t> plugin, which outputs events to STDOUT.</a:t>
             </a:r>
           </a:p>
+        </p:txBody>
+      </p:sp>
+    </p:spTree>
+    <p:extLst>
+      <p:ext uri="{BB962C8B-B14F-4D97-AF65-F5344CB8AC3E}">
+        <p14:creationId xmlns:p14="http://schemas.microsoft.com/office/powerpoint/2010/main" val="870630170"/>
+      </p:ext>
+    </p:extLst>
+  </p:cSld>
+  <p:clrMapOvr>
+    <a:masterClrMapping/>
+  </p:clrMapOvr>
+</p:sld>
+</file>
+
+<file path=ppt/slides/slide14.xml><?xml version="1.0" encoding="utf-8"?>
+<p:sld xmlns:a="http://schemas.openxmlformats.org/drawingml/2006/main" xmlns:r="http://schemas.openxmlformats.org/officeDocument/2006/relationships" xmlns:p="http://schemas.openxmlformats.org/presentationml/2006/main">
+  <p:cSld>
+    <p:bg>
+      <p:bgPr>
+        <a:blipFill dpi="0" rotWithShape="0">
+          <a:blip r:embed="rId2" cstate="print"/>
+          <a:srcRect/>
+          <a:stretch>
+            <a:fillRect/>
+          </a:stretch>
+        </a:blipFill>
+        <a:effectLst/>
+      </p:bgPr>
+    </p:bg>
+    <p:spTree>
+      <p:nvGrpSpPr>
+        <p:cNvPr id="1" name=""/>
+        <p:cNvGrpSpPr/>
+        <p:nvPr/>
+      </p:nvGrpSpPr>
+      <p:grpSpPr>
+        <a:xfrm>
+          <a:off x="0" y="0"/>
+          <a:ext cx="0" cy="0"/>
+          <a:chOff x="0" y="0"/>
+          <a:chExt cx="0" cy="0"/>
+        </a:xfrm>
+      </p:grpSpPr>
+      <p:sp>
+        <p:nvSpPr>
+          <p:cNvPr id="4098" name="Titre 3"/>
+          <p:cNvSpPr>
+            <a:spLocks noGrp="1"/>
+          </p:cNvSpPr>
+          <p:nvPr>
+            <p:ph type="title"/>
+          </p:nvPr>
+        </p:nvSpPr>
+        <p:spPr/>
+        <p:txBody>
+          <a:bodyPr/>
+          <a:lstStyle/>
+          <a:p>
+            <a:r>
+              <a:rPr lang="fr-CA" dirty="0" err="1">
+                <a:solidFill>
+                  <a:schemeClr val="bg1"/>
+                </a:solidFill>
+              </a:rPr>
+              <a:t>Core</a:t>
+            </a:r>
+            <a:r>
+              <a:rPr lang="fr-CA" dirty="0">
+                <a:solidFill>
+                  <a:schemeClr val="bg1"/>
+                </a:solidFill>
+              </a:rPr>
+              <a:t> (</a:t>
+            </a:r>
+            <a:r>
+              <a:rPr lang="fr-CA" dirty="0" err="1">
+                <a:solidFill>
+                  <a:schemeClr val="bg1"/>
+                </a:solidFill>
+              </a:rPr>
+              <a:t>cont</a:t>
+            </a:r>
+            <a:r>
+              <a:rPr lang="fr-CA" dirty="0">
+                <a:solidFill>
+                  <a:schemeClr val="bg1"/>
+                </a:solidFill>
+              </a:rPr>
+              <a:t>.)</a:t>
+            </a:r>
+          </a:p>
+        </p:txBody>
+      </p:sp>
+      <p:sp>
+        <p:nvSpPr>
+          <p:cNvPr id="4099" name="Espace réservé du contenu 4"/>
+          <p:cNvSpPr>
+            <a:spLocks noGrp="1"/>
+          </p:cNvSpPr>
+          <p:nvPr>
+            <p:ph idx="1"/>
+          </p:nvPr>
+        </p:nvSpPr>
+        <p:spPr>
+          <a:xfrm>
+            <a:off x="304800" y="1905000"/>
+            <a:ext cx="8534400" cy="990600"/>
+          </a:xfrm>
+        </p:spPr>
+        <p:txBody>
+          <a:bodyPr/>
+          <a:lstStyle/>
           <a:p>
             <a:r>
               <a:rPr lang="en-US" sz="1400" dirty="0">
@@ -4420,6 +4770,58 @@
                 <a:srgbClr val="3C5790"/>
               </a:solidFill>
             </a:endParaRPr>
+          </a:p>
+          <a:p>
+            <a:r>
+              <a:rPr lang="en-US" sz="1400" dirty="0">
+                <a:solidFill>
+                  <a:srgbClr val="3C5790"/>
+                </a:solidFill>
+              </a:rPr>
+              <a:t>The parameter –e is used to send directly the pipeline configuration.</a:t>
+            </a:r>
+          </a:p>
+          <a:p>
+            <a:r>
+              <a:rPr lang="en-US" sz="1400" b="1" dirty="0">
+                <a:solidFill>
+                  <a:srgbClr val="3C5790"/>
+                </a:solidFill>
+              </a:rPr>
+              <a:t>bin\</a:t>
+            </a:r>
+            <a:r>
+              <a:rPr lang="en-US" sz="1400" b="1" dirty="0" err="1">
+                <a:solidFill>
+                  <a:srgbClr val="3C5790"/>
+                </a:solidFill>
+              </a:rPr>
+              <a:t>logstash</a:t>
+            </a:r>
+            <a:r>
+              <a:rPr lang="en-US" sz="1400" b="1" dirty="0">
+                <a:solidFill>
+                  <a:srgbClr val="3C5790"/>
+                </a:solidFill>
+              </a:rPr>
+              <a:t> –e “input { stdin { }} output { </a:t>
+            </a:r>
+            <a:r>
+              <a:rPr lang="en-US" sz="1400" b="1" dirty="0" err="1">
+                <a:solidFill>
+                  <a:srgbClr val="3C5790"/>
+                </a:solidFill>
+              </a:rPr>
+              <a:t>stdout</a:t>
+            </a:r>
+            <a:r>
+              <a:rPr lang="en-US" sz="1400" b="1" dirty="0">
+                <a:solidFill>
+                  <a:srgbClr val="3C5790"/>
+                </a:solidFill>
+              </a:rPr>
+              <a:t> {} }”</a:t>
+            </a:r>
           </a:p>
         </p:txBody>
       </p:sp>
@@ -4456,7 +4858,7 @@
     </p:spTree>
     <p:extLst>
       <p:ext uri="{BB962C8B-B14F-4D97-AF65-F5344CB8AC3E}">
-        <p14:creationId xmlns:p14="http://schemas.microsoft.com/office/powerpoint/2010/main" val="870630170"/>
+        <p14:creationId xmlns:p14="http://schemas.microsoft.com/office/powerpoint/2010/main" val="3284109734"/>
       </p:ext>
     </p:extLst>
   </p:cSld>
@@ -4466,7 +4868,545 @@
 </p:sld>
 </file>
 
-<file path=ppt/slides/slide13.xml><?xml version="1.0" encoding="utf-8"?>
+<file path=ppt/slides/slide15.xml><?xml version="1.0" encoding="utf-8"?>
+<p:sld xmlns:a="http://schemas.openxmlformats.org/drawingml/2006/main" xmlns:r="http://schemas.openxmlformats.org/officeDocument/2006/relationships" xmlns:p="http://schemas.openxmlformats.org/presentationml/2006/main">
+  <p:cSld>
+    <p:bg>
+      <p:bgPr>
+        <a:blipFill dpi="0" rotWithShape="0">
+          <a:blip r:embed="rId2" cstate="print"/>
+          <a:srcRect/>
+          <a:stretch>
+            <a:fillRect/>
+          </a:stretch>
+        </a:blipFill>
+        <a:effectLst/>
+      </p:bgPr>
+    </p:bg>
+    <p:spTree>
+      <p:nvGrpSpPr>
+        <p:cNvPr id="1" name=""/>
+        <p:cNvGrpSpPr/>
+        <p:nvPr/>
+      </p:nvGrpSpPr>
+      <p:grpSpPr>
+        <a:xfrm>
+          <a:off x="0" y="0"/>
+          <a:ext cx="0" cy="0"/>
+          <a:chOff x="0" y="0"/>
+          <a:chExt cx="0" cy="0"/>
+        </a:xfrm>
+      </p:grpSpPr>
+      <p:sp>
+        <p:nvSpPr>
+          <p:cNvPr id="4098" name="Titre 3"/>
+          <p:cNvSpPr>
+            <a:spLocks noGrp="1"/>
+          </p:cNvSpPr>
+          <p:nvPr>
+            <p:ph type="title"/>
+          </p:nvPr>
+        </p:nvSpPr>
+        <p:spPr/>
+        <p:txBody>
+          <a:bodyPr/>
+          <a:lstStyle/>
+          <a:p>
+            <a:r>
+              <a:rPr lang="fr-CA" dirty="0" err="1">
+                <a:solidFill>
+                  <a:schemeClr val="bg1"/>
+                </a:solidFill>
+              </a:rPr>
+              <a:t>Core</a:t>
+            </a:r>
+            <a:r>
+              <a:rPr lang="fr-CA" dirty="0">
+                <a:solidFill>
+                  <a:schemeClr val="bg1"/>
+                </a:solidFill>
+              </a:rPr>
+              <a:t> (</a:t>
+            </a:r>
+            <a:r>
+              <a:rPr lang="fr-CA" dirty="0" err="1">
+                <a:solidFill>
+                  <a:schemeClr val="bg1"/>
+                </a:solidFill>
+              </a:rPr>
+              <a:t>cont</a:t>
+            </a:r>
+            <a:r>
+              <a:rPr lang="fr-CA" dirty="0">
+                <a:solidFill>
+                  <a:schemeClr val="bg1"/>
+                </a:solidFill>
+              </a:rPr>
+              <a:t>.)</a:t>
+            </a:r>
+          </a:p>
+        </p:txBody>
+      </p:sp>
+      <p:sp>
+        <p:nvSpPr>
+          <p:cNvPr id="4099" name="Espace réservé du contenu 4"/>
+          <p:cNvSpPr>
+            <a:spLocks noGrp="1"/>
+          </p:cNvSpPr>
+          <p:nvPr>
+            <p:ph idx="1"/>
+          </p:nvPr>
+        </p:nvSpPr>
+        <p:spPr>
+          <a:xfrm>
+            <a:off x="304800" y="1905000"/>
+            <a:ext cx="8534400" cy="3810000"/>
+          </a:xfrm>
+        </p:spPr>
+        <p:txBody>
+          <a:bodyPr/>
+          <a:lstStyle/>
+          <a:p>
+            <a:r>
+              <a:rPr lang="en-US" sz="1400" dirty="0">
+                <a:solidFill>
+                  <a:srgbClr val="3C5790"/>
+                </a:solidFill>
+              </a:rPr>
+              <a:t>A pipeline is an orchestration of plugins.</a:t>
+            </a:r>
+          </a:p>
+          <a:p>
+            <a:r>
+              <a:rPr lang="en-US" sz="1400" dirty="0">
+                <a:solidFill>
+                  <a:srgbClr val="3C5790"/>
+                </a:solidFill>
+              </a:rPr>
+              <a:t>Plugins receive, manipulate and ship data.</a:t>
+            </a:r>
+          </a:p>
+          <a:p>
+            <a:r>
+              <a:rPr lang="en-US" sz="1400" dirty="0">
+                <a:solidFill>
+                  <a:srgbClr val="3C5790"/>
+                </a:solidFill>
+              </a:rPr>
+              <a:t>Pipeline = input + (filter) + output</a:t>
+            </a:r>
+          </a:p>
+          <a:p>
+            <a:r>
+              <a:rPr lang="en-US" sz="1400" dirty="0">
+                <a:solidFill>
+                  <a:srgbClr val="3C5790"/>
+                </a:solidFill>
+              </a:rPr>
+              <a:t>Processed events are sent to stashes (destinations) like Elasticsearch/Kafka.</a:t>
+            </a:r>
+          </a:p>
+          <a:p>
+            <a:r>
+              <a:rPr lang="en-US" sz="1400" dirty="0">
+                <a:solidFill>
+                  <a:srgbClr val="3C5790"/>
+                </a:solidFill>
+              </a:rPr>
+              <a:t>Logstash is not limited to processing logs, it can handle XML, CSV, JSON, etc.</a:t>
+            </a:r>
+          </a:p>
+          <a:p>
+            <a:endParaRPr lang="en-US" sz="1400" dirty="0">
+              <a:solidFill>
+                <a:srgbClr val="3C5790"/>
+              </a:solidFill>
+            </a:endParaRPr>
+          </a:p>
+          <a:p>
+            <a:endParaRPr lang="en-US" sz="1400" dirty="0">
+              <a:solidFill>
+                <a:srgbClr val="3C5790"/>
+              </a:solidFill>
+            </a:endParaRPr>
+          </a:p>
+        </p:txBody>
+      </p:sp>
+    </p:spTree>
+    <p:extLst>
+      <p:ext uri="{BB962C8B-B14F-4D97-AF65-F5344CB8AC3E}">
+        <p14:creationId xmlns:p14="http://schemas.microsoft.com/office/powerpoint/2010/main" val="683829702"/>
+      </p:ext>
+    </p:extLst>
+  </p:cSld>
+  <p:clrMapOvr>
+    <a:masterClrMapping/>
+  </p:clrMapOvr>
+</p:sld>
+</file>
+
+<file path=ppt/slides/slide16.xml><?xml version="1.0" encoding="utf-8"?>
+<p:sld xmlns:a="http://schemas.openxmlformats.org/drawingml/2006/main" xmlns:r="http://schemas.openxmlformats.org/officeDocument/2006/relationships" xmlns:p="http://schemas.openxmlformats.org/presentationml/2006/main">
+  <p:cSld>
+    <p:bg>
+      <p:bgPr>
+        <a:blipFill dpi="0" rotWithShape="0">
+          <a:blip r:embed="rId2" cstate="print"/>
+          <a:srcRect/>
+          <a:stretch>
+            <a:fillRect/>
+          </a:stretch>
+        </a:blipFill>
+        <a:effectLst/>
+      </p:bgPr>
+    </p:bg>
+    <p:spTree>
+      <p:nvGrpSpPr>
+        <p:cNvPr id="1" name=""/>
+        <p:cNvGrpSpPr/>
+        <p:nvPr/>
+      </p:nvGrpSpPr>
+      <p:grpSpPr>
+        <a:xfrm>
+          <a:off x="0" y="0"/>
+          <a:ext cx="0" cy="0"/>
+          <a:chOff x="0" y="0"/>
+          <a:chExt cx="0" cy="0"/>
+        </a:xfrm>
+      </p:grpSpPr>
+      <p:sp>
+        <p:nvSpPr>
+          <p:cNvPr id="4098" name="Titre 3"/>
+          <p:cNvSpPr>
+            <a:spLocks noGrp="1"/>
+          </p:cNvSpPr>
+          <p:nvPr>
+            <p:ph type="title"/>
+          </p:nvPr>
+        </p:nvSpPr>
+        <p:spPr/>
+        <p:txBody>
+          <a:bodyPr/>
+          <a:lstStyle/>
+          <a:p>
+            <a:r>
+              <a:rPr lang="fr-CA" dirty="0" err="1">
+                <a:solidFill>
+                  <a:schemeClr val="bg1"/>
+                </a:solidFill>
+              </a:rPr>
+              <a:t>Core</a:t>
+            </a:r>
+            <a:r>
+              <a:rPr lang="fr-CA" dirty="0">
+                <a:solidFill>
+                  <a:schemeClr val="bg1"/>
+                </a:solidFill>
+              </a:rPr>
+              <a:t> (</a:t>
+            </a:r>
+            <a:r>
+              <a:rPr lang="fr-CA" dirty="0" err="1">
+                <a:solidFill>
+                  <a:schemeClr val="bg1"/>
+                </a:solidFill>
+              </a:rPr>
+              <a:t>cont</a:t>
+            </a:r>
+            <a:r>
+              <a:rPr lang="fr-CA" dirty="0">
+                <a:solidFill>
+                  <a:schemeClr val="bg1"/>
+                </a:solidFill>
+              </a:rPr>
+              <a:t>.)</a:t>
+            </a:r>
+          </a:p>
+        </p:txBody>
+      </p:sp>
+      <p:sp>
+        <p:nvSpPr>
+          <p:cNvPr id="4099" name="Espace réservé du contenu 4"/>
+          <p:cNvSpPr>
+            <a:spLocks noGrp="1"/>
+          </p:cNvSpPr>
+          <p:nvPr>
+            <p:ph idx="1"/>
+          </p:nvPr>
+        </p:nvSpPr>
+        <p:spPr>
+          <a:xfrm>
+            <a:off x="304800" y="1905000"/>
+            <a:ext cx="8534400" cy="4267200"/>
+          </a:xfrm>
+        </p:spPr>
+        <p:txBody>
+          <a:bodyPr/>
+          <a:lstStyle/>
+          <a:p>
+            <a:r>
+              <a:rPr lang="en-US" sz="1400" dirty="0">
+                <a:solidFill>
+                  <a:srgbClr val="3C5790"/>
+                </a:solidFill>
+              </a:rPr>
+              <a:t>Bellow pipeline defined 2 inputs: HTTP and JSON, and as output the </a:t>
+            </a:r>
+            <a:r>
+              <a:rPr lang="en-US" sz="1400" dirty="0" err="1">
+                <a:solidFill>
+                  <a:srgbClr val="3C5790"/>
+                </a:solidFill>
+              </a:rPr>
+              <a:t>stdout</a:t>
+            </a:r>
+            <a:r>
+              <a:rPr lang="en-US" sz="1400" dirty="0">
+                <a:solidFill>
+                  <a:srgbClr val="3C5790"/>
+                </a:solidFill>
+              </a:rPr>
+              <a:t> and file.</a:t>
+            </a:r>
+          </a:p>
+          <a:p>
+            <a:endParaRPr lang="en-US" sz="1200" dirty="0">
+              <a:solidFill>
+                <a:srgbClr val="3C5790"/>
+              </a:solidFill>
+            </a:endParaRPr>
+          </a:p>
+          <a:p>
+            <a:r>
+              <a:rPr lang="en-US" sz="1200" dirty="0">
+                <a:solidFill>
+                  <a:srgbClr val="3C5790"/>
+                </a:solidFill>
+              </a:rPr>
+              <a:t>input {</a:t>
+            </a:r>
+          </a:p>
+          <a:p>
+            <a:r>
+              <a:rPr lang="en-US" sz="1200" dirty="0">
+                <a:solidFill>
+                  <a:srgbClr val="3C5790"/>
+                </a:solidFill>
+              </a:rPr>
+              <a:t>   stdin  {</a:t>
+            </a:r>
+          </a:p>
+          <a:p>
+            <a:r>
+              <a:rPr lang="en-US" sz="1200" dirty="0">
+                <a:solidFill>
+                  <a:srgbClr val="3C5790"/>
+                </a:solidFill>
+              </a:rPr>
+              <a:t>      codec =&gt; </a:t>
+            </a:r>
+            <a:r>
+              <a:rPr lang="en-US" sz="1200" dirty="0" err="1">
+                <a:solidFill>
+                  <a:srgbClr val="3C5790"/>
+                </a:solidFill>
+              </a:rPr>
+              <a:t>json</a:t>
+            </a:r>
+            <a:endParaRPr lang="en-US" sz="1200" dirty="0">
+              <a:solidFill>
+                <a:srgbClr val="3C5790"/>
+              </a:solidFill>
+            </a:endParaRPr>
+          </a:p>
+          <a:p>
+            <a:r>
+              <a:rPr lang="en-US" sz="1200" dirty="0">
+                <a:solidFill>
+                  <a:srgbClr val="3C5790"/>
+                </a:solidFill>
+              </a:rPr>
+              <a:t>   }</a:t>
+            </a:r>
+          </a:p>
+          <a:p>
+            <a:r>
+              <a:rPr lang="en-US" sz="1200" dirty="0">
+                <a:solidFill>
+                  <a:srgbClr val="3C5790"/>
+                </a:solidFill>
+              </a:rPr>
+              <a:t>   http  {</a:t>
+            </a:r>
+          </a:p>
+          <a:p>
+            <a:r>
+              <a:rPr lang="en-US" sz="1200" dirty="0">
+                <a:solidFill>
+                  <a:srgbClr val="3C5790"/>
+                </a:solidFill>
+              </a:rPr>
+              <a:t>       host =&gt; “127.0.0.1”</a:t>
+            </a:r>
+          </a:p>
+          <a:p>
+            <a:r>
+              <a:rPr lang="en-US" sz="1200" dirty="0">
+                <a:solidFill>
+                  <a:srgbClr val="3C5790"/>
+                </a:solidFill>
+              </a:rPr>
+              <a:t>       port =&gt; 8080</a:t>
+            </a:r>
+          </a:p>
+          <a:p>
+            <a:r>
+              <a:rPr lang="en-US" sz="1200" dirty="0">
+                <a:solidFill>
+                  <a:srgbClr val="3C5790"/>
+                </a:solidFill>
+              </a:rPr>
+              <a:t>   }</a:t>
+            </a:r>
+          </a:p>
+          <a:p>
+            <a:r>
+              <a:rPr lang="en-US" sz="1200" dirty="0">
+                <a:solidFill>
+                  <a:srgbClr val="3C5790"/>
+                </a:solidFill>
+              </a:rPr>
+              <a:t>}</a:t>
+            </a:r>
+          </a:p>
+          <a:p>
+            <a:r>
+              <a:rPr lang="en-US" sz="1200" dirty="0">
+                <a:solidFill>
+                  <a:srgbClr val="3C5790"/>
+                </a:solidFill>
+              </a:rPr>
+              <a:t>output  {</a:t>
+            </a:r>
+          </a:p>
+          <a:p>
+            <a:r>
+              <a:rPr lang="en-US" sz="1200" dirty="0">
+                <a:solidFill>
+                  <a:srgbClr val="3C5790"/>
+                </a:solidFill>
+              </a:rPr>
+              <a:t>       </a:t>
+            </a:r>
+            <a:r>
+              <a:rPr lang="en-US" sz="1200" dirty="0" err="1">
+                <a:solidFill>
+                  <a:srgbClr val="3C5790"/>
+                </a:solidFill>
+              </a:rPr>
+              <a:t>stdout</a:t>
+            </a:r>
+            <a:r>
+              <a:rPr lang="en-US" sz="1200" dirty="0">
+                <a:solidFill>
+                  <a:srgbClr val="3C5790"/>
+                </a:solidFill>
+              </a:rPr>
+              <a:t> {</a:t>
+            </a:r>
+          </a:p>
+          <a:p>
+            <a:r>
+              <a:rPr lang="en-US" sz="1200" dirty="0">
+                <a:solidFill>
+                  <a:srgbClr val="3C5790"/>
+                </a:solidFill>
+              </a:rPr>
+              <a:t>           codec =&gt; </a:t>
+            </a:r>
+            <a:r>
+              <a:rPr lang="en-US" sz="1200" dirty="0" err="1">
+                <a:solidFill>
+                  <a:srgbClr val="3C5790"/>
+                </a:solidFill>
+              </a:rPr>
+              <a:t>rubydebug</a:t>
+            </a:r>
+            <a:r>
+              <a:rPr lang="en-US" sz="1200" dirty="0">
+                <a:solidFill>
+                  <a:srgbClr val="3C5790"/>
+                </a:solidFill>
+              </a:rPr>
+              <a:t>  </a:t>
+            </a:r>
+          </a:p>
+          <a:p>
+            <a:r>
+              <a:rPr lang="en-US" sz="1200" dirty="0">
+                <a:solidFill>
+                  <a:srgbClr val="3C5790"/>
+                </a:solidFill>
+              </a:rPr>
+              <a:t>       }</a:t>
+            </a:r>
+          </a:p>
+          <a:p>
+            <a:r>
+              <a:rPr lang="en-US" sz="1200" dirty="0">
+                <a:solidFill>
+                  <a:srgbClr val="3C5790"/>
+                </a:solidFill>
+              </a:rPr>
+              <a:t>       file {</a:t>
+            </a:r>
+          </a:p>
+          <a:p>
+            <a:r>
+              <a:rPr lang="en-US" sz="1200" dirty="0">
+                <a:solidFill>
+                  <a:srgbClr val="3C5790"/>
+                </a:solidFill>
+              </a:rPr>
+              <a:t>            path   =&gt;   “output.txt”</a:t>
+            </a:r>
+          </a:p>
+          <a:p>
+            <a:r>
+              <a:rPr lang="en-US" sz="1200" dirty="0">
+                <a:solidFill>
+                  <a:srgbClr val="3C5790"/>
+                </a:solidFill>
+              </a:rPr>
+              <a:t>       }</a:t>
+            </a:r>
+          </a:p>
+          <a:p>
+            <a:r>
+              <a:rPr lang="en-US" sz="1200" dirty="0">
+                <a:solidFill>
+                  <a:srgbClr val="3C5790"/>
+                </a:solidFill>
+              </a:rPr>
+              <a:t>}</a:t>
+            </a:r>
+          </a:p>
+        </p:txBody>
+      </p:sp>
+    </p:spTree>
+    <p:extLst>
+      <p:ext uri="{BB962C8B-B14F-4D97-AF65-F5344CB8AC3E}">
+        <p14:creationId xmlns:p14="http://schemas.microsoft.com/office/powerpoint/2010/main" val="2700503902"/>
+      </p:ext>
+    </p:extLst>
+  </p:cSld>
+  <p:clrMapOvr>
+    <a:masterClrMapping/>
+  </p:clrMapOvr>
+</p:sld>
+</file>
+
+<file path=ppt/slides/slide17.xml><?xml version="1.0" encoding="utf-8"?>
 <p:sld xmlns:a="http://schemas.openxmlformats.org/drawingml/2006/main" xmlns:r="http://schemas.openxmlformats.org/officeDocument/2006/relationships" xmlns:p="http://schemas.openxmlformats.org/presentationml/2006/main">
   <p:cSld>
     <p:bg>
@@ -4684,980 +5624,6 @@
 </p:sld>
 </file>
 
-<file path=ppt/slides/slide14.xml><?xml version="1.0" encoding="utf-8"?>
-<p:sld xmlns:a="http://schemas.openxmlformats.org/drawingml/2006/main" xmlns:r="http://schemas.openxmlformats.org/officeDocument/2006/relationships" xmlns:p="http://schemas.openxmlformats.org/presentationml/2006/main">
-  <p:cSld>
-    <p:bg>
-      <p:bgPr>
-        <a:blipFill dpi="0" rotWithShape="0">
-          <a:blip r:embed="rId2" cstate="print"/>
-          <a:srcRect/>
-          <a:stretch>
-            <a:fillRect/>
-          </a:stretch>
-        </a:blipFill>
-        <a:effectLst/>
-      </p:bgPr>
-    </p:bg>
-    <p:spTree>
-      <p:nvGrpSpPr>
-        <p:cNvPr id="1" name=""/>
-        <p:cNvGrpSpPr/>
-        <p:nvPr/>
-      </p:nvGrpSpPr>
-      <p:grpSpPr>
-        <a:xfrm>
-          <a:off x="0" y="0"/>
-          <a:ext cx="0" cy="0"/>
-          <a:chOff x="0" y="0"/>
-          <a:chExt cx="0" cy="0"/>
-        </a:xfrm>
-      </p:grpSpPr>
-      <p:sp>
-        <p:nvSpPr>
-          <p:cNvPr id="4098" name="Titre 3"/>
-          <p:cNvSpPr>
-            <a:spLocks noGrp="1"/>
-          </p:cNvSpPr>
-          <p:nvPr>
-            <p:ph type="title"/>
-          </p:nvPr>
-        </p:nvSpPr>
-        <p:spPr/>
-        <p:txBody>
-          <a:bodyPr/>
-          <a:lstStyle/>
-          <a:p>
-            <a:r>
-              <a:rPr lang="fr-CA" dirty="0" err="1">
-                <a:solidFill>
-                  <a:schemeClr val="bg1"/>
-                </a:solidFill>
-              </a:rPr>
-              <a:t>Core</a:t>
-            </a:r>
-            <a:r>
-              <a:rPr lang="fr-CA" dirty="0">
-                <a:solidFill>
-                  <a:schemeClr val="bg1"/>
-                </a:solidFill>
-              </a:rPr>
-              <a:t> (</a:t>
-            </a:r>
-            <a:r>
-              <a:rPr lang="fr-CA" dirty="0" err="1">
-                <a:solidFill>
-                  <a:schemeClr val="bg1"/>
-                </a:solidFill>
-              </a:rPr>
-              <a:t>cont</a:t>
-            </a:r>
-            <a:r>
-              <a:rPr lang="fr-CA" dirty="0">
-                <a:solidFill>
-                  <a:schemeClr val="bg1"/>
-                </a:solidFill>
-              </a:rPr>
-              <a:t>.)</a:t>
-            </a:r>
-          </a:p>
-        </p:txBody>
-      </p:sp>
-      <p:sp>
-        <p:nvSpPr>
-          <p:cNvPr id="4099" name="Espace réservé du contenu 4"/>
-          <p:cNvSpPr>
-            <a:spLocks noGrp="1"/>
-          </p:cNvSpPr>
-          <p:nvPr>
-            <p:ph idx="1"/>
-          </p:nvPr>
-        </p:nvSpPr>
-        <p:spPr>
-          <a:xfrm>
-            <a:off x="304800" y="1905000"/>
-            <a:ext cx="8534400" cy="3200400"/>
-          </a:xfrm>
-        </p:spPr>
-        <p:txBody>
-          <a:bodyPr/>
-          <a:lstStyle/>
-          <a:p>
-            <a:r>
-              <a:rPr lang="en-US" sz="1400" dirty="0">
-                <a:solidFill>
-                  <a:srgbClr val="3C5790"/>
-                </a:solidFill>
-              </a:rPr>
-              <a:t>A basic event has only the following elements:</a:t>
-            </a:r>
-          </a:p>
-          <a:p>
-            <a:r>
-              <a:rPr lang="en-US" sz="1400" b="1" dirty="0">
-                <a:solidFill>
-                  <a:srgbClr val="3C5790"/>
-                </a:solidFill>
-              </a:rPr>
-              <a:t>@timestamp</a:t>
-            </a:r>
-            <a:r>
-              <a:rPr lang="en-US" sz="1400" dirty="0">
-                <a:solidFill>
-                  <a:srgbClr val="3C5790"/>
-                </a:solidFill>
-              </a:rPr>
-              <a:t>: An ISO 8601 timestamp.</a:t>
-            </a:r>
-          </a:p>
-          <a:p>
-            <a:r>
-              <a:rPr lang="en-US" sz="1400" b="1" dirty="0">
-                <a:solidFill>
-                  <a:srgbClr val="3C5790"/>
-                </a:solidFill>
-              </a:rPr>
-              <a:t>message</a:t>
-            </a:r>
-            <a:r>
-              <a:rPr lang="en-US" sz="1400" dirty="0">
-                <a:solidFill>
-                  <a:srgbClr val="3C5790"/>
-                </a:solidFill>
-              </a:rPr>
-              <a:t>: The event’s message. Here testing as that’s what we put into STDIN.</a:t>
-            </a:r>
-          </a:p>
-          <a:p>
-            <a:r>
-              <a:rPr lang="en-US" sz="1400" b="1" dirty="0">
-                <a:solidFill>
-                  <a:srgbClr val="3C5790"/>
-                </a:solidFill>
-              </a:rPr>
-              <a:t>@version</a:t>
-            </a:r>
-            <a:r>
-              <a:rPr lang="en-US" sz="1400" dirty="0">
-                <a:solidFill>
-                  <a:srgbClr val="3C5790"/>
-                </a:solidFill>
-              </a:rPr>
-              <a:t>: The version of the event format. This current version is 1.</a:t>
-            </a:r>
-          </a:p>
-          <a:p>
-            <a:r>
-              <a:rPr lang="en-US" sz="1400" dirty="0">
-                <a:solidFill>
-                  <a:srgbClr val="3C5790"/>
-                </a:solidFill>
-              </a:rPr>
-              <a:t>Additionally many of the plugins we’ll use add additional fields.</a:t>
-            </a:r>
-          </a:p>
-        </p:txBody>
-      </p:sp>
-    </p:spTree>
-    <p:extLst>
-      <p:ext uri="{BB962C8B-B14F-4D97-AF65-F5344CB8AC3E}">
-        <p14:creationId xmlns:p14="http://schemas.microsoft.com/office/powerpoint/2010/main" val="1463434290"/>
-      </p:ext>
-    </p:extLst>
-  </p:cSld>
-  <p:clrMapOvr>
-    <a:masterClrMapping/>
-  </p:clrMapOvr>
-</p:sld>
-</file>
-
-<file path=ppt/slides/slide15.xml><?xml version="1.0" encoding="utf-8"?>
-<p:sld xmlns:a="http://schemas.openxmlformats.org/drawingml/2006/main" xmlns:r="http://schemas.openxmlformats.org/officeDocument/2006/relationships" xmlns:p="http://schemas.openxmlformats.org/presentationml/2006/main">
-  <p:cSld>
-    <p:bg>
-      <p:bgPr>
-        <a:blipFill dpi="0" rotWithShape="0">
-          <a:blip r:embed="rId2" cstate="print"/>
-          <a:srcRect/>
-          <a:stretch>
-            <a:fillRect/>
-          </a:stretch>
-        </a:blipFill>
-        <a:effectLst/>
-      </p:bgPr>
-    </p:bg>
-    <p:spTree>
-      <p:nvGrpSpPr>
-        <p:cNvPr id="1" name=""/>
-        <p:cNvGrpSpPr/>
-        <p:nvPr/>
-      </p:nvGrpSpPr>
-      <p:grpSpPr>
-        <a:xfrm>
-          <a:off x="0" y="0"/>
-          <a:ext cx="0" cy="0"/>
-          <a:chOff x="0" y="0"/>
-          <a:chExt cx="0" cy="0"/>
-        </a:xfrm>
-      </p:grpSpPr>
-      <p:sp>
-        <p:nvSpPr>
-          <p:cNvPr id="4098" name="Titre 3"/>
-          <p:cNvSpPr>
-            <a:spLocks noGrp="1"/>
-          </p:cNvSpPr>
-          <p:nvPr>
-            <p:ph type="title"/>
-          </p:nvPr>
-        </p:nvSpPr>
-        <p:spPr/>
-        <p:txBody>
-          <a:bodyPr/>
-          <a:lstStyle/>
-          <a:p>
-            <a:r>
-              <a:rPr lang="fr-CA" dirty="0" err="1">
-                <a:solidFill>
-                  <a:schemeClr val="bg1"/>
-                </a:solidFill>
-              </a:rPr>
-              <a:t>Core</a:t>
-            </a:r>
-            <a:r>
-              <a:rPr lang="fr-CA" dirty="0">
-                <a:solidFill>
-                  <a:schemeClr val="bg1"/>
-                </a:solidFill>
-              </a:rPr>
-              <a:t> (</a:t>
-            </a:r>
-            <a:r>
-              <a:rPr lang="fr-CA" dirty="0" err="1">
-                <a:solidFill>
-                  <a:schemeClr val="bg1"/>
-                </a:solidFill>
-              </a:rPr>
-              <a:t>cont</a:t>
-            </a:r>
-            <a:r>
-              <a:rPr lang="fr-CA" dirty="0">
-                <a:solidFill>
-                  <a:schemeClr val="bg1"/>
-                </a:solidFill>
-              </a:rPr>
-              <a:t>.)</a:t>
-            </a:r>
-          </a:p>
-        </p:txBody>
-      </p:sp>
-      <p:sp>
-        <p:nvSpPr>
-          <p:cNvPr id="4099" name="Espace réservé du contenu 4"/>
-          <p:cNvSpPr>
-            <a:spLocks noGrp="1"/>
-          </p:cNvSpPr>
-          <p:nvPr>
-            <p:ph idx="1"/>
-          </p:nvPr>
-        </p:nvSpPr>
-        <p:spPr>
-          <a:xfrm>
-            <a:off x="304800" y="1905000"/>
-            <a:ext cx="8534400" cy="3200400"/>
-          </a:xfrm>
-        </p:spPr>
-        <p:txBody>
-          <a:bodyPr/>
-          <a:lstStyle/>
-          <a:p>
-            <a:r>
-              <a:rPr lang="en-US" sz="1400" dirty="0">
-                <a:solidFill>
-                  <a:srgbClr val="3C5790"/>
-                </a:solidFill>
-              </a:rPr>
-              <a:t>An </a:t>
-            </a:r>
-            <a:r>
-              <a:rPr lang="en-US" sz="1400" b="1" dirty="0">
-                <a:solidFill>
-                  <a:srgbClr val="3C5790"/>
-                </a:solidFill>
-              </a:rPr>
-              <a:t>input</a:t>
-            </a:r>
-            <a:r>
-              <a:rPr lang="en-US" sz="1400" dirty="0">
-                <a:solidFill>
-                  <a:srgbClr val="3C5790"/>
-                </a:solidFill>
-              </a:rPr>
-              <a:t> plugin is used to configure a set of events to be fed to </a:t>
-            </a:r>
-            <a:r>
-              <a:rPr lang="en-US" sz="1400" dirty="0" err="1">
-                <a:solidFill>
-                  <a:srgbClr val="3C5790"/>
-                </a:solidFill>
-              </a:rPr>
-              <a:t>Logstash</a:t>
-            </a:r>
-            <a:r>
-              <a:rPr lang="en-US" sz="1400" dirty="0">
-                <a:solidFill>
-                  <a:srgbClr val="3C5790"/>
-                </a:solidFill>
-              </a:rPr>
-              <a:t>.</a:t>
-            </a:r>
-          </a:p>
-          <a:p>
-            <a:r>
-              <a:rPr lang="en-US" sz="1400" dirty="0">
-                <a:solidFill>
-                  <a:srgbClr val="3C5790"/>
-                </a:solidFill>
-              </a:rPr>
-              <a:t>The </a:t>
-            </a:r>
-            <a:r>
-              <a:rPr lang="en-US" sz="1400" b="1" dirty="0">
-                <a:solidFill>
-                  <a:srgbClr val="3C5790"/>
-                </a:solidFill>
-              </a:rPr>
-              <a:t>file</a:t>
-            </a:r>
-            <a:r>
-              <a:rPr lang="en-US" sz="1400" dirty="0">
-                <a:solidFill>
-                  <a:srgbClr val="3C5790"/>
-                </a:solidFill>
-              </a:rPr>
-              <a:t> plugin is used to stream events and log lines files to </a:t>
-            </a:r>
-            <a:r>
-              <a:rPr lang="en-US" sz="1400" dirty="0" err="1">
-                <a:solidFill>
-                  <a:srgbClr val="3C5790"/>
-                </a:solidFill>
-              </a:rPr>
-              <a:t>Logstash</a:t>
-            </a:r>
-            <a:r>
-              <a:rPr lang="en-US" sz="1400" dirty="0">
-                <a:solidFill>
-                  <a:srgbClr val="3C5790"/>
-                </a:solidFill>
-              </a:rPr>
-              <a:t>.</a:t>
-            </a:r>
-          </a:p>
-          <a:p>
-            <a:r>
-              <a:rPr lang="en-US" sz="1400" dirty="0">
-                <a:solidFill>
-                  <a:srgbClr val="3C5790"/>
-                </a:solidFill>
-              </a:rPr>
-              <a:t>It automatically detects file rotations, and reads from the point last read by it.</a:t>
-            </a:r>
-          </a:p>
-          <a:p>
-            <a:r>
-              <a:rPr lang="en-US" sz="1400" dirty="0">
-                <a:solidFill>
-                  <a:srgbClr val="3C5790"/>
-                </a:solidFill>
-              </a:rPr>
-              <a:t>The </a:t>
-            </a:r>
-            <a:r>
-              <a:rPr lang="en-US" sz="1400" dirty="0" err="1">
-                <a:solidFill>
-                  <a:srgbClr val="3C5790"/>
-                </a:solidFill>
-              </a:rPr>
-              <a:t>Logstash</a:t>
-            </a:r>
-            <a:r>
-              <a:rPr lang="en-US" sz="1400" dirty="0">
-                <a:solidFill>
-                  <a:srgbClr val="3C5790"/>
-                </a:solidFill>
-              </a:rPr>
-              <a:t> file plugin maintains </a:t>
-            </a:r>
-            <a:r>
-              <a:rPr lang="en-US" sz="1400" dirty="0" err="1">
-                <a:solidFill>
-                  <a:srgbClr val="3C5790"/>
-                </a:solidFill>
-              </a:rPr>
-              <a:t>sincedb</a:t>
-            </a:r>
-            <a:r>
-              <a:rPr lang="en-US" sz="1400" dirty="0">
-                <a:solidFill>
-                  <a:srgbClr val="3C5790"/>
-                </a:solidFill>
-              </a:rPr>
-              <a:t> files to track the current positions in files being monitored.</a:t>
-            </a:r>
-          </a:p>
-          <a:p>
-            <a:r>
-              <a:rPr lang="en-US" sz="1400" dirty="0">
-                <a:solidFill>
-                  <a:srgbClr val="3C5790"/>
-                </a:solidFill>
-              </a:rPr>
-              <a:t>By default it writes </a:t>
-            </a:r>
-            <a:r>
-              <a:rPr lang="en-US" sz="1400" dirty="0" err="1">
-                <a:solidFill>
-                  <a:srgbClr val="3C5790"/>
-                </a:solidFill>
-              </a:rPr>
-              <a:t>sincedb</a:t>
-            </a:r>
-            <a:r>
-              <a:rPr lang="en-US" sz="1400" dirty="0">
-                <a:solidFill>
-                  <a:srgbClr val="3C5790"/>
-                </a:solidFill>
-              </a:rPr>
-              <a:t> files at $HOME/.</a:t>
-            </a:r>
-            <a:r>
-              <a:rPr lang="en-US" sz="1400" dirty="0" err="1">
-                <a:solidFill>
-                  <a:srgbClr val="3C5790"/>
-                </a:solidFill>
-              </a:rPr>
-              <a:t>sincedb</a:t>
-            </a:r>
-            <a:r>
-              <a:rPr lang="en-US" sz="1400" dirty="0">
-                <a:solidFill>
-                  <a:srgbClr val="3C5790"/>
-                </a:solidFill>
-              </a:rPr>
-              <a:t>* path.</a:t>
-            </a:r>
-          </a:p>
-          <a:p>
-            <a:r>
-              <a:rPr lang="en-US" sz="1400" dirty="0">
-                <a:solidFill>
-                  <a:srgbClr val="3C5790"/>
-                </a:solidFill>
-              </a:rPr>
-              <a:t>input{</a:t>
-            </a:r>
-          </a:p>
-          <a:p>
-            <a:r>
-              <a:rPr lang="en-US" sz="1400" dirty="0">
-                <a:solidFill>
-                  <a:srgbClr val="3C5790"/>
-                </a:solidFill>
-              </a:rPr>
-              <a:t>  file {</a:t>
-            </a:r>
-          </a:p>
-          <a:p>
-            <a:r>
-              <a:rPr lang="en-US" sz="1400" dirty="0">
-                <a:solidFill>
-                  <a:srgbClr val="3C5790"/>
-                </a:solidFill>
-              </a:rPr>
-              <a:t>    path =&gt; "/path/to/logfiles"</a:t>
-            </a:r>
-          </a:p>
-          <a:p>
-            <a:r>
-              <a:rPr lang="en-US" sz="1400" dirty="0">
-                <a:solidFill>
-                  <a:srgbClr val="3C5790"/>
-                </a:solidFill>
-              </a:rPr>
-              <a:t>  }</a:t>
-            </a:r>
-          </a:p>
-          <a:p>
-            <a:r>
-              <a:rPr lang="en-US" sz="1400" dirty="0">
-                <a:solidFill>
-                  <a:srgbClr val="3C5790"/>
-                </a:solidFill>
-              </a:rPr>
-              <a:t>}</a:t>
-            </a:r>
-          </a:p>
-        </p:txBody>
-      </p:sp>
-    </p:spTree>
-    <p:extLst>
-      <p:ext uri="{BB962C8B-B14F-4D97-AF65-F5344CB8AC3E}">
-        <p14:creationId xmlns:p14="http://schemas.microsoft.com/office/powerpoint/2010/main" val="990807832"/>
-      </p:ext>
-    </p:extLst>
-  </p:cSld>
-  <p:clrMapOvr>
-    <a:masterClrMapping/>
-  </p:clrMapOvr>
-</p:sld>
-</file>
-
-<file path=ppt/slides/slide16.xml><?xml version="1.0" encoding="utf-8"?>
-<p:sld xmlns:a="http://schemas.openxmlformats.org/drawingml/2006/main" xmlns:r="http://schemas.openxmlformats.org/officeDocument/2006/relationships" xmlns:p="http://schemas.openxmlformats.org/presentationml/2006/main">
-  <p:cSld>
-    <p:bg>
-      <p:bgPr>
-        <a:blipFill dpi="0" rotWithShape="0">
-          <a:blip r:embed="rId2" cstate="print"/>
-          <a:srcRect/>
-          <a:stretch>
-            <a:fillRect/>
-          </a:stretch>
-        </a:blipFill>
-        <a:effectLst/>
-      </p:bgPr>
-    </p:bg>
-    <p:spTree>
-      <p:nvGrpSpPr>
-        <p:cNvPr id="1" name=""/>
-        <p:cNvGrpSpPr/>
-        <p:nvPr/>
-      </p:nvGrpSpPr>
-      <p:grpSpPr>
-        <a:xfrm>
-          <a:off x="0" y="0"/>
-          <a:ext cx="0" cy="0"/>
-          <a:chOff x="0" y="0"/>
-          <a:chExt cx="0" cy="0"/>
-        </a:xfrm>
-      </p:grpSpPr>
-      <p:sp>
-        <p:nvSpPr>
-          <p:cNvPr id="4098" name="Titre 3"/>
-          <p:cNvSpPr>
-            <a:spLocks noGrp="1"/>
-          </p:cNvSpPr>
-          <p:nvPr>
-            <p:ph type="title"/>
-          </p:nvPr>
-        </p:nvSpPr>
-        <p:spPr/>
-        <p:txBody>
-          <a:bodyPr/>
-          <a:lstStyle/>
-          <a:p>
-            <a:r>
-              <a:rPr lang="fr-CA" dirty="0" err="1">
-                <a:solidFill>
-                  <a:schemeClr val="bg1"/>
-                </a:solidFill>
-              </a:rPr>
-              <a:t>Core</a:t>
-            </a:r>
-            <a:r>
-              <a:rPr lang="fr-CA" dirty="0">
-                <a:solidFill>
-                  <a:schemeClr val="bg1"/>
-                </a:solidFill>
-              </a:rPr>
-              <a:t> (</a:t>
-            </a:r>
-            <a:r>
-              <a:rPr lang="fr-CA" dirty="0" err="1">
-                <a:solidFill>
-                  <a:schemeClr val="bg1"/>
-                </a:solidFill>
-              </a:rPr>
-              <a:t>cont</a:t>
-            </a:r>
-            <a:r>
-              <a:rPr lang="fr-CA" dirty="0">
-                <a:solidFill>
-                  <a:schemeClr val="bg1"/>
-                </a:solidFill>
-              </a:rPr>
-              <a:t>.)</a:t>
-            </a:r>
-          </a:p>
-        </p:txBody>
-      </p:sp>
-      <p:sp>
-        <p:nvSpPr>
-          <p:cNvPr id="4099" name="Espace réservé du contenu 4"/>
-          <p:cNvSpPr>
-            <a:spLocks noGrp="1"/>
-          </p:cNvSpPr>
-          <p:nvPr>
-            <p:ph idx="1"/>
-          </p:nvPr>
-        </p:nvSpPr>
-        <p:spPr>
-          <a:xfrm>
-            <a:off x="304800" y="1905000"/>
-            <a:ext cx="8534400" cy="3200400"/>
-          </a:xfrm>
-        </p:spPr>
-        <p:txBody>
-          <a:bodyPr/>
-          <a:lstStyle/>
-          <a:p>
-            <a:r>
-              <a:rPr lang="en-US" sz="1400" b="1" dirty="0">
-                <a:solidFill>
-                  <a:srgbClr val="3C5790"/>
-                </a:solidFill>
-              </a:rPr>
-              <a:t>Configuration options</a:t>
-            </a:r>
-          </a:p>
-          <a:p>
-            <a:r>
-              <a:rPr lang="en-US" sz="1400" b="1" dirty="0" err="1">
-                <a:solidFill>
-                  <a:srgbClr val="3C5790"/>
-                </a:solidFill>
-              </a:rPr>
-              <a:t>add_field</a:t>
-            </a:r>
-            <a:r>
-              <a:rPr lang="en-US" sz="1400" dirty="0">
-                <a:solidFill>
-                  <a:srgbClr val="3C5790"/>
-                </a:solidFill>
-              </a:rPr>
-              <a:t>: used to add a field to incoming events, its value type is Hash(default value is {}.)</a:t>
-            </a:r>
-          </a:p>
-          <a:p>
-            <a:r>
-              <a:rPr lang="en-US" sz="1400" dirty="0" err="1">
-                <a:solidFill>
-                  <a:srgbClr val="3C5790"/>
-                </a:solidFill>
-              </a:rPr>
-              <a:t>add_field</a:t>
-            </a:r>
-            <a:r>
-              <a:rPr lang="en-US" sz="1400" dirty="0">
-                <a:solidFill>
-                  <a:srgbClr val="3C5790"/>
-                </a:solidFill>
-              </a:rPr>
-              <a:t> =&gt; { "</a:t>
-            </a:r>
-            <a:r>
-              <a:rPr lang="en-US" sz="1400" dirty="0" err="1">
-                <a:solidFill>
-                  <a:srgbClr val="3C5790"/>
-                </a:solidFill>
-              </a:rPr>
-              <a:t>input_time</a:t>
-            </a:r>
-            <a:r>
-              <a:rPr lang="en-US" sz="1400" dirty="0">
-                <a:solidFill>
-                  <a:srgbClr val="3C5790"/>
-                </a:solidFill>
-              </a:rPr>
-              <a:t>" =&gt; "%{@timestamp}" }</a:t>
-            </a:r>
-          </a:p>
-          <a:p>
-            <a:r>
-              <a:rPr lang="en-US" sz="1400" b="1" dirty="0">
-                <a:solidFill>
-                  <a:srgbClr val="3C5790"/>
-                </a:solidFill>
-              </a:rPr>
-              <a:t>codec</a:t>
-            </a:r>
-            <a:r>
-              <a:rPr lang="en-US" sz="1400" dirty="0">
-                <a:solidFill>
-                  <a:srgbClr val="3C5790"/>
-                </a:solidFill>
-              </a:rPr>
-              <a:t>: used to specify a codec, which can decode a specific type of input.</a:t>
-            </a:r>
-          </a:p>
-          <a:p>
-            <a:r>
-              <a:rPr lang="en-US" sz="1400" b="1" dirty="0">
-                <a:solidFill>
-                  <a:srgbClr val="3C5790"/>
-                </a:solidFill>
-              </a:rPr>
-              <a:t>delimiter</a:t>
-            </a:r>
-            <a:r>
-              <a:rPr lang="en-US" sz="1400" dirty="0">
-                <a:solidFill>
-                  <a:srgbClr val="3C5790"/>
-                </a:solidFill>
-              </a:rPr>
-              <a:t>: used to specify a delimiter, which identifies separate lines(default: "\n".)</a:t>
-            </a:r>
-          </a:p>
-          <a:p>
-            <a:r>
-              <a:rPr lang="en-US" sz="1400" b="1" dirty="0">
-                <a:solidFill>
-                  <a:srgbClr val="3C5790"/>
-                </a:solidFill>
-              </a:rPr>
-              <a:t>exclude</a:t>
-            </a:r>
-            <a:r>
-              <a:rPr lang="en-US" sz="1400" dirty="0">
-                <a:solidFill>
-                  <a:srgbClr val="3C5790"/>
-                </a:solidFill>
-              </a:rPr>
-              <a:t>: exclude certain types of files from the input path, the data type is array.</a:t>
-            </a:r>
-          </a:p>
-          <a:p>
-            <a:r>
-              <a:rPr lang="en-US" sz="1400" b="1" dirty="0">
-                <a:solidFill>
-                  <a:srgbClr val="3C5790"/>
-                </a:solidFill>
-              </a:rPr>
-              <a:t>path</a:t>
-            </a:r>
-            <a:r>
-              <a:rPr lang="en-US" sz="1400" dirty="0">
-                <a:solidFill>
-                  <a:srgbClr val="3C5790"/>
-                </a:solidFill>
-              </a:rPr>
-              <a:t>: specifies an array of path locations from where to read logs and events.</a:t>
-            </a:r>
-          </a:p>
-        </p:txBody>
-      </p:sp>
-    </p:spTree>
-    <p:extLst>
-      <p:ext uri="{BB962C8B-B14F-4D97-AF65-F5344CB8AC3E}">
-        <p14:creationId xmlns:p14="http://schemas.microsoft.com/office/powerpoint/2010/main" val="2752221442"/>
-      </p:ext>
-    </p:extLst>
-  </p:cSld>
-  <p:clrMapOvr>
-    <a:masterClrMapping/>
-  </p:clrMapOvr>
-</p:sld>
-</file>
-
-<file path=ppt/slides/slide17.xml><?xml version="1.0" encoding="utf-8"?>
-<p:sld xmlns:a="http://schemas.openxmlformats.org/drawingml/2006/main" xmlns:r="http://schemas.openxmlformats.org/officeDocument/2006/relationships" xmlns:p="http://schemas.openxmlformats.org/presentationml/2006/main">
-  <p:cSld>
-    <p:bg>
-      <p:bgPr>
-        <a:blipFill dpi="0" rotWithShape="0">
-          <a:blip r:embed="rId2" cstate="print"/>
-          <a:srcRect/>
-          <a:stretch>
-            <a:fillRect/>
-          </a:stretch>
-        </a:blipFill>
-        <a:effectLst/>
-      </p:bgPr>
-    </p:bg>
-    <p:spTree>
-      <p:nvGrpSpPr>
-        <p:cNvPr id="1" name=""/>
-        <p:cNvGrpSpPr/>
-        <p:nvPr/>
-      </p:nvGrpSpPr>
-      <p:grpSpPr>
-        <a:xfrm>
-          <a:off x="0" y="0"/>
-          <a:ext cx="0" cy="0"/>
-          <a:chOff x="0" y="0"/>
-          <a:chExt cx="0" cy="0"/>
-        </a:xfrm>
-      </p:grpSpPr>
-      <p:sp>
-        <p:nvSpPr>
-          <p:cNvPr id="4098" name="Titre 3"/>
-          <p:cNvSpPr>
-            <a:spLocks noGrp="1"/>
-          </p:cNvSpPr>
-          <p:nvPr>
-            <p:ph type="title"/>
-          </p:nvPr>
-        </p:nvSpPr>
-        <p:spPr/>
-        <p:txBody>
-          <a:bodyPr/>
-          <a:lstStyle/>
-          <a:p>
-            <a:r>
-              <a:rPr lang="fr-CA" dirty="0" err="1">
-                <a:solidFill>
-                  <a:schemeClr val="bg1"/>
-                </a:solidFill>
-              </a:rPr>
-              <a:t>Core</a:t>
-            </a:r>
-            <a:r>
-              <a:rPr lang="fr-CA" dirty="0">
-                <a:solidFill>
-                  <a:schemeClr val="bg1"/>
-                </a:solidFill>
-              </a:rPr>
-              <a:t> (</a:t>
-            </a:r>
-            <a:r>
-              <a:rPr lang="fr-CA" dirty="0" err="1">
-                <a:solidFill>
-                  <a:schemeClr val="bg1"/>
-                </a:solidFill>
-              </a:rPr>
-              <a:t>cont</a:t>
-            </a:r>
-            <a:r>
-              <a:rPr lang="fr-CA" dirty="0">
-                <a:solidFill>
-                  <a:schemeClr val="bg1"/>
-                </a:solidFill>
-              </a:rPr>
-              <a:t>.)</a:t>
-            </a:r>
-          </a:p>
-        </p:txBody>
-      </p:sp>
-      <p:sp>
-        <p:nvSpPr>
-          <p:cNvPr id="4099" name="Espace réservé du contenu 4"/>
-          <p:cNvSpPr>
-            <a:spLocks noGrp="1"/>
-          </p:cNvSpPr>
-          <p:nvPr>
-            <p:ph idx="1"/>
-          </p:nvPr>
-        </p:nvSpPr>
-        <p:spPr>
-          <a:xfrm>
-            <a:off x="304800" y="1905000"/>
-            <a:ext cx="8534400" cy="3200400"/>
-          </a:xfrm>
-        </p:spPr>
-        <p:txBody>
-          <a:bodyPr/>
-          <a:lstStyle/>
-          <a:p>
-            <a:r>
-              <a:rPr lang="en-US" sz="1400" b="1" dirty="0" err="1">
-                <a:solidFill>
-                  <a:srgbClr val="3C5790"/>
-                </a:solidFill>
-              </a:rPr>
-              <a:t>sincedb_path</a:t>
-            </a:r>
-            <a:r>
-              <a:rPr lang="en-US" sz="1400" dirty="0">
-                <a:solidFill>
-                  <a:srgbClr val="3C5790"/>
-                </a:solidFill>
-              </a:rPr>
-              <a:t>: specifies the location where to write the </a:t>
-            </a:r>
-            <a:r>
-              <a:rPr lang="en-US" sz="1400" dirty="0" err="1">
-                <a:solidFill>
-                  <a:srgbClr val="3C5790"/>
-                </a:solidFill>
-              </a:rPr>
-              <a:t>sincedb</a:t>
-            </a:r>
-            <a:r>
-              <a:rPr lang="en-US" sz="1400" dirty="0">
-                <a:solidFill>
-                  <a:srgbClr val="3C5790"/>
-                </a:solidFill>
-              </a:rPr>
-              <a:t> files, which keeps track of the current position of files being monitored.</a:t>
-            </a:r>
-          </a:p>
-          <a:p>
-            <a:r>
-              <a:rPr lang="en-US" sz="1400" b="1" dirty="0" err="1">
-                <a:solidFill>
-                  <a:srgbClr val="3C5790"/>
-                </a:solidFill>
-              </a:rPr>
-              <a:t>sincedb_write_interval</a:t>
-            </a:r>
-            <a:r>
-              <a:rPr lang="en-US" sz="1400" dirty="0">
-                <a:solidFill>
-                  <a:srgbClr val="3C5790"/>
-                </a:solidFill>
-              </a:rPr>
-              <a:t>: specifies how often (number in seconds), the </a:t>
-            </a:r>
-            <a:r>
-              <a:rPr lang="en-US" sz="1400" dirty="0" err="1">
-                <a:solidFill>
-                  <a:srgbClr val="3C5790"/>
-                </a:solidFill>
-              </a:rPr>
-              <a:t>sincedb</a:t>
-            </a:r>
-            <a:r>
-              <a:rPr lang="en-US" sz="1400" dirty="0">
-                <a:solidFill>
-                  <a:srgbClr val="3C5790"/>
-                </a:solidFill>
-              </a:rPr>
-              <a:t> files that keep track of the current position of monitored files, are to be written.(Default 15 seconds)</a:t>
-            </a:r>
-          </a:p>
-          <a:p>
-            <a:r>
-              <a:rPr lang="en-US" sz="1400" b="1" dirty="0" err="1">
-                <a:solidFill>
-                  <a:srgbClr val="3C5790"/>
-                </a:solidFill>
-              </a:rPr>
-              <a:t>start_position</a:t>
-            </a:r>
-            <a:r>
-              <a:rPr lang="en-US" sz="1400" dirty="0">
-                <a:solidFill>
-                  <a:srgbClr val="3C5790"/>
-                </a:solidFill>
-              </a:rPr>
-              <a:t>: It has two values: "beginning" and "end". It specifies where to start reading incoming files from. The default value is "end".</a:t>
-            </a:r>
-          </a:p>
-        </p:txBody>
-      </p:sp>
-    </p:spTree>
-    <p:extLst>
-      <p:ext uri="{BB962C8B-B14F-4D97-AF65-F5344CB8AC3E}">
-        <p14:creationId xmlns:p14="http://schemas.microsoft.com/office/powerpoint/2010/main" val="423548580"/>
-      </p:ext>
-    </p:extLst>
-  </p:cSld>
-  <p:clrMapOvr>
-    <a:masterClrMapping/>
-  </p:clrMapOvr>
-</p:sld>
-</file>
-
 <file path=ppt/slides/slide18.xml><?xml version="1.0" encoding="utf-8"?>
 <p:sld xmlns:a="http://schemas.openxmlformats.org/drawingml/2006/main" xmlns:r="http://schemas.openxmlformats.org/officeDocument/2006/relationships" xmlns:p="http://schemas.openxmlformats.org/presentationml/2006/main">
   <p:cSld>
@@ -5763,39 +5729,25 @@
                   <a:srgbClr val="3C5790"/>
                 </a:solidFill>
               </a:rPr>
-              <a:t>The </a:t>
-            </a:r>
+              <a:t>A basic event has only the following elements:</a:t>
+            </a:r>
+          </a:p>
+          <a:p>
             <a:r>
               <a:rPr lang="en-US" sz="1400" b="1" dirty="0">
                 <a:solidFill>
                   <a:srgbClr val="3C5790"/>
                 </a:solidFill>
               </a:rPr>
-              <a:t>type</a:t>
-            </a:r>
-            <a:r>
-              <a:rPr lang="en-US" sz="1400" dirty="0">
-                <a:solidFill>
-                  <a:srgbClr val="3C5790"/>
-                </a:solidFill>
-              </a:rPr>
-              <a:t> option is really helpful to process the different type of incoming streams using </a:t>
-            </a:r>
-            <a:r>
-              <a:rPr lang="en-US" sz="1400" dirty="0" err="1">
-                <a:solidFill>
-                  <a:srgbClr val="3C5790"/>
-                </a:solidFill>
-              </a:rPr>
-              <a:t>Logstash</a:t>
-            </a:r>
-            <a:r>
-              <a:rPr lang="en-US" sz="1400" dirty="0">
-                <a:solidFill>
-                  <a:srgbClr val="3C5790"/>
-                </a:solidFill>
-              </a:rPr>
-              <a:t>.</a:t>
+              <a:t>@timestamp</a:t>
+            </a:r>
+            <a:r>
+              <a:rPr lang="en-US" sz="1400" dirty="0">
+                <a:solidFill>
+                  <a:srgbClr val="3C5790"/>
+                </a:solidFill>
+              </a:rPr>
+              <a:t>: An ISO 8601 timestamp.</a:t>
             </a:r>
           </a:p>
           <a:p>
@@ -5805,45 +5757,43 @@
                   <a:srgbClr val="3C5790"/>
                 </a:solidFill>
               </a:rPr>
-              <a:t>tags</a:t>
-            </a:r>
-            <a:r>
-              <a:rPr lang="en-US" sz="1400" dirty="0">
-                <a:solidFill>
-                  <a:srgbClr val="3C5790"/>
-                </a:solidFill>
-              </a:rPr>
-              <a:t>: specifies the array of tags that can be added to incoming events. Adding tags to your incoming events helps with processing later, when using conditionals.</a:t>
-            </a:r>
-          </a:p>
-          <a:p>
-            <a:r>
-              <a:rPr lang="en-US" sz="1400" dirty="0">
-                <a:solidFill>
-                  <a:srgbClr val="3C5790"/>
-                </a:solidFill>
-              </a:rPr>
-              <a:t>If we specify "processed" in tags: tags =&gt;["processed"]</a:t>
-            </a:r>
-          </a:p>
-          <a:p>
-            <a:r>
-              <a:rPr lang="en-US" sz="1400" dirty="0">
-                <a:solidFill>
-                  <a:srgbClr val="3C5790"/>
-                </a:solidFill>
-              </a:rPr>
-              <a:t>In filter, we can check in conditionals:</a:t>
-            </a:r>
-          </a:p>
-          <a:p>
-            <a:r>
-              <a:rPr lang="en-US" sz="1400" dirty="0">
-                <a:solidFill>
-                  <a:srgbClr val="3C5790"/>
-                </a:solidFill>
-              </a:rPr>
-              <a:t>filter { if "processed" in tags[]{} }</a:t>
+              <a:t>message</a:t>
+            </a:r>
+            <a:r>
+              <a:rPr lang="en-US" sz="1400" dirty="0">
+                <a:solidFill>
+                  <a:srgbClr val="3C5790"/>
+                </a:solidFill>
+              </a:rPr>
+              <a:t>: The event’s message. Here testing as that’s what we put into STDIN.</a:t>
+            </a:r>
+          </a:p>
+          <a:p>
+            <a:r>
+              <a:rPr lang="en-US" sz="1400" b="1" dirty="0">
+                <a:solidFill>
+                  <a:srgbClr val="3C5790"/>
+                </a:solidFill>
+              </a:rPr>
+              <a:t>@version</a:t>
+            </a:r>
+            <a:r>
+              <a:rPr lang="en-US" sz="1400" dirty="0">
+                <a:solidFill>
+                  <a:srgbClr val="3C5790"/>
+                </a:solidFill>
+              </a:rPr>
+              <a:t>: The version of the event format. This current version is 1.</a:t>
+            </a:r>
+          </a:p>
+          <a:p>
+            <a:r>
+              <a:rPr lang="en-US" sz="1400" dirty="0">
+                <a:solidFill>
+                  <a:srgbClr val="3C5790"/>
+                </a:solidFill>
+              </a:rPr>
+              <a:t>Additionally, many of the plugins we’ll use add additional fields.</a:t>
             </a:r>
           </a:p>
         </p:txBody>
@@ -5851,7 +5801,7 @@
     </p:spTree>
     <p:extLst>
       <p:ext uri="{BB962C8B-B14F-4D97-AF65-F5344CB8AC3E}">
-        <p14:creationId xmlns:p14="http://schemas.microsoft.com/office/powerpoint/2010/main" val="1600967905"/>
+        <p14:creationId xmlns:p14="http://schemas.microsoft.com/office/powerpoint/2010/main" val="1463434290"/>
       </p:ext>
     </p:extLst>
   </p:cSld>
@@ -5966,6 +5916,48 @@
                   <a:srgbClr val="3C5790"/>
                 </a:solidFill>
               </a:rPr>
+              <a:t>An </a:t>
+            </a:r>
+            <a:r>
+              <a:rPr lang="en-US" sz="1400" b="1" dirty="0">
+                <a:solidFill>
+                  <a:srgbClr val="3C5790"/>
+                </a:solidFill>
+              </a:rPr>
+              <a:t>input</a:t>
+            </a:r>
+            <a:r>
+              <a:rPr lang="en-US" sz="1400" dirty="0">
+                <a:solidFill>
+                  <a:srgbClr val="3C5790"/>
+                </a:solidFill>
+              </a:rPr>
+              <a:t> plugin is used to configure a set of events to be fed to </a:t>
+            </a:r>
+            <a:r>
+              <a:rPr lang="en-US" sz="1400" dirty="0" err="1">
+                <a:solidFill>
+                  <a:srgbClr val="3C5790"/>
+                </a:solidFill>
+              </a:rPr>
+              <a:t>Logstash</a:t>
+            </a:r>
+            <a:r>
+              <a:rPr lang="en-US" sz="1400" dirty="0">
+                <a:solidFill>
+                  <a:srgbClr val="3C5790"/>
+                </a:solidFill>
+              </a:rPr>
+              <a:t>.</a:t>
+            </a:r>
+          </a:p>
+          <a:p>
+            <a:r>
+              <a:rPr lang="en-US" sz="1400" dirty="0">
+                <a:solidFill>
+                  <a:srgbClr val="3C5790"/>
+                </a:solidFill>
+              </a:rPr>
               <a:t>The </a:t>
             </a:r>
             <a:r>
@@ -5974,25 +5966,15 @@
                   <a:srgbClr val="3C5790"/>
                 </a:solidFill>
               </a:rPr>
-              <a:t>stdin</a:t>
-            </a:r>
-            <a:r>
-              <a:rPr lang="en-US" sz="1400" dirty="0">
-                <a:solidFill>
-                  <a:srgbClr val="3C5790"/>
-                </a:solidFill>
-              </a:rPr>
-              <a:t> plugin is used to stream events and log lines from standard input.</a:t>
-            </a:r>
-          </a:p>
-          <a:p>
-            <a:r>
-              <a:rPr lang="en-US" sz="1400" dirty="0">
-                <a:solidFill>
-                  <a:srgbClr val="3C5790"/>
-                </a:solidFill>
-              </a:rPr>
-              <a:t>Whatever we type in the console will go as input to the </a:t>
+              <a:t>file</a:t>
+            </a:r>
+            <a:r>
+              <a:rPr lang="en-US" sz="1400" dirty="0">
+                <a:solidFill>
+                  <a:srgbClr val="3C5790"/>
+                </a:solidFill>
+              </a:rPr>
+              <a:t> plugin is used to stream events and log lines files to </a:t>
             </a:r>
             <a:r>
               <a:rPr lang="en-US" sz="1400" dirty="0" err="1">
@@ -6008,7 +5990,17 @@
                   <a:srgbClr val="3C5790"/>
                 </a:solidFill>
               </a:rPr>
-              <a:t> event pipeline.</a:t>
+              <a:t>.</a:t>
+            </a:r>
+          </a:p>
+          <a:p>
+            <a:r>
+              <a:rPr lang="en-US" sz="1400" dirty="0">
+                <a:solidFill>
+                  <a:srgbClr val="3C5790"/>
+                </a:solidFill>
+              </a:rPr>
+              <a:t>It automatically detects file rotations and reads from the point last read by it.</a:t>
             </a:r>
           </a:p>
           <a:p>
@@ -6021,22 +6013,6 @@
               <a:t>The </a:t>
             </a:r>
             <a:r>
-              <a:rPr lang="en-US" sz="1400" b="1" dirty="0">
-                <a:solidFill>
-                  <a:srgbClr val="3C5790"/>
-                </a:solidFill>
-              </a:rPr>
-              <a:t>lumberjack</a:t>
-            </a:r>
-            <a:r>
-              <a:rPr lang="en-US" sz="1400" dirty="0">
-                <a:solidFill>
-                  <a:srgbClr val="3C5790"/>
-                </a:solidFill>
-              </a:rPr>
-              <a:t> plugin is useful to receive events via the lumberjack protocol that is used in </a:t>
-            </a:r>
-            <a:r>
               <a:rPr lang="en-US" sz="1400" dirty="0" err="1">
                 <a:solidFill>
                   <a:srgbClr val="3C5790"/>
@@ -6050,7 +6026,115 @@
                   <a:srgbClr val="3C5790"/>
                 </a:solidFill>
               </a:rPr>
-              <a:t> forwarder.</a:t>
+              <a:t> file plugin maintains </a:t>
+            </a:r>
+            <a:r>
+              <a:rPr lang="en-US" sz="1400" dirty="0" err="1">
+                <a:solidFill>
+                  <a:srgbClr val="3C5790"/>
+                </a:solidFill>
+              </a:rPr>
+              <a:t>sincedb</a:t>
+            </a:r>
+            <a:r>
+              <a:rPr lang="en-US" sz="1400" dirty="0">
+                <a:solidFill>
+                  <a:srgbClr val="3C5790"/>
+                </a:solidFill>
+              </a:rPr>
+              <a:t> files to track the current positions in files being monitored.</a:t>
+            </a:r>
+          </a:p>
+          <a:p>
+            <a:r>
+              <a:rPr lang="en-US" sz="1400" dirty="0">
+                <a:solidFill>
+                  <a:srgbClr val="3C5790"/>
+                </a:solidFill>
+              </a:rPr>
+              <a:t>By default, it writes </a:t>
+            </a:r>
+            <a:r>
+              <a:rPr lang="en-US" sz="1400" dirty="0" err="1">
+                <a:solidFill>
+                  <a:srgbClr val="3C5790"/>
+                </a:solidFill>
+              </a:rPr>
+              <a:t>sincedb</a:t>
+            </a:r>
+            <a:r>
+              <a:rPr lang="en-US" sz="1400" dirty="0">
+                <a:solidFill>
+                  <a:srgbClr val="3C5790"/>
+                </a:solidFill>
+              </a:rPr>
+              <a:t> files at $HOME/.</a:t>
+            </a:r>
+            <a:r>
+              <a:rPr lang="en-US" sz="1400" dirty="0" err="1">
+                <a:solidFill>
+                  <a:srgbClr val="3C5790"/>
+                </a:solidFill>
+              </a:rPr>
+              <a:t>sincedb</a:t>
+            </a:r>
+            <a:r>
+              <a:rPr lang="en-US" sz="1400" dirty="0">
+                <a:solidFill>
+                  <a:srgbClr val="3C5790"/>
+                </a:solidFill>
+              </a:rPr>
+              <a:t>* path.</a:t>
+            </a:r>
+          </a:p>
+          <a:p>
+            <a:r>
+              <a:rPr lang="en-US" sz="1400" dirty="0">
+                <a:solidFill>
+                  <a:srgbClr val="3C5790"/>
+                </a:solidFill>
+              </a:rPr>
+              <a:t>input{</a:t>
+            </a:r>
+          </a:p>
+          <a:p>
+            <a:r>
+              <a:rPr lang="en-US" sz="1400" dirty="0">
+                <a:solidFill>
+                  <a:srgbClr val="3C5790"/>
+                </a:solidFill>
+              </a:rPr>
+              <a:t>  file {</a:t>
+            </a:r>
+          </a:p>
+          <a:p>
+            <a:r>
+              <a:rPr lang="en-US" sz="1400" dirty="0">
+                <a:solidFill>
+                  <a:srgbClr val="3C5790"/>
+                </a:solidFill>
+              </a:rPr>
+              <a:t>    path =&gt; "/path/to/logfiles"</a:t>
+            </a:r>
+          </a:p>
+          <a:p>
+            <a:r>
+              <a:rPr lang="en-US" sz="1400" dirty="0">
+                <a:solidFill>
+                  <a:srgbClr val="3C5790"/>
+                </a:solidFill>
+              </a:rPr>
+              <a:t>  }</a:t>
+            </a:r>
+          </a:p>
+          <a:p>
+            <a:r>
+              <a:rPr lang="en-US" sz="1400" dirty="0">
+                <a:solidFill>
+                  <a:srgbClr val="3C5790"/>
+                </a:solidFill>
+              </a:rPr>
+              <a:t>}</a:t>
             </a:r>
           </a:p>
         </p:txBody>
@@ -6058,7 +6142,7 @@
     </p:spTree>
     <p:extLst>
       <p:ext uri="{BB962C8B-B14F-4D97-AF65-F5344CB8AC3E}">
-        <p14:creationId xmlns:p14="http://schemas.microsoft.com/office/powerpoint/2010/main" val="171951245"/>
+        <p14:creationId xmlns:p14="http://schemas.microsoft.com/office/powerpoint/2010/main" val="990807832"/>
       </p:ext>
     </p:extLst>
   </p:cSld>
@@ -6413,6 +6497,3088 @@
           <a:lstStyle/>
           <a:p>
             <a:r>
+              <a:rPr lang="en-US" sz="1400" b="1" dirty="0">
+                <a:solidFill>
+                  <a:srgbClr val="3C5790"/>
+                </a:solidFill>
+              </a:rPr>
+              <a:t>Configuration options</a:t>
+            </a:r>
+          </a:p>
+          <a:p>
+            <a:r>
+              <a:rPr lang="en-US" sz="1400" b="1" dirty="0" err="1">
+                <a:solidFill>
+                  <a:srgbClr val="3C5790"/>
+                </a:solidFill>
+              </a:rPr>
+              <a:t>add_field</a:t>
+            </a:r>
+            <a:r>
+              <a:rPr lang="en-US" sz="1400" dirty="0">
+                <a:solidFill>
+                  <a:srgbClr val="3C5790"/>
+                </a:solidFill>
+              </a:rPr>
+              <a:t>: used to add a field to incoming events, its value type is Hash(default value is {}.)</a:t>
+            </a:r>
+          </a:p>
+          <a:p>
+            <a:r>
+              <a:rPr lang="en-US" sz="1400" dirty="0" err="1">
+                <a:solidFill>
+                  <a:srgbClr val="3C5790"/>
+                </a:solidFill>
+              </a:rPr>
+              <a:t>add_field</a:t>
+            </a:r>
+            <a:r>
+              <a:rPr lang="en-US" sz="1400" dirty="0">
+                <a:solidFill>
+                  <a:srgbClr val="3C5790"/>
+                </a:solidFill>
+              </a:rPr>
+              <a:t> =&gt; { "</a:t>
+            </a:r>
+            <a:r>
+              <a:rPr lang="en-US" sz="1400" dirty="0" err="1">
+                <a:solidFill>
+                  <a:srgbClr val="3C5790"/>
+                </a:solidFill>
+              </a:rPr>
+              <a:t>input_time</a:t>
+            </a:r>
+            <a:r>
+              <a:rPr lang="en-US" sz="1400" dirty="0">
+                <a:solidFill>
+                  <a:srgbClr val="3C5790"/>
+                </a:solidFill>
+              </a:rPr>
+              <a:t>" =&gt; "%{@timestamp}" }</a:t>
+            </a:r>
+          </a:p>
+          <a:p>
+            <a:r>
+              <a:rPr lang="en-US" sz="1400" b="1" dirty="0">
+                <a:solidFill>
+                  <a:srgbClr val="3C5790"/>
+                </a:solidFill>
+              </a:rPr>
+              <a:t>codec</a:t>
+            </a:r>
+            <a:r>
+              <a:rPr lang="en-US" sz="1400" dirty="0">
+                <a:solidFill>
+                  <a:srgbClr val="3C5790"/>
+                </a:solidFill>
+              </a:rPr>
+              <a:t>: used to specify a codec, which can decode a specific type of input.</a:t>
+            </a:r>
+          </a:p>
+          <a:p>
+            <a:r>
+              <a:rPr lang="en-US" sz="1400" b="1" dirty="0">
+                <a:solidFill>
+                  <a:srgbClr val="3C5790"/>
+                </a:solidFill>
+              </a:rPr>
+              <a:t>delimiter</a:t>
+            </a:r>
+            <a:r>
+              <a:rPr lang="en-US" sz="1400" dirty="0">
+                <a:solidFill>
+                  <a:srgbClr val="3C5790"/>
+                </a:solidFill>
+              </a:rPr>
+              <a:t>: used to specify a delimiter, which identifies separate lines(default: "\n".)</a:t>
+            </a:r>
+          </a:p>
+          <a:p>
+            <a:r>
+              <a:rPr lang="en-US" sz="1400" b="1" dirty="0">
+                <a:solidFill>
+                  <a:srgbClr val="3C5790"/>
+                </a:solidFill>
+              </a:rPr>
+              <a:t>exclude</a:t>
+            </a:r>
+            <a:r>
+              <a:rPr lang="en-US" sz="1400" dirty="0">
+                <a:solidFill>
+                  <a:srgbClr val="3C5790"/>
+                </a:solidFill>
+              </a:rPr>
+              <a:t>: exclude certain types of files from the input path, the data type is array.</a:t>
+            </a:r>
+          </a:p>
+          <a:p>
+            <a:r>
+              <a:rPr lang="en-US" sz="1400" b="1" dirty="0">
+                <a:solidFill>
+                  <a:srgbClr val="3C5790"/>
+                </a:solidFill>
+              </a:rPr>
+              <a:t>path</a:t>
+            </a:r>
+            <a:r>
+              <a:rPr lang="en-US" sz="1400" dirty="0">
+                <a:solidFill>
+                  <a:srgbClr val="3C5790"/>
+                </a:solidFill>
+              </a:rPr>
+              <a:t>: specifies an array of path locations from where to read logs and events.</a:t>
+            </a:r>
+          </a:p>
+        </p:txBody>
+      </p:sp>
+    </p:spTree>
+    <p:extLst>
+      <p:ext uri="{BB962C8B-B14F-4D97-AF65-F5344CB8AC3E}">
+        <p14:creationId xmlns:p14="http://schemas.microsoft.com/office/powerpoint/2010/main" val="2752221442"/>
+      </p:ext>
+    </p:extLst>
+  </p:cSld>
+  <p:clrMapOvr>
+    <a:masterClrMapping/>
+  </p:clrMapOvr>
+</p:sld>
+</file>
+
+<file path=ppt/slides/slide21.xml><?xml version="1.0" encoding="utf-8"?>
+<p:sld xmlns:a="http://schemas.openxmlformats.org/drawingml/2006/main" xmlns:r="http://schemas.openxmlformats.org/officeDocument/2006/relationships" xmlns:p="http://schemas.openxmlformats.org/presentationml/2006/main">
+  <p:cSld>
+    <p:bg>
+      <p:bgPr>
+        <a:blipFill dpi="0" rotWithShape="0">
+          <a:blip r:embed="rId2" cstate="print"/>
+          <a:srcRect/>
+          <a:stretch>
+            <a:fillRect/>
+          </a:stretch>
+        </a:blipFill>
+        <a:effectLst/>
+      </p:bgPr>
+    </p:bg>
+    <p:spTree>
+      <p:nvGrpSpPr>
+        <p:cNvPr id="1" name=""/>
+        <p:cNvGrpSpPr/>
+        <p:nvPr/>
+      </p:nvGrpSpPr>
+      <p:grpSpPr>
+        <a:xfrm>
+          <a:off x="0" y="0"/>
+          <a:ext cx="0" cy="0"/>
+          <a:chOff x="0" y="0"/>
+          <a:chExt cx="0" cy="0"/>
+        </a:xfrm>
+      </p:grpSpPr>
+      <p:sp>
+        <p:nvSpPr>
+          <p:cNvPr id="4098" name="Titre 3"/>
+          <p:cNvSpPr>
+            <a:spLocks noGrp="1"/>
+          </p:cNvSpPr>
+          <p:nvPr>
+            <p:ph type="title"/>
+          </p:nvPr>
+        </p:nvSpPr>
+        <p:spPr/>
+        <p:txBody>
+          <a:bodyPr/>
+          <a:lstStyle/>
+          <a:p>
+            <a:r>
+              <a:rPr lang="fr-CA" dirty="0" err="1">
+                <a:solidFill>
+                  <a:schemeClr val="bg1"/>
+                </a:solidFill>
+              </a:rPr>
+              <a:t>Core</a:t>
+            </a:r>
+            <a:r>
+              <a:rPr lang="fr-CA" dirty="0">
+                <a:solidFill>
+                  <a:schemeClr val="bg1"/>
+                </a:solidFill>
+              </a:rPr>
+              <a:t> (</a:t>
+            </a:r>
+            <a:r>
+              <a:rPr lang="fr-CA" dirty="0" err="1">
+                <a:solidFill>
+                  <a:schemeClr val="bg1"/>
+                </a:solidFill>
+              </a:rPr>
+              <a:t>cont</a:t>
+            </a:r>
+            <a:r>
+              <a:rPr lang="fr-CA" dirty="0">
+                <a:solidFill>
+                  <a:schemeClr val="bg1"/>
+                </a:solidFill>
+              </a:rPr>
+              <a:t>.)</a:t>
+            </a:r>
+          </a:p>
+        </p:txBody>
+      </p:sp>
+      <p:sp>
+        <p:nvSpPr>
+          <p:cNvPr id="4099" name="Espace réservé du contenu 4"/>
+          <p:cNvSpPr>
+            <a:spLocks noGrp="1"/>
+          </p:cNvSpPr>
+          <p:nvPr>
+            <p:ph idx="1"/>
+          </p:nvPr>
+        </p:nvSpPr>
+        <p:spPr>
+          <a:xfrm>
+            <a:off x="304800" y="1905000"/>
+            <a:ext cx="8534400" cy="3200400"/>
+          </a:xfrm>
+        </p:spPr>
+        <p:txBody>
+          <a:bodyPr/>
+          <a:lstStyle/>
+          <a:p>
+            <a:r>
+              <a:rPr lang="en-US" sz="1400" b="1" dirty="0" err="1">
+                <a:solidFill>
+                  <a:srgbClr val="3C5790"/>
+                </a:solidFill>
+              </a:rPr>
+              <a:t>sincedb_path</a:t>
+            </a:r>
+            <a:r>
+              <a:rPr lang="en-US" sz="1400" dirty="0">
+                <a:solidFill>
+                  <a:srgbClr val="3C5790"/>
+                </a:solidFill>
+              </a:rPr>
+              <a:t>: specifies the location where to write the </a:t>
+            </a:r>
+            <a:r>
+              <a:rPr lang="en-US" sz="1400" dirty="0" err="1">
+                <a:solidFill>
+                  <a:srgbClr val="3C5790"/>
+                </a:solidFill>
+              </a:rPr>
+              <a:t>sincedb</a:t>
+            </a:r>
+            <a:r>
+              <a:rPr lang="en-US" sz="1400" dirty="0">
+                <a:solidFill>
+                  <a:srgbClr val="3C5790"/>
+                </a:solidFill>
+              </a:rPr>
+              <a:t> files, which keeps track of the current position of files being monitored.</a:t>
+            </a:r>
+          </a:p>
+          <a:p>
+            <a:r>
+              <a:rPr lang="en-US" sz="1400" b="1" dirty="0" err="1">
+                <a:solidFill>
+                  <a:srgbClr val="3C5790"/>
+                </a:solidFill>
+              </a:rPr>
+              <a:t>sincedb_write_interval</a:t>
+            </a:r>
+            <a:r>
+              <a:rPr lang="en-US" sz="1400" dirty="0">
+                <a:solidFill>
+                  <a:srgbClr val="3C5790"/>
+                </a:solidFill>
+              </a:rPr>
+              <a:t>: specifies how often (number in seconds), the </a:t>
+            </a:r>
+            <a:r>
+              <a:rPr lang="en-US" sz="1400" dirty="0" err="1">
+                <a:solidFill>
+                  <a:srgbClr val="3C5790"/>
+                </a:solidFill>
+              </a:rPr>
+              <a:t>sincedb</a:t>
+            </a:r>
+            <a:r>
+              <a:rPr lang="en-US" sz="1400" dirty="0">
+                <a:solidFill>
+                  <a:srgbClr val="3C5790"/>
+                </a:solidFill>
+              </a:rPr>
+              <a:t> files that keep track of the current position of monitored files, are to be written.(Default 15 seconds)</a:t>
+            </a:r>
+          </a:p>
+          <a:p>
+            <a:r>
+              <a:rPr lang="en-US" sz="1400" b="1" dirty="0" err="1">
+                <a:solidFill>
+                  <a:srgbClr val="3C5790"/>
+                </a:solidFill>
+              </a:rPr>
+              <a:t>start_position</a:t>
+            </a:r>
+            <a:r>
+              <a:rPr lang="en-US" sz="1400" dirty="0">
+                <a:solidFill>
+                  <a:srgbClr val="3C5790"/>
+                </a:solidFill>
+              </a:rPr>
+              <a:t>: It has two values: "beginning" and "end". It specifies where to start reading incoming files from. The default value is "end".</a:t>
+            </a:r>
+          </a:p>
+        </p:txBody>
+      </p:sp>
+    </p:spTree>
+    <p:extLst>
+      <p:ext uri="{BB962C8B-B14F-4D97-AF65-F5344CB8AC3E}">
+        <p14:creationId xmlns:p14="http://schemas.microsoft.com/office/powerpoint/2010/main" val="423548580"/>
+      </p:ext>
+    </p:extLst>
+  </p:cSld>
+  <p:clrMapOvr>
+    <a:masterClrMapping/>
+  </p:clrMapOvr>
+</p:sld>
+</file>
+
+<file path=ppt/slides/slide22.xml><?xml version="1.0" encoding="utf-8"?>
+<p:sld xmlns:a="http://schemas.openxmlformats.org/drawingml/2006/main" xmlns:r="http://schemas.openxmlformats.org/officeDocument/2006/relationships" xmlns:p="http://schemas.openxmlformats.org/presentationml/2006/main">
+  <p:cSld>
+    <p:bg>
+      <p:bgPr>
+        <a:blipFill dpi="0" rotWithShape="0">
+          <a:blip r:embed="rId2" cstate="print"/>
+          <a:srcRect/>
+          <a:stretch>
+            <a:fillRect/>
+          </a:stretch>
+        </a:blipFill>
+        <a:effectLst/>
+      </p:bgPr>
+    </p:bg>
+    <p:spTree>
+      <p:nvGrpSpPr>
+        <p:cNvPr id="1" name=""/>
+        <p:cNvGrpSpPr/>
+        <p:nvPr/>
+      </p:nvGrpSpPr>
+      <p:grpSpPr>
+        <a:xfrm>
+          <a:off x="0" y="0"/>
+          <a:ext cx="0" cy="0"/>
+          <a:chOff x="0" y="0"/>
+          <a:chExt cx="0" cy="0"/>
+        </a:xfrm>
+      </p:grpSpPr>
+      <p:sp>
+        <p:nvSpPr>
+          <p:cNvPr id="4098" name="Titre 3"/>
+          <p:cNvSpPr>
+            <a:spLocks noGrp="1"/>
+          </p:cNvSpPr>
+          <p:nvPr>
+            <p:ph type="title"/>
+          </p:nvPr>
+        </p:nvSpPr>
+        <p:spPr/>
+        <p:txBody>
+          <a:bodyPr/>
+          <a:lstStyle/>
+          <a:p>
+            <a:r>
+              <a:rPr lang="fr-CA" dirty="0" err="1">
+                <a:solidFill>
+                  <a:schemeClr val="bg1"/>
+                </a:solidFill>
+              </a:rPr>
+              <a:t>Core</a:t>
+            </a:r>
+            <a:r>
+              <a:rPr lang="fr-CA" dirty="0">
+                <a:solidFill>
+                  <a:schemeClr val="bg1"/>
+                </a:solidFill>
+              </a:rPr>
+              <a:t> (</a:t>
+            </a:r>
+            <a:r>
+              <a:rPr lang="fr-CA" dirty="0" err="1">
+                <a:solidFill>
+                  <a:schemeClr val="bg1"/>
+                </a:solidFill>
+              </a:rPr>
+              <a:t>cont</a:t>
+            </a:r>
+            <a:r>
+              <a:rPr lang="fr-CA" dirty="0">
+                <a:solidFill>
+                  <a:schemeClr val="bg1"/>
+                </a:solidFill>
+              </a:rPr>
+              <a:t>.)</a:t>
+            </a:r>
+          </a:p>
+        </p:txBody>
+      </p:sp>
+      <p:sp>
+        <p:nvSpPr>
+          <p:cNvPr id="4099" name="Espace réservé du contenu 4"/>
+          <p:cNvSpPr>
+            <a:spLocks noGrp="1"/>
+          </p:cNvSpPr>
+          <p:nvPr>
+            <p:ph idx="1"/>
+          </p:nvPr>
+        </p:nvSpPr>
+        <p:spPr>
+          <a:xfrm>
+            <a:off x="304800" y="1905000"/>
+            <a:ext cx="8534400" cy="3200400"/>
+          </a:xfrm>
+        </p:spPr>
+        <p:txBody>
+          <a:bodyPr/>
+          <a:lstStyle/>
+          <a:p>
+            <a:r>
+              <a:rPr lang="en-US" sz="1400" dirty="0">
+                <a:solidFill>
+                  <a:srgbClr val="3C5790"/>
+                </a:solidFill>
+              </a:rPr>
+              <a:t>The </a:t>
+            </a:r>
+            <a:r>
+              <a:rPr lang="en-US" sz="1400" b="1" dirty="0">
+                <a:solidFill>
+                  <a:srgbClr val="3C5790"/>
+                </a:solidFill>
+              </a:rPr>
+              <a:t>type</a:t>
+            </a:r>
+            <a:r>
+              <a:rPr lang="en-US" sz="1400" dirty="0">
+                <a:solidFill>
+                  <a:srgbClr val="3C5790"/>
+                </a:solidFill>
+              </a:rPr>
+              <a:t> option is helpful to process the different type of incoming streams using Logstash.</a:t>
+            </a:r>
+          </a:p>
+          <a:p>
+            <a:r>
+              <a:rPr lang="en-US" sz="1400" b="1" dirty="0">
+                <a:solidFill>
+                  <a:srgbClr val="3C5790"/>
+                </a:solidFill>
+              </a:rPr>
+              <a:t>tags</a:t>
+            </a:r>
+            <a:r>
+              <a:rPr lang="en-US" sz="1400" dirty="0">
+                <a:solidFill>
+                  <a:srgbClr val="3C5790"/>
+                </a:solidFill>
+              </a:rPr>
+              <a:t>: specifies the array of tags that can be added to incoming events. Adding tags to your incoming events helps with processing later, when using conditionals.</a:t>
+            </a:r>
+          </a:p>
+          <a:p>
+            <a:r>
+              <a:rPr lang="en-US" sz="1400" dirty="0">
+                <a:solidFill>
+                  <a:srgbClr val="3C5790"/>
+                </a:solidFill>
+              </a:rPr>
+              <a:t>If we specify "processed" in tags: tags =&gt;["processed"]</a:t>
+            </a:r>
+          </a:p>
+          <a:p>
+            <a:r>
+              <a:rPr lang="en-US" sz="1400" dirty="0">
+                <a:solidFill>
+                  <a:srgbClr val="3C5790"/>
+                </a:solidFill>
+              </a:rPr>
+              <a:t>In filter, we can check in conditionals:</a:t>
+            </a:r>
+          </a:p>
+          <a:p>
+            <a:r>
+              <a:rPr lang="en-US" sz="1400" dirty="0">
+                <a:solidFill>
+                  <a:srgbClr val="3C5790"/>
+                </a:solidFill>
+              </a:rPr>
+              <a:t>filter { if "processed" in tags[]{} }</a:t>
+            </a:r>
+          </a:p>
+        </p:txBody>
+      </p:sp>
+    </p:spTree>
+    <p:extLst>
+      <p:ext uri="{BB962C8B-B14F-4D97-AF65-F5344CB8AC3E}">
+        <p14:creationId xmlns:p14="http://schemas.microsoft.com/office/powerpoint/2010/main" val="1600967905"/>
+      </p:ext>
+    </p:extLst>
+  </p:cSld>
+  <p:clrMapOvr>
+    <a:masterClrMapping/>
+  </p:clrMapOvr>
+</p:sld>
+</file>
+
+<file path=ppt/slides/slide23.xml><?xml version="1.0" encoding="utf-8"?>
+<p:sld xmlns:a="http://schemas.openxmlformats.org/drawingml/2006/main" xmlns:r="http://schemas.openxmlformats.org/officeDocument/2006/relationships" xmlns:p="http://schemas.openxmlformats.org/presentationml/2006/main">
+  <p:cSld>
+    <p:bg>
+      <p:bgPr>
+        <a:blipFill dpi="0" rotWithShape="0">
+          <a:blip r:embed="rId2" cstate="print"/>
+          <a:srcRect/>
+          <a:stretch>
+            <a:fillRect/>
+          </a:stretch>
+        </a:blipFill>
+        <a:effectLst/>
+      </p:bgPr>
+    </p:bg>
+    <p:spTree>
+      <p:nvGrpSpPr>
+        <p:cNvPr id="1" name=""/>
+        <p:cNvGrpSpPr/>
+        <p:nvPr/>
+      </p:nvGrpSpPr>
+      <p:grpSpPr>
+        <a:xfrm>
+          <a:off x="0" y="0"/>
+          <a:ext cx="0" cy="0"/>
+          <a:chOff x="0" y="0"/>
+          <a:chExt cx="0" cy="0"/>
+        </a:xfrm>
+      </p:grpSpPr>
+      <p:sp>
+        <p:nvSpPr>
+          <p:cNvPr id="4098" name="Titre 3"/>
+          <p:cNvSpPr>
+            <a:spLocks noGrp="1"/>
+          </p:cNvSpPr>
+          <p:nvPr>
+            <p:ph type="title"/>
+          </p:nvPr>
+        </p:nvSpPr>
+        <p:spPr/>
+        <p:txBody>
+          <a:bodyPr/>
+          <a:lstStyle/>
+          <a:p>
+            <a:r>
+              <a:rPr lang="fr-CA" dirty="0" err="1">
+                <a:solidFill>
+                  <a:schemeClr val="bg1"/>
+                </a:solidFill>
+              </a:rPr>
+              <a:t>Core</a:t>
+            </a:r>
+            <a:r>
+              <a:rPr lang="fr-CA" dirty="0">
+                <a:solidFill>
+                  <a:schemeClr val="bg1"/>
+                </a:solidFill>
+              </a:rPr>
+              <a:t> (</a:t>
+            </a:r>
+            <a:r>
+              <a:rPr lang="fr-CA" dirty="0" err="1">
+                <a:solidFill>
+                  <a:schemeClr val="bg1"/>
+                </a:solidFill>
+              </a:rPr>
+              <a:t>cont</a:t>
+            </a:r>
+            <a:r>
+              <a:rPr lang="fr-CA" dirty="0">
+                <a:solidFill>
+                  <a:schemeClr val="bg1"/>
+                </a:solidFill>
+              </a:rPr>
+              <a:t>.)</a:t>
+            </a:r>
+          </a:p>
+        </p:txBody>
+      </p:sp>
+      <p:sp>
+        <p:nvSpPr>
+          <p:cNvPr id="4099" name="Espace réservé du contenu 4"/>
+          <p:cNvSpPr>
+            <a:spLocks noGrp="1"/>
+          </p:cNvSpPr>
+          <p:nvPr>
+            <p:ph idx="1"/>
+          </p:nvPr>
+        </p:nvSpPr>
+        <p:spPr>
+          <a:xfrm>
+            <a:off x="304800" y="1905000"/>
+            <a:ext cx="8534400" cy="3200400"/>
+          </a:xfrm>
+        </p:spPr>
+        <p:txBody>
+          <a:bodyPr/>
+          <a:lstStyle/>
+          <a:p>
+            <a:r>
+              <a:rPr lang="en-US" sz="1400" dirty="0">
+                <a:solidFill>
+                  <a:srgbClr val="3C5790"/>
+                </a:solidFill>
+              </a:rPr>
+              <a:t>We can force </a:t>
+            </a:r>
+            <a:r>
+              <a:rPr lang="en-US" sz="1400" dirty="0" err="1">
+                <a:solidFill>
+                  <a:srgbClr val="3C5790"/>
+                </a:solidFill>
+              </a:rPr>
+              <a:t>logstash</a:t>
+            </a:r>
+            <a:r>
+              <a:rPr lang="en-US" sz="1400" dirty="0">
+                <a:solidFill>
+                  <a:srgbClr val="3C5790"/>
+                </a:solidFill>
+              </a:rPr>
+              <a:t> to reload the pipeline configuration without the need of restart using the                           </a:t>
+            </a:r>
+            <a:r>
+              <a:rPr lang="en-US" sz="1400" b="1" dirty="0">
+                <a:solidFill>
+                  <a:srgbClr val="3C5790"/>
+                </a:solidFill>
+              </a:rPr>
+              <a:t>--</a:t>
+            </a:r>
+            <a:r>
+              <a:rPr lang="en-US" sz="1400" b="1" dirty="0" err="1">
+                <a:solidFill>
+                  <a:srgbClr val="3C5790"/>
+                </a:solidFill>
+              </a:rPr>
+              <a:t>config.reload.automatic</a:t>
+            </a:r>
+            <a:r>
+              <a:rPr lang="en-US" sz="1400" b="1" dirty="0">
+                <a:solidFill>
+                  <a:srgbClr val="3C5790"/>
+                </a:solidFill>
+              </a:rPr>
+              <a:t> </a:t>
+            </a:r>
+            <a:r>
+              <a:rPr lang="en-US" sz="1400" dirty="0">
+                <a:solidFill>
+                  <a:srgbClr val="3C5790"/>
+                </a:solidFill>
+              </a:rPr>
+              <a:t>parameter.</a:t>
+            </a:r>
+          </a:p>
+          <a:p>
+            <a:r>
+              <a:rPr lang="en-US" sz="1400" dirty="0">
+                <a:solidFill>
+                  <a:srgbClr val="3C5790"/>
+                </a:solidFill>
+              </a:rPr>
+              <a:t>bin\</a:t>
+            </a:r>
+            <a:r>
+              <a:rPr lang="en-US" sz="1400" dirty="0" err="1">
+                <a:solidFill>
+                  <a:srgbClr val="3C5790"/>
+                </a:solidFill>
+              </a:rPr>
+              <a:t>logstash</a:t>
+            </a:r>
+            <a:r>
+              <a:rPr lang="en-US" sz="1400" dirty="0">
+                <a:solidFill>
+                  <a:srgbClr val="3C5790"/>
+                </a:solidFill>
+              </a:rPr>
+              <a:t> –f config/</a:t>
+            </a:r>
+            <a:r>
+              <a:rPr lang="en-US" sz="1400" dirty="0" err="1">
+                <a:solidFill>
+                  <a:srgbClr val="3C5790"/>
+                </a:solidFill>
+              </a:rPr>
+              <a:t>pipeline.conf</a:t>
+            </a:r>
+            <a:r>
+              <a:rPr lang="en-US" sz="1400" dirty="0">
+                <a:solidFill>
+                  <a:srgbClr val="3C5790"/>
+                </a:solidFill>
+              </a:rPr>
+              <a:t> –</a:t>
+            </a:r>
+            <a:r>
+              <a:rPr lang="en-US" sz="1400" dirty="0" err="1">
+                <a:solidFill>
+                  <a:srgbClr val="3C5790"/>
+                </a:solidFill>
+              </a:rPr>
+              <a:t>config.reload.automatic</a:t>
+            </a:r>
+            <a:r>
+              <a:rPr lang="en-US" sz="1400" dirty="0">
+                <a:solidFill>
+                  <a:srgbClr val="3C5790"/>
+                </a:solidFill>
+              </a:rPr>
+              <a:t>.</a:t>
+            </a:r>
+          </a:p>
+          <a:p>
+            <a:endParaRPr lang="en-US" sz="1400" dirty="0">
+              <a:solidFill>
+                <a:srgbClr val="3C5790"/>
+              </a:solidFill>
+            </a:endParaRPr>
+          </a:p>
+          <a:p>
+            <a:r>
+              <a:rPr lang="en-US" sz="1400" dirty="0">
+                <a:solidFill>
+                  <a:srgbClr val="3C5790"/>
+                </a:solidFill>
+              </a:rPr>
+              <a:t>input {</a:t>
+            </a:r>
+          </a:p>
+          <a:p>
+            <a:r>
+              <a:rPr lang="en-US" sz="1400" dirty="0">
+                <a:solidFill>
+                  <a:srgbClr val="3C5790"/>
+                </a:solidFill>
+              </a:rPr>
+              <a:t>    file  {</a:t>
+            </a:r>
+          </a:p>
+          <a:p>
+            <a:r>
+              <a:rPr lang="en-US" sz="1400" dirty="0">
+                <a:solidFill>
+                  <a:srgbClr val="3C5790"/>
+                </a:solidFill>
+              </a:rPr>
+              <a:t>           path =&gt; “/absolute/path/input.txt”</a:t>
+            </a:r>
+          </a:p>
+          <a:p>
+            <a:r>
+              <a:rPr lang="en-US" sz="1400" dirty="0">
+                <a:solidFill>
+                  <a:srgbClr val="3C5790"/>
+                </a:solidFill>
+              </a:rPr>
+              <a:t>           </a:t>
+            </a:r>
+            <a:r>
+              <a:rPr lang="en-US" sz="1400" dirty="0" err="1">
+                <a:solidFill>
+                  <a:srgbClr val="3C5790"/>
+                </a:solidFill>
+              </a:rPr>
+              <a:t>start_position</a:t>
+            </a:r>
+            <a:r>
+              <a:rPr lang="en-US" sz="1400" dirty="0">
+                <a:solidFill>
+                  <a:srgbClr val="3C5790"/>
+                </a:solidFill>
+              </a:rPr>
+              <a:t> =&gt; “beginning”</a:t>
+            </a:r>
+          </a:p>
+          <a:p>
+            <a:r>
+              <a:rPr lang="en-US" sz="1400" dirty="0">
+                <a:solidFill>
+                  <a:srgbClr val="3C5790"/>
+                </a:solidFill>
+              </a:rPr>
+              <a:t>    }</a:t>
+            </a:r>
+          </a:p>
+          <a:p>
+            <a:r>
+              <a:rPr lang="en-US" sz="1400" dirty="0">
+                <a:solidFill>
+                  <a:srgbClr val="3C5790"/>
+                </a:solidFill>
+              </a:rPr>
+              <a:t>}</a:t>
+            </a:r>
+          </a:p>
+        </p:txBody>
+      </p:sp>
+    </p:spTree>
+    <p:extLst>
+      <p:ext uri="{BB962C8B-B14F-4D97-AF65-F5344CB8AC3E}">
+        <p14:creationId xmlns:p14="http://schemas.microsoft.com/office/powerpoint/2010/main" val="856153571"/>
+      </p:ext>
+    </p:extLst>
+  </p:cSld>
+  <p:clrMapOvr>
+    <a:masterClrMapping/>
+  </p:clrMapOvr>
+</p:sld>
+</file>
+
+<file path=ppt/slides/slide24.xml><?xml version="1.0" encoding="utf-8"?>
+<p:sld xmlns:a="http://schemas.openxmlformats.org/drawingml/2006/main" xmlns:r="http://schemas.openxmlformats.org/officeDocument/2006/relationships" xmlns:p="http://schemas.openxmlformats.org/presentationml/2006/main">
+  <p:cSld>
+    <p:bg>
+      <p:bgPr>
+        <a:blipFill dpi="0" rotWithShape="0">
+          <a:blip r:embed="rId2" cstate="print"/>
+          <a:srcRect/>
+          <a:stretch>
+            <a:fillRect/>
+          </a:stretch>
+        </a:blipFill>
+        <a:effectLst/>
+      </p:bgPr>
+    </p:bg>
+    <p:spTree>
+      <p:nvGrpSpPr>
+        <p:cNvPr id="1" name=""/>
+        <p:cNvGrpSpPr/>
+        <p:nvPr/>
+      </p:nvGrpSpPr>
+      <p:grpSpPr>
+        <a:xfrm>
+          <a:off x="0" y="0"/>
+          <a:ext cx="0" cy="0"/>
+          <a:chOff x="0" y="0"/>
+          <a:chExt cx="0" cy="0"/>
+        </a:xfrm>
+      </p:grpSpPr>
+      <p:sp>
+        <p:nvSpPr>
+          <p:cNvPr id="4098" name="Titre 3"/>
+          <p:cNvSpPr>
+            <a:spLocks noGrp="1"/>
+          </p:cNvSpPr>
+          <p:nvPr>
+            <p:ph type="title"/>
+          </p:nvPr>
+        </p:nvSpPr>
+        <p:spPr/>
+        <p:txBody>
+          <a:bodyPr/>
+          <a:lstStyle/>
+          <a:p>
+            <a:r>
+              <a:rPr lang="fr-CA" dirty="0" err="1">
+                <a:solidFill>
+                  <a:schemeClr val="bg1"/>
+                </a:solidFill>
+              </a:rPr>
+              <a:t>Core</a:t>
+            </a:r>
+            <a:r>
+              <a:rPr lang="fr-CA" dirty="0">
+                <a:solidFill>
+                  <a:schemeClr val="bg1"/>
+                </a:solidFill>
+              </a:rPr>
+              <a:t> (</a:t>
+            </a:r>
+            <a:r>
+              <a:rPr lang="fr-CA" dirty="0" err="1">
+                <a:solidFill>
+                  <a:schemeClr val="bg1"/>
+                </a:solidFill>
+              </a:rPr>
+              <a:t>cont</a:t>
+            </a:r>
+            <a:r>
+              <a:rPr lang="fr-CA" dirty="0">
+                <a:solidFill>
+                  <a:schemeClr val="bg1"/>
+                </a:solidFill>
+              </a:rPr>
+              <a:t>.)</a:t>
+            </a:r>
+          </a:p>
+        </p:txBody>
+      </p:sp>
+      <p:sp>
+        <p:nvSpPr>
+          <p:cNvPr id="4099" name="Espace réservé du contenu 4"/>
+          <p:cNvSpPr>
+            <a:spLocks noGrp="1"/>
+          </p:cNvSpPr>
+          <p:nvPr>
+            <p:ph idx="1"/>
+          </p:nvPr>
+        </p:nvSpPr>
+        <p:spPr>
+          <a:xfrm>
+            <a:off x="304800" y="1905000"/>
+            <a:ext cx="8534400" cy="3200400"/>
+          </a:xfrm>
+        </p:spPr>
+        <p:txBody>
+          <a:bodyPr/>
+          <a:lstStyle/>
+          <a:p>
+            <a:r>
+              <a:rPr lang="en-US" sz="1400" b="1" dirty="0">
+                <a:solidFill>
+                  <a:srgbClr val="3C5790"/>
+                </a:solidFill>
+              </a:rPr>
+              <a:t>Grok</a:t>
+            </a:r>
+            <a:r>
+              <a:rPr lang="en-US" sz="1400" dirty="0">
+                <a:solidFill>
+                  <a:srgbClr val="3C5790"/>
+                </a:solidFill>
+              </a:rPr>
+              <a:t> is a filter plugin that can parse unstructured log data into a structure. </a:t>
+            </a:r>
+          </a:p>
+          <a:p>
+            <a:r>
+              <a:rPr lang="en-US" sz="1400" dirty="0">
+                <a:solidFill>
+                  <a:srgbClr val="3C5790"/>
+                </a:solidFill>
+              </a:rPr>
+              <a:t>%{SYNTAX:SEMANTIC}</a:t>
+            </a:r>
+          </a:p>
+          <a:p>
+            <a:r>
+              <a:rPr lang="en-US" sz="1400" dirty="0">
+                <a:solidFill>
+                  <a:srgbClr val="3C5790"/>
+                </a:solidFill>
+              </a:rPr>
+              <a:t>To check grok patterns: </a:t>
+            </a:r>
+            <a:r>
+              <a:rPr lang="en-US" sz="1400" dirty="0">
+                <a:solidFill>
+                  <a:srgbClr val="3C5790"/>
+                </a:solidFill>
+                <a:hlinkClick r:id="rId3"/>
+              </a:rPr>
+              <a:t>https://github.com/logstash-plugins/logstash-patterns-core</a:t>
+            </a:r>
+            <a:endParaRPr lang="en-US" sz="1400" dirty="0">
+              <a:solidFill>
+                <a:srgbClr val="3C5790"/>
+              </a:solidFill>
+            </a:endParaRPr>
+          </a:p>
+          <a:p>
+            <a:endParaRPr lang="en-US" sz="1400" dirty="0">
+              <a:solidFill>
+                <a:srgbClr val="3C5790"/>
+              </a:solidFill>
+            </a:endParaRPr>
+          </a:p>
+          <a:p>
+            <a:r>
+              <a:rPr lang="en-US" sz="1400" dirty="0">
+                <a:solidFill>
+                  <a:srgbClr val="3C5790"/>
+                </a:solidFill>
+              </a:rPr>
+              <a:t>filter {</a:t>
+            </a:r>
+          </a:p>
+          <a:p>
+            <a:r>
+              <a:rPr lang="en-US" sz="1400" dirty="0">
+                <a:solidFill>
+                  <a:srgbClr val="3C5790"/>
+                </a:solidFill>
+              </a:rPr>
+              <a:t>  grok {</a:t>
+            </a:r>
+          </a:p>
+          <a:p>
+            <a:r>
+              <a:rPr lang="en-US" sz="1400" dirty="0">
+                <a:solidFill>
+                  <a:srgbClr val="3C5790"/>
+                </a:solidFill>
+              </a:rPr>
+              <a:t>    match =&gt; { “message” =&gt; “%{</a:t>
+            </a:r>
+            <a:r>
+              <a:rPr lang="en-US" sz="1400" dirty="0" err="1">
+                <a:solidFill>
+                  <a:srgbClr val="3C5790"/>
+                </a:solidFill>
+              </a:rPr>
+              <a:t>IP:ip_address</a:t>
+            </a:r>
+            <a:r>
+              <a:rPr lang="en-US" sz="1400" dirty="0">
+                <a:solidFill>
+                  <a:srgbClr val="3C5790"/>
+                </a:solidFill>
+              </a:rPr>
+              <a:t>} %${</a:t>
+            </a:r>
+            <a:r>
+              <a:rPr lang="en-US" sz="1400" dirty="0" err="1">
+                <a:solidFill>
+                  <a:srgbClr val="3C5790"/>
+                </a:solidFill>
+              </a:rPr>
+              <a:t>USER:identity</a:t>
+            </a:r>
+            <a:r>
+              <a:rPr lang="en-US" sz="1400" dirty="0">
+                <a:solidFill>
+                  <a:srgbClr val="3C5790"/>
+                </a:solidFill>
+              </a:rPr>
+              <a:t>}” }</a:t>
+            </a:r>
+          </a:p>
+          <a:p>
+            <a:r>
+              <a:rPr lang="en-US" sz="1400" dirty="0">
+                <a:solidFill>
+                  <a:srgbClr val="3C5790"/>
+                </a:solidFill>
+              </a:rPr>
+              <a:t>  }</a:t>
+            </a:r>
+          </a:p>
+          <a:p>
+            <a:r>
+              <a:rPr lang="en-US" sz="1400" dirty="0">
+                <a:solidFill>
+                  <a:srgbClr val="3C5790"/>
+                </a:solidFill>
+              </a:rPr>
+              <a:t>}</a:t>
+            </a:r>
+          </a:p>
+          <a:p>
+            <a:endParaRPr lang="en-US" sz="1400" dirty="0">
+              <a:solidFill>
+                <a:srgbClr val="3C5790"/>
+              </a:solidFill>
+            </a:endParaRPr>
+          </a:p>
+        </p:txBody>
+      </p:sp>
+    </p:spTree>
+    <p:extLst>
+      <p:ext uri="{BB962C8B-B14F-4D97-AF65-F5344CB8AC3E}">
+        <p14:creationId xmlns:p14="http://schemas.microsoft.com/office/powerpoint/2010/main" val="211858249"/>
+      </p:ext>
+    </p:extLst>
+  </p:cSld>
+  <p:clrMapOvr>
+    <a:masterClrMapping/>
+  </p:clrMapOvr>
+</p:sld>
+</file>
+
+<file path=ppt/slides/slide25.xml><?xml version="1.0" encoding="utf-8"?>
+<p:sld xmlns:a="http://schemas.openxmlformats.org/drawingml/2006/main" xmlns:r="http://schemas.openxmlformats.org/officeDocument/2006/relationships" xmlns:p="http://schemas.openxmlformats.org/presentationml/2006/main">
+  <p:cSld>
+    <p:bg>
+      <p:bgPr>
+        <a:blipFill dpi="0" rotWithShape="0">
+          <a:blip r:embed="rId2" cstate="print"/>
+          <a:srcRect/>
+          <a:stretch>
+            <a:fillRect/>
+          </a:stretch>
+        </a:blipFill>
+        <a:effectLst/>
+      </p:bgPr>
+    </p:bg>
+    <p:spTree>
+      <p:nvGrpSpPr>
+        <p:cNvPr id="1" name=""/>
+        <p:cNvGrpSpPr/>
+        <p:nvPr/>
+      </p:nvGrpSpPr>
+      <p:grpSpPr>
+        <a:xfrm>
+          <a:off x="0" y="0"/>
+          <a:ext cx="0" cy="0"/>
+          <a:chOff x="0" y="0"/>
+          <a:chExt cx="0" cy="0"/>
+        </a:xfrm>
+      </p:grpSpPr>
+      <p:sp>
+        <p:nvSpPr>
+          <p:cNvPr id="4098" name="Titre 3"/>
+          <p:cNvSpPr>
+            <a:spLocks noGrp="1"/>
+          </p:cNvSpPr>
+          <p:nvPr>
+            <p:ph type="title"/>
+          </p:nvPr>
+        </p:nvSpPr>
+        <p:spPr/>
+        <p:txBody>
+          <a:bodyPr/>
+          <a:lstStyle/>
+          <a:p>
+            <a:r>
+              <a:rPr lang="fr-CA" dirty="0" err="1">
+                <a:solidFill>
+                  <a:schemeClr val="bg1"/>
+                </a:solidFill>
+              </a:rPr>
+              <a:t>Core</a:t>
+            </a:r>
+            <a:r>
+              <a:rPr lang="fr-CA" dirty="0">
+                <a:solidFill>
+                  <a:schemeClr val="bg1"/>
+                </a:solidFill>
+              </a:rPr>
+              <a:t> (</a:t>
+            </a:r>
+            <a:r>
+              <a:rPr lang="fr-CA" dirty="0" err="1">
+                <a:solidFill>
+                  <a:schemeClr val="bg1"/>
+                </a:solidFill>
+              </a:rPr>
+              <a:t>cont</a:t>
+            </a:r>
+            <a:r>
+              <a:rPr lang="fr-CA" dirty="0">
+                <a:solidFill>
+                  <a:schemeClr val="bg1"/>
+                </a:solidFill>
+              </a:rPr>
+              <a:t>.)</a:t>
+            </a:r>
+          </a:p>
+        </p:txBody>
+      </p:sp>
+      <p:sp>
+        <p:nvSpPr>
+          <p:cNvPr id="4099" name="Espace réservé du contenu 4"/>
+          <p:cNvSpPr>
+            <a:spLocks noGrp="1"/>
+          </p:cNvSpPr>
+          <p:nvPr>
+            <p:ph idx="1"/>
+          </p:nvPr>
+        </p:nvSpPr>
+        <p:spPr>
+          <a:xfrm>
+            <a:off x="304800" y="1905000"/>
+            <a:ext cx="8534400" cy="3200400"/>
+          </a:xfrm>
+        </p:spPr>
+        <p:txBody>
+          <a:bodyPr/>
+          <a:lstStyle/>
+          <a:p>
+            <a:r>
+              <a:rPr lang="en-US" sz="1400" b="1" dirty="0">
+                <a:solidFill>
+                  <a:srgbClr val="3C5790"/>
+                </a:solidFill>
+              </a:rPr>
+              <a:t>Date</a:t>
+            </a:r>
+            <a:r>
+              <a:rPr lang="en-US" sz="1400" dirty="0">
+                <a:solidFill>
+                  <a:srgbClr val="3C5790"/>
+                </a:solidFill>
+              </a:rPr>
+              <a:t> is a filter plugin that can be use for parsing dates from field.</a:t>
+            </a:r>
+          </a:p>
+          <a:p>
+            <a:r>
+              <a:rPr lang="en-US" sz="1400" dirty="0">
+                <a:solidFill>
+                  <a:srgbClr val="3C5790"/>
+                </a:solidFill>
+              </a:rPr>
+              <a:t>filter {</a:t>
+            </a:r>
+          </a:p>
+          <a:p>
+            <a:r>
+              <a:rPr lang="en-US" sz="1400" dirty="0">
+                <a:solidFill>
+                  <a:srgbClr val="3C5790"/>
+                </a:solidFill>
+              </a:rPr>
+              <a:t>  date {</a:t>
+            </a:r>
+          </a:p>
+          <a:p>
+            <a:r>
+              <a:rPr lang="en-US" sz="1400" dirty="0">
+                <a:solidFill>
+                  <a:srgbClr val="3C5790"/>
+                </a:solidFill>
+              </a:rPr>
+              <a:t>    match =&gt; [ “timestamp”, “dd/MMM/</a:t>
+            </a:r>
+            <a:r>
+              <a:rPr lang="en-US" sz="1400" dirty="0" err="1">
+                <a:solidFill>
+                  <a:srgbClr val="3C5790"/>
+                </a:solidFill>
+              </a:rPr>
+              <a:t>yyyy:HH:mm:ss</a:t>
+            </a:r>
+            <a:r>
+              <a:rPr lang="en-US" sz="1400" dirty="0">
+                <a:solidFill>
+                  <a:srgbClr val="3C5790"/>
+                </a:solidFill>
+              </a:rPr>
+              <a:t> Z”]</a:t>
+            </a:r>
+          </a:p>
+          <a:p>
+            <a:r>
+              <a:rPr lang="en-US" sz="1400" dirty="0">
+                <a:solidFill>
+                  <a:srgbClr val="3C5790"/>
+                </a:solidFill>
+              </a:rPr>
+              <a:t>  }</a:t>
+            </a:r>
+          </a:p>
+          <a:p>
+            <a:r>
+              <a:rPr lang="en-US" sz="1400" dirty="0">
+                <a:solidFill>
+                  <a:srgbClr val="3C5790"/>
+                </a:solidFill>
+              </a:rPr>
+              <a:t>}</a:t>
+            </a:r>
+          </a:p>
+          <a:p>
+            <a:endParaRPr lang="en-US" sz="1400" dirty="0">
+              <a:solidFill>
+                <a:srgbClr val="3C5790"/>
+              </a:solidFill>
+            </a:endParaRPr>
+          </a:p>
+        </p:txBody>
+      </p:sp>
+    </p:spTree>
+    <p:extLst>
+      <p:ext uri="{BB962C8B-B14F-4D97-AF65-F5344CB8AC3E}">
+        <p14:creationId xmlns:p14="http://schemas.microsoft.com/office/powerpoint/2010/main" val="960126651"/>
+      </p:ext>
+    </p:extLst>
+  </p:cSld>
+  <p:clrMapOvr>
+    <a:masterClrMapping/>
+  </p:clrMapOvr>
+</p:sld>
+</file>
+
+<file path=ppt/slides/slide26.xml><?xml version="1.0" encoding="utf-8"?>
+<p:sld xmlns:a="http://schemas.openxmlformats.org/drawingml/2006/main" xmlns:r="http://schemas.openxmlformats.org/officeDocument/2006/relationships" xmlns:p="http://schemas.openxmlformats.org/presentationml/2006/main">
+  <p:cSld>
+    <p:bg>
+      <p:bgPr>
+        <a:blipFill dpi="0" rotWithShape="0">
+          <a:blip r:embed="rId2" cstate="print"/>
+          <a:srcRect/>
+          <a:stretch>
+            <a:fillRect/>
+          </a:stretch>
+        </a:blipFill>
+        <a:effectLst/>
+      </p:bgPr>
+    </p:bg>
+    <p:spTree>
+      <p:nvGrpSpPr>
+        <p:cNvPr id="1" name=""/>
+        <p:cNvGrpSpPr/>
+        <p:nvPr/>
+      </p:nvGrpSpPr>
+      <p:grpSpPr>
+        <a:xfrm>
+          <a:off x="0" y="0"/>
+          <a:ext cx="0" cy="0"/>
+          <a:chOff x="0" y="0"/>
+          <a:chExt cx="0" cy="0"/>
+        </a:xfrm>
+      </p:grpSpPr>
+      <p:sp>
+        <p:nvSpPr>
+          <p:cNvPr id="4098" name="Titre 3"/>
+          <p:cNvSpPr>
+            <a:spLocks noGrp="1"/>
+          </p:cNvSpPr>
+          <p:nvPr>
+            <p:ph type="title"/>
+          </p:nvPr>
+        </p:nvSpPr>
+        <p:spPr/>
+        <p:txBody>
+          <a:bodyPr/>
+          <a:lstStyle/>
+          <a:p>
+            <a:r>
+              <a:rPr lang="fr-CA" dirty="0" err="1">
+                <a:solidFill>
+                  <a:schemeClr val="bg1"/>
+                </a:solidFill>
+              </a:rPr>
+              <a:t>Core</a:t>
+            </a:r>
+            <a:r>
+              <a:rPr lang="fr-CA" dirty="0">
+                <a:solidFill>
+                  <a:schemeClr val="bg1"/>
+                </a:solidFill>
+              </a:rPr>
+              <a:t> (</a:t>
+            </a:r>
+            <a:r>
+              <a:rPr lang="fr-CA" dirty="0" err="1">
+                <a:solidFill>
+                  <a:schemeClr val="bg1"/>
+                </a:solidFill>
+              </a:rPr>
+              <a:t>cont</a:t>
+            </a:r>
+            <a:r>
+              <a:rPr lang="fr-CA" dirty="0">
+                <a:solidFill>
+                  <a:schemeClr val="bg1"/>
+                </a:solidFill>
+              </a:rPr>
+              <a:t>.)</a:t>
+            </a:r>
+          </a:p>
+        </p:txBody>
+      </p:sp>
+      <p:sp>
+        <p:nvSpPr>
+          <p:cNvPr id="4099" name="Espace réservé du contenu 4"/>
+          <p:cNvSpPr>
+            <a:spLocks noGrp="1"/>
+          </p:cNvSpPr>
+          <p:nvPr>
+            <p:ph idx="1"/>
+          </p:nvPr>
+        </p:nvSpPr>
+        <p:spPr>
+          <a:xfrm>
+            <a:off x="304800" y="1905000"/>
+            <a:ext cx="8534400" cy="3200400"/>
+          </a:xfrm>
+        </p:spPr>
+        <p:txBody>
+          <a:bodyPr/>
+          <a:lstStyle/>
+          <a:p>
+            <a:r>
+              <a:rPr lang="en-US" sz="1400" b="1" dirty="0" err="1">
+                <a:solidFill>
+                  <a:srgbClr val="3C5790"/>
+                </a:solidFill>
+              </a:rPr>
+              <a:t>useragent</a:t>
+            </a:r>
+            <a:r>
+              <a:rPr lang="en-US" sz="1400" dirty="0">
+                <a:solidFill>
+                  <a:srgbClr val="3C5790"/>
+                </a:solidFill>
+              </a:rPr>
+              <a:t> is a filter plugin that can parse user agent strings into structured data</a:t>
+            </a:r>
+          </a:p>
+          <a:p>
+            <a:r>
+              <a:rPr lang="en-US" sz="1400" dirty="0">
+                <a:solidFill>
+                  <a:srgbClr val="3C5790"/>
+                </a:solidFill>
+              </a:rPr>
+              <a:t>filter {</a:t>
+            </a:r>
+          </a:p>
+          <a:p>
+            <a:r>
+              <a:rPr lang="en-US" sz="1400" dirty="0">
+                <a:solidFill>
+                  <a:srgbClr val="3C5790"/>
+                </a:solidFill>
+              </a:rPr>
+              <a:t>  </a:t>
+            </a:r>
+            <a:r>
+              <a:rPr lang="en-US" sz="1400" dirty="0" err="1">
+                <a:solidFill>
+                  <a:srgbClr val="3C5790"/>
+                </a:solidFill>
+              </a:rPr>
+              <a:t>useragent</a:t>
+            </a:r>
+            <a:r>
+              <a:rPr lang="en-US" sz="1400" dirty="0">
+                <a:solidFill>
+                  <a:srgbClr val="3C5790"/>
+                </a:solidFill>
+              </a:rPr>
+              <a:t> {</a:t>
+            </a:r>
+          </a:p>
+          <a:p>
+            <a:r>
+              <a:rPr lang="en-US" sz="1400" dirty="0">
+                <a:solidFill>
+                  <a:srgbClr val="3C5790"/>
+                </a:solidFill>
+              </a:rPr>
+              <a:t>    source =&gt; “agent”</a:t>
+            </a:r>
+          </a:p>
+          <a:p>
+            <a:r>
+              <a:rPr lang="en-US" sz="1400" dirty="0">
+                <a:solidFill>
+                  <a:srgbClr val="3C5790"/>
+                </a:solidFill>
+              </a:rPr>
+              <a:t>    target =&gt; “</a:t>
+            </a:r>
+            <a:r>
+              <a:rPr lang="en-US" sz="1400" dirty="0" err="1">
+                <a:solidFill>
+                  <a:srgbClr val="3C5790"/>
+                </a:solidFill>
+              </a:rPr>
+              <a:t>ua</a:t>
+            </a:r>
+            <a:r>
+              <a:rPr lang="en-US" sz="1400" dirty="0">
+                <a:solidFill>
+                  <a:srgbClr val="3C5790"/>
+                </a:solidFill>
+              </a:rPr>
+              <a:t>”</a:t>
+            </a:r>
+          </a:p>
+          <a:p>
+            <a:r>
+              <a:rPr lang="en-US" sz="1400" dirty="0">
+                <a:solidFill>
+                  <a:srgbClr val="3C5790"/>
+                </a:solidFill>
+              </a:rPr>
+              <a:t>  }</a:t>
+            </a:r>
+          </a:p>
+          <a:p>
+            <a:r>
+              <a:rPr lang="en-US" sz="1400" dirty="0">
+                <a:solidFill>
+                  <a:srgbClr val="3C5790"/>
+                </a:solidFill>
+              </a:rPr>
+              <a:t>}</a:t>
+            </a:r>
+          </a:p>
+          <a:p>
+            <a:endParaRPr lang="en-US" sz="1400" dirty="0">
+              <a:solidFill>
+                <a:srgbClr val="3C5790"/>
+              </a:solidFill>
+            </a:endParaRPr>
+          </a:p>
+        </p:txBody>
+      </p:sp>
+    </p:spTree>
+    <p:extLst>
+      <p:ext uri="{BB962C8B-B14F-4D97-AF65-F5344CB8AC3E}">
+        <p14:creationId xmlns:p14="http://schemas.microsoft.com/office/powerpoint/2010/main" val="1800313113"/>
+      </p:ext>
+    </p:extLst>
+  </p:cSld>
+  <p:clrMapOvr>
+    <a:masterClrMapping/>
+  </p:clrMapOvr>
+</p:sld>
+</file>
+
+<file path=ppt/slides/slide27.xml><?xml version="1.0" encoding="utf-8"?>
+<p:sld xmlns:a="http://schemas.openxmlformats.org/drawingml/2006/main" xmlns:r="http://schemas.openxmlformats.org/officeDocument/2006/relationships" xmlns:p="http://schemas.openxmlformats.org/presentationml/2006/main">
+  <p:cSld>
+    <p:bg>
+      <p:bgPr>
+        <a:blipFill dpi="0" rotWithShape="0">
+          <a:blip r:embed="rId2" cstate="print"/>
+          <a:srcRect/>
+          <a:stretch>
+            <a:fillRect/>
+          </a:stretch>
+        </a:blipFill>
+        <a:effectLst/>
+      </p:bgPr>
+    </p:bg>
+    <p:spTree>
+      <p:nvGrpSpPr>
+        <p:cNvPr id="1" name=""/>
+        <p:cNvGrpSpPr/>
+        <p:nvPr/>
+      </p:nvGrpSpPr>
+      <p:grpSpPr>
+        <a:xfrm>
+          <a:off x="0" y="0"/>
+          <a:ext cx="0" cy="0"/>
+          <a:chOff x="0" y="0"/>
+          <a:chExt cx="0" cy="0"/>
+        </a:xfrm>
+      </p:grpSpPr>
+      <p:sp>
+        <p:nvSpPr>
+          <p:cNvPr id="4098" name="Titre 3"/>
+          <p:cNvSpPr>
+            <a:spLocks noGrp="1"/>
+          </p:cNvSpPr>
+          <p:nvPr>
+            <p:ph type="title"/>
+          </p:nvPr>
+        </p:nvSpPr>
+        <p:spPr/>
+        <p:txBody>
+          <a:bodyPr/>
+          <a:lstStyle/>
+          <a:p>
+            <a:r>
+              <a:rPr lang="fr-CA" dirty="0" err="1">
+                <a:solidFill>
+                  <a:schemeClr val="bg1"/>
+                </a:solidFill>
+              </a:rPr>
+              <a:t>Core</a:t>
+            </a:r>
+            <a:r>
+              <a:rPr lang="fr-CA" dirty="0">
+                <a:solidFill>
+                  <a:schemeClr val="bg1"/>
+                </a:solidFill>
+              </a:rPr>
+              <a:t> (</a:t>
+            </a:r>
+            <a:r>
+              <a:rPr lang="fr-CA" dirty="0" err="1">
+                <a:solidFill>
+                  <a:schemeClr val="bg1"/>
+                </a:solidFill>
+              </a:rPr>
+              <a:t>cont</a:t>
+            </a:r>
+            <a:r>
+              <a:rPr lang="fr-CA" dirty="0">
+                <a:solidFill>
+                  <a:schemeClr val="bg1"/>
+                </a:solidFill>
+              </a:rPr>
+              <a:t>.)</a:t>
+            </a:r>
+          </a:p>
+        </p:txBody>
+      </p:sp>
+      <p:sp>
+        <p:nvSpPr>
+          <p:cNvPr id="4099" name="Espace réservé du contenu 4"/>
+          <p:cNvSpPr>
+            <a:spLocks noGrp="1"/>
+          </p:cNvSpPr>
+          <p:nvPr>
+            <p:ph idx="1"/>
+          </p:nvPr>
+        </p:nvSpPr>
+        <p:spPr>
+          <a:xfrm>
+            <a:off x="304800" y="1905000"/>
+            <a:ext cx="8534400" cy="3505200"/>
+          </a:xfrm>
+        </p:spPr>
+        <p:txBody>
+          <a:bodyPr/>
+          <a:lstStyle/>
+          <a:p>
+            <a:r>
+              <a:rPr lang="en-US" sz="1400" dirty="0">
+                <a:solidFill>
+                  <a:srgbClr val="3C5790"/>
+                </a:solidFill>
+              </a:rPr>
+              <a:t>Conditional expressions can be used for input, filter, output plugins.</a:t>
+            </a:r>
+          </a:p>
+          <a:p>
+            <a:r>
+              <a:rPr lang="en-US" sz="1400" dirty="0">
+                <a:solidFill>
+                  <a:srgbClr val="3C5790"/>
+                </a:solidFill>
+              </a:rPr>
+              <a:t>If EXPR {</a:t>
+            </a:r>
+          </a:p>
+          <a:p>
+            <a:r>
+              <a:rPr lang="en-US" sz="1400" dirty="0">
+                <a:solidFill>
+                  <a:srgbClr val="3C5790"/>
+                </a:solidFill>
+              </a:rPr>
+              <a:t>…</a:t>
+            </a:r>
+          </a:p>
+          <a:p>
+            <a:r>
+              <a:rPr lang="en-US" sz="1400" dirty="0">
+                <a:solidFill>
+                  <a:srgbClr val="3C5790"/>
+                </a:solidFill>
+              </a:rPr>
+              <a:t>} else if EXPR {</a:t>
+            </a:r>
+          </a:p>
+          <a:p>
+            <a:r>
+              <a:rPr lang="en-US" sz="1400" dirty="0">
+                <a:solidFill>
+                  <a:srgbClr val="3C5790"/>
+                </a:solidFill>
+              </a:rPr>
+              <a:t>….</a:t>
+            </a:r>
+          </a:p>
+          <a:p>
+            <a:r>
+              <a:rPr lang="en-US" sz="1400" dirty="0">
+                <a:solidFill>
+                  <a:srgbClr val="3C5790"/>
+                </a:solidFill>
+              </a:rPr>
+              <a:t>} else {</a:t>
+            </a:r>
+          </a:p>
+          <a:p>
+            <a:r>
+              <a:rPr lang="en-US" sz="1400" dirty="0">
+                <a:solidFill>
+                  <a:srgbClr val="3C5790"/>
+                </a:solidFill>
+              </a:rPr>
+              <a:t>…</a:t>
+            </a:r>
+          </a:p>
+          <a:p>
+            <a:r>
+              <a:rPr lang="en-US" sz="1400" dirty="0">
+                <a:solidFill>
+                  <a:srgbClr val="3C5790"/>
+                </a:solidFill>
+              </a:rPr>
+              <a:t>}</a:t>
+            </a:r>
+          </a:p>
+          <a:p>
+            <a:endParaRPr lang="en-US" sz="1400" dirty="0">
+              <a:solidFill>
+                <a:srgbClr val="3C5790"/>
+              </a:solidFill>
+            </a:endParaRPr>
+          </a:p>
+          <a:p>
+            <a:r>
+              <a:rPr lang="en-US" sz="1400" dirty="0">
+                <a:solidFill>
+                  <a:srgbClr val="3C5790"/>
+                </a:solidFill>
+              </a:rPr>
+              <a:t>Example:</a:t>
+            </a:r>
+          </a:p>
+          <a:p>
+            <a:r>
+              <a:rPr lang="en-US" sz="1400" dirty="0">
+                <a:solidFill>
+                  <a:srgbClr val="3C5790"/>
+                </a:solidFill>
+              </a:rPr>
+              <a:t>If [type] == “vale” {</a:t>
+            </a:r>
+          </a:p>
+          <a:p>
+            <a:r>
+              <a:rPr lang="en-US" sz="1400" dirty="0">
+                <a:solidFill>
+                  <a:srgbClr val="3C5790"/>
+                </a:solidFill>
+              </a:rPr>
+              <a:t>…</a:t>
+            </a:r>
+          </a:p>
+          <a:p>
+            <a:r>
+              <a:rPr lang="en-US" sz="1400" dirty="0">
+                <a:solidFill>
+                  <a:srgbClr val="3C5790"/>
+                </a:solidFill>
+              </a:rPr>
+              <a:t>}</a:t>
+            </a:r>
+          </a:p>
+          <a:p>
+            <a:endParaRPr lang="en-US" sz="1400" dirty="0">
+              <a:solidFill>
+                <a:srgbClr val="3C5790"/>
+              </a:solidFill>
+            </a:endParaRPr>
+          </a:p>
+          <a:p>
+            <a:endParaRPr lang="en-US" sz="1400" dirty="0">
+              <a:solidFill>
+                <a:srgbClr val="3C5790"/>
+              </a:solidFill>
+            </a:endParaRPr>
+          </a:p>
+        </p:txBody>
+      </p:sp>
+    </p:spTree>
+    <p:extLst>
+      <p:ext uri="{BB962C8B-B14F-4D97-AF65-F5344CB8AC3E}">
+        <p14:creationId xmlns:p14="http://schemas.microsoft.com/office/powerpoint/2010/main" val="324563833"/>
+      </p:ext>
+    </p:extLst>
+  </p:cSld>
+  <p:clrMapOvr>
+    <a:masterClrMapping/>
+  </p:clrMapOvr>
+</p:sld>
+</file>
+
+<file path=ppt/slides/slide28.xml><?xml version="1.0" encoding="utf-8"?>
+<p:sld xmlns:a="http://schemas.openxmlformats.org/drawingml/2006/main" xmlns:r="http://schemas.openxmlformats.org/officeDocument/2006/relationships" xmlns:p="http://schemas.openxmlformats.org/presentationml/2006/main">
+  <p:cSld>
+    <p:bg>
+      <p:bgPr>
+        <a:blipFill dpi="0" rotWithShape="0">
+          <a:blip r:embed="rId2" cstate="print"/>
+          <a:srcRect/>
+          <a:stretch>
+            <a:fillRect/>
+          </a:stretch>
+        </a:blipFill>
+        <a:effectLst/>
+      </p:bgPr>
+    </p:bg>
+    <p:spTree>
+      <p:nvGrpSpPr>
+        <p:cNvPr id="1" name=""/>
+        <p:cNvGrpSpPr/>
+        <p:nvPr/>
+      </p:nvGrpSpPr>
+      <p:grpSpPr>
+        <a:xfrm>
+          <a:off x="0" y="0"/>
+          <a:ext cx="0" cy="0"/>
+          <a:chOff x="0" y="0"/>
+          <a:chExt cx="0" cy="0"/>
+        </a:xfrm>
+      </p:grpSpPr>
+      <p:sp>
+        <p:nvSpPr>
+          <p:cNvPr id="4098" name="Titre 3"/>
+          <p:cNvSpPr>
+            <a:spLocks noGrp="1"/>
+          </p:cNvSpPr>
+          <p:nvPr>
+            <p:ph type="title"/>
+          </p:nvPr>
+        </p:nvSpPr>
+        <p:spPr/>
+        <p:txBody>
+          <a:bodyPr/>
+          <a:lstStyle/>
+          <a:p>
+            <a:r>
+              <a:rPr lang="fr-CA" dirty="0" err="1">
+                <a:solidFill>
+                  <a:schemeClr val="bg1"/>
+                </a:solidFill>
+              </a:rPr>
+              <a:t>Core</a:t>
+            </a:r>
+            <a:r>
+              <a:rPr lang="fr-CA" dirty="0">
+                <a:solidFill>
+                  <a:schemeClr val="bg1"/>
+                </a:solidFill>
+              </a:rPr>
+              <a:t> (</a:t>
+            </a:r>
+            <a:r>
+              <a:rPr lang="fr-CA" dirty="0" err="1">
+                <a:solidFill>
+                  <a:schemeClr val="bg1"/>
+                </a:solidFill>
+              </a:rPr>
+              <a:t>cont</a:t>
+            </a:r>
+            <a:r>
+              <a:rPr lang="fr-CA" dirty="0">
+                <a:solidFill>
+                  <a:schemeClr val="bg1"/>
+                </a:solidFill>
+              </a:rPr>
+              <a:t>.)</a:t>
+            </a:r>
+          </a:p>
+        </p:txBody>
+      </p:sp>
+      <p:sp>
+        <p:nvSpPr>
+          <p:cNvPr id="4099" name="Espace réservé du contenu 4"/>
+          <p:cNvSpPr>
+            <a:spLocks noGrp="1"/>
+          </p:cNvSpPr>
+          <p:nvPr>
+            <p:ph idx="1"/>
+          </p:nvPr>
+        </p:nvSpPr>
+        <p:spPr>
+          <a:xfrm>
+            <a:off x="304800" y="1905000"/>
+            <a:ext cx="8534400" cy="3200400"/>
+          </a:xfrm>
+        </p:spPr>
+        <p:txBody>
+          <a:bodyPr/>
+          <a:lstStyle/>
+          <a:p>
+            <a:r>
+              <a:rPr lang="en-US" sz="1400" dirty="0">
+                <a:solidFill>
+                  <a:srgbClr val="3C5790"/>
+                </a:solidFill>
+              </a:rPr>
+              <a:t>Operand types:</a:t>
+            </a:r>
+          </a:p>
+          <a:p>
+            <a:pPr lvl="1">
+              <a:buFont typeface="Wingdings" panose="05000000000000000000" pitchFamily="2" charset="2"/>
+              <a:buChar char="Ø"/>
+            </a:pPr>
+            <a:r>
+              <a:rPr lang="en-US" sz="1400" b="1" dirty="0">
+                <a:solidFill>
+                  <a:srgbClr val="3C5790"/>
+                </a:solidFill>
+              </a:rPr>
+              <a:t>Equality</a:t>
+            </a:r>
+            <a:r>
+              <a:rPr lang="en-US" sz="1400" dirty="0">
+                <a:solidFill>
+                  <a:srgbClr val="3C5790"/>
+                </a:solidFill>
+              </a:rPr>
+              <a:t>: ==, !=, &lt;, &gt;, &lt;=, &gt;=</a:t>
+            </a:r>
+          </a:p>
+          <a:p>
+            <a:pPr lvl="1">
+              <a:buFont typeface="Wingdings" panose="05000000000000000000" pitchFamily="2" charset="2"/>
+              <a:buChar char="Ø"/>
+            </a:pPr>
+            <a:r>
+              <a:rPr lang="en-US" sz="1400" b="1" dirty="0" err="1">
+                <a:solidFill>
+                  <a:srgbClr val="3C5790"/>
+                </a:solidFill>
+              </a:rPr>
+              <a:t>Regexp</a:t>
+            </a:r>
+            <a:r>
+              <a:rPr lang="en-US" sz="1400" dirty="0">
+                <a:solidFill>
+                  <a:srgbClr val="3C5790"/>
+                </a:solidFill>
+              </a:rPr>
+              <a:t>: =~, !~</a:t>
+            </a:r>
+          </a:p>
+          <a:p>
+            <a:pPr lvl="1">
+              <a:buFont typeface="Wingdings" panose="05000000000000000000" pitchFamily="2" charset="2"/>
+              <a:buChar char="Ø"/>
+            </a:pPr>
+            <a:r>
+              <a:rPr lang="en-US" sz="1400" b="1" dirty="0">
+                <a:solidFill>
+                  <a:srgbClr val="3C5790"/>
+                </a:solidFill>
+              </a:rPr>
+              <a:t>Inclusion</a:t>
+            </a:r>
+            <a:r>
+              <a:rPr lang="en-US" sz="1400" dirty="0">
+                <a:solidFill>
+                  <a:srgbClr val="3C5790"/>
+                </a:solidFill>
+              </a:rPr>
+              <a:t>: in, not in</a:t>
+            </a:r>
+          </a:p>
+          <a:p>
+            <a:pPr lvl="1">
+              <a:buFont typeface="Wingdings" panose="05000000000000000000" pitchFamily="2" charset="2"/>
+              <a:buChar char="Ø"/>
+            </a:pPr>
+            <a:r>
+              <a:rPr lang="en-US" sz="1400" b="1" dirty="0">
+                <a:solidFill>
+                  <a:srgbClr val="3C5790"/>
+                </a:solidFill>
+              </a:rPr>
+              <a:t>Boolean</a:t>
+            </a:r>
+            <a:r>
+              <a:rPr lang="en-US" sz="1400" dirty="0">
+                <a:solidFill>
+                  <a:srgbClr val="3C5790"/>
+                </a:solidFill>
+              </a:rPr>
+              <a:t>: and, or</a:t>
+            </a:r>
+          </a:p>
+          <a:p>
+            <a:pPr lvl="1">
+              <a:buFont typeface="Wingdings" panose="05000000000000000000" pitchFamily="2" charset="2"/>
+              <a:buChar char="Ø"/>
+            </a:pPr>
+            <a:r>
+              <a:rPr lang="en-US" sz="1400" b="1" dirty="0">
+                <a:solidFill>
+                  <a:srgbClr val="3C5790"/>
+                </a:solidFill>
+              </a:rPr>
+              <a:t>Unary</a:t>
+            </a:r>
+            <a:r>
+              <a:rPr lang="en-US" sz="1400" dirty="0">
+                <a:solidFill>
+                  <a:srgbClr val="3C5790"/>
+                </a:solidFill>
+              </a:rPr>
+              <a:t>: !</a:t>
+            </a:r>
+          </a:p>
+          <a:p>
+            <a:endParaRPr lang="en-US" sz="1400" dirty="0">
+              <a:solidFill>
+                <a:srgbClr val="3C5790"/>
+              </a:solidFill>
+            </a:endParaRPr>
+          </a:p>
+          <a:p>
+            <a:endParaRPr lang="en-US" sz="1400" dirty="0">
+              <a:solidFill>
+                <a:srgbClr val="3C5790"/>
+              </a:solidFill>
+            </a:endParaRPr>
+          </a:p>
+        </p:txBody>
+      </p:sp>
+    </p:spTree>
+    <p:extLst>
+      <p:ext uri="{BB962C8B-B14F-4D97-AF65-F5344CB8AC3E}">
+        <p14:creationId xmlns:p14="http://schemas.microsoft.com/office/powerpoint/2010/main" val="111957374"/>
+      </p:ext>
+    </p:extLst>
+  </p:cSld>
+  <p:clrMapOvr>
+    <a:masterClrMapping/>
+  </p:clrMapOvr>
+</p:sld>
+</file>
+
+<file path=ppt/slides/slide29.xml><?xml version="1.0" encoding="utf-8"?>
+<p:sld xmlns:a="http://schemas.openxmlformats.org/drawingml/2006/main" xmlns:r="http://schemas.openxmlformats.org/officeDocument/2006/relationships" xmlns:p="http://schemas.openxmlformats.org/presentationml/2006/main">
+  <p:cSld>
+    <p:bg>
+      <p:bgPr>
+        <a:blipFill dpi="0" rotWithShape="0">
+          <a:blip r:embed="rId2" cstate="print"/>
+          <a:srcRect/>
+          <a:stretch>
+            <a:fillRect/>
+          </a:stretch>
+        </a:blipFill>
+        <a:effectLst/>
+      </p:bgPr>
+    </p:bg>
+    <p:spTree>
+      <p:nvGrpSpPr>
+        <p:cNvPr id="1" name=""/>
+        <p:cNvGrpSpPr/>
+        <p:nvPr/>
+      </p:nvGrpSpPr>
+      <p:grpSpPr>
+        <a:xfrm>
+          <a:off x="0" y="0"/>
+          <a:ext cx="0" cy="0"/>
+          <a:chOff x="0" y="0"/>
+          <a:chExt cx="0" cy="0"/>
+        </a:xfrm>
+      </p:grpSpPr>
+      <p:sp>
+        <p:nvSpPr>
+          <p:cNvPr id="4098" name="Titre 3"/>
+          <p:cNvSpPr>
+            <a:spLocks noGrp="1"/>
+          </p:cNvSpPr>
+          <p:nvPr>
+            <p:ph type="title"/>
+          </p:nvPr>
+        </p:nvSpPr>
+        <p:spPr/>
+        <p:txBody>
+          <a:bodyPr/>
+          <a:lstStyle/>
+          <a:p>
+            <a:r>
+              <a:rPr lang="fr-CA" dirty="0" err="1">
+                <a:solidFill>
+                  <a:schemeClr val="bg1"/>
+                </a:solidFill>
+              </a:rPr>
+              <a:t>Core</a:t>
+            </a:r>
+            <a:r>
+              <a:rPr lang="fr-CA" dirty="0">
+                <a:solidFill>
+                  <a:schemeClr val="bg1"/>
+                </a:solidFill>
+              </a:rPr>
+              <a:t> (</a:t>
+            </a:r>
+            <a:r>
+              <a:rPr lang="fr-CA" dirty="0" err="1">
+                <a:solidFill>
+                  <a:schemeClr val="bg1"/>
+                </a:solidFill>
+              </a:rPr>
+              <a:t>cont</a:t>
+            </a:r>
+            <a:r>
+              <a:rPr lang="fr-CA" dirty="0">
+                <a:solidFill>
+                  <a:schemeClr val="bg1"/>
+                </a:solidFill>
+              </a:rPr>
+              <a:t>.)</a:t>
+            </a:r>
+          </a:p>
+        </p:txBody>
+      </p:sp>
+      <p:sp>
+        <p:nvSpPr>
+          <p:cNvPr id="4099" name="Espace réservé du contenu 4"/>
+          <p:cNvSpPr>
+            <a:spLocks noGrp="1"/>
+          </p:cNvSpPr>
+          <p:nvPr>
+            <p:ph idx="1"/>
+          </p:nvPr>
+        </p:nvSpPr>
+        <p:spPr>
+          <a:xfrm>
+            <a:off x="304800" y="1905000"/>
+            <a:ext cx="8534400" cy="3200400"/>
+          </a:xfrm>
+        </p:spPr>
+        <p:txBody>
+          <a:bodyPr/>
+          <a:lstStyle/>
+          <a:p>
+            <a:r>
+              <a:rPr lang="en-US" sz="1400" dirty="0">
+                <a:solidFill>
+                  <a:srgbClr val="3C5790"/>
+                </a:solidFill>
+              </a:rPr>
+              <a:t>Logstash supports the following patterns wherever glob patterns are allowed:</a:t>
+            </a:r>
+          </a:p>
+          <a:p>
+            <a:pPr lvl="1">
+              <a:buFont typeface="Wingdings" panose="05000000000000000000" pitchFamily="2" charset="2"/>
+              <a:buChar char="Ø"/>
+            </a:pPr>
+            <a:r>
+              <a:rPr lang="en-US" sz="1400" dirty="0">
+                <a:solidFill>
+                  <a:srgbClr val="3C5790"/>
+                </a:solidFill>
+              </a:rPr>
+              <a:t>* </a:t>
+            </a:r>
+            <a:r>
+              <a:rPr lang="en-US" sz="1400" dirty="0">
+                <a:solidFill>
+                  <a:srgbClr val="3C5790"/>
+                </a:solidFill>
+                <a:sym typeface="Wingdings" panose="05000000000000000000" pitchFamily="2" charset="2"/>
+              </a:rPr>
+              <a:t> match any file</a:t>
+            </a:r>
+          </a:p>
+          <a:p>
+            <a:pPr lvl="1">
+              <a:buFont typeface="Wingdings" panose="05000000000000000000" pitchFamily="2" charset="2"/>
+              <a:buChar char="Ø"/>
+            </a:pPr>
+            <a:r>
+              <a:rPr lang="en-US" sz="1400" dirty="0">
+                <a:solidFill>
+                  <a:srgbClr val="3C5790"/>
+                </a:solidFill>
+                <a:sym typeface="Wingdings" panose="05000000000000000000" pitchFamily="2" charset="2"/>
+              </a:rPr>
+              <a:t>**  match directories recursively</a:t>
+            </a:r>
+          </a:p>
+          <a:p>
+            <a:pPr lvl="1">
+              <a:buFont typeface="Wingdings" panose="05000000000000000000" pitchFamily="2" charset="2"/>
+              <a:buChar char="Ø"/>
+            </a:pPr>
+            <a:r>
+              <a:rPr lang="en-US" sz="1400" dirty="0">
+                <a:solidFill>
+                  <a:srgbClr val="3C5790"/>
+                </a:solidFill>
+                <a:sym typeface="Wingdings" panose="05000000000000000000" pitchFamily="2" charset="2"/>
+              </a:rPr>
+              <a:t>?  match one character</a:t>
+            </a:r>
+          </a:p>
+          <a:p>
+            <a:pPr lvl="1">
+              <a:buFont typeface="Wingdings" panose="05000000000000000000" pitchFamily="2" charset="2"/>
+              <a:buChar char="Ø"/>
+            </a:pPr>
+            <a:r>
+              <a:rPr lang="en-US" sz="1400" dirty="0">
+                <a:solidFill>
+                  <a:srgbClr val="3C5790"/>
+                </a:solidFill>
+                <a:sym typeface="Wingdings" panose="05000000000000000000" pitchFamily="2" charset="2"/>
+              </a:rPr>
+              <a:t>[set]  match any one character in a set</a:t>
+            </a:r>
+          </a:p>
+          <a:p>
+            <a:pPr lvl="1">
+              <a:buFont typeface="Wingdings" panose="05000000000000000000" pitchFamily="2" charset="2"/>
+              <a:buChar char="Ø"/>
+            </a:pPr>
+            <a:r>
+              <a:rPr lang="en-US" sz="1400" dirty="0">
+                <a:solidFill>
+                  <a:srgbClr val="3C5790"/>
+                </a:solidFill>
+                <a:sym typeface="Wingdings" panose="05000000000000000000" pitchFamily="2" charset="2"/>
+              </a:rPr>
+              <a:t>{</a:t>
+            </a:r>
+            <a:r>
+              <a:rPr lang="en-US" sz="1400" dirty="0" err="1">
+                <a:solidFill>
+                  <a:srgbClr val="3C5790"/>
+                </a:solidFill>
+                <a:sym typeface="Wingdings" panose="05000000000000000000" pitchFamily="2" charset="2"/>
+              </a:rPr>
+              <a:t>p,q</a:t>
+            </a:r>
+            <a:r>
+              <a:rPr lang="en-US" sz="1400" dirty="0">
+                <a:solidFill>
+                  <a:srgbClr val="3C5790"/>
+                </a:solidFill>
+                <a:sym typeface="Wingdings" panose="05000000000000000000" pitchFamily="2" charset="2"/>
+              </a:rPr>
+              <a:t>}  match either literal p or literal q</a:t>
+            </a:r>
+            <a:endParaRPr lang="en-US" sz="1400" dirty="0">
+              <a:solidFill>
+                <a:srgbClr val="3C5790"/>
+              </a:solidFill>
+            </a:endParaRPr>
+          </a:p>
+          <a:p>
+            <a:endParaRPr lang="en-US" sz="1400" dirty="0">
+              <a:solidFill>
+                <a:srgbClr val="3C5790"/>
+              </a:solidFill>
+            </a:endParaRPr>
+          </a:p>
+        </p:txBody>
+      </p:sp>
+    </p:spTree>
+    <p:extLst>
+      <p:ext uri="{BB962C8B-B14F-4D97-AF65-F5344CB8AC3E}">
+        <p14:creationId xmlns:p14="http://schemas.microsoft.com/office/powerpoint/2010/main" val="1133352730"/>
+      </p:ext>
+    </p:extLst>
+  </p:cSld>
+  <p:clrMapOvr>
+    <a:masterClrMapping/>
+  </p:clrMapOvr>
+</p:sld>
+</file>
+
+<file path=ppt/slides/slide3.xml><?xml version="1.0" encoding="utf-8"?>
+<p:sld xmlns:a="http://schemas.openxmlformats.org/drawingml/2006/main" xmlns:r="http://schemas.openxmlformats.org/officeDocument/2006/relationships" xmlns:p="http://schemas.openxmlformats.org/presentationml/2006/main">
+  <p:cSld>
+    <p:bg>
+      <p:bgPr>
+        <a:blipFill dpi="0" rotWithShape="0">
+          <a:blip r:embed="rId2" cstate="print"/>
+          <a:srcRect/>
+          <a:stretch>
+            <a:fillRect/>
+          </a:stretch>
+        </a:blipFill>
+        <a:effectLst/>
+      </p:bgPr>
+    </p:bg>
+    <p:spTree>
+      <p:nvGrpSpPr>
+        <p:cNvPr id="1" name=""/>
+        <p:cNvGrpSpPr/>
+        <p:nvPr/>
+      </p:nvGrpSpPr>
+      <p:grpSpPr>
+        <a:xfrm>
+          <a:off x="0" y="0"/>
+          <a:ext cx="0" cy="0"/>
+          <a:chOff x="0" y="0"/>
+          <a:chExt cx="0" cy="0"/>
+        </a:xfrm>
+      </p:grpSpPr>
+      <p:sp>
+        <p:nvSpPr>
+          <p:cNvPr id="4098" name="Titre 3"/>
+          <p:cNvSpPr>
+            <a:spLocks noGrp="1"/>
+          </p:cNvSpPr>
+          <p:nvPr>
+            <p:ph type="title"/>
+          </p:nvPr>
+        </p:nvSpPr>
+        <p:spPr/>
+        <p:txBody>
+          <a:bodyPr/>
+          <a:lstStyle/>
+          <a:p>
+            <a:r>
+              <a:rPr lang="fr-CA" dirty="0" err="1">
+                <a:solidFill>
+                  <a:schemeClr val="bg1"/>
+                </a:solidFill>
+              </a:rPr>
+              <a:t>What</a:t>
+            </a:r>
+            <a:r>
+              <a:rPr lang="fr-CA" dirty="0">
+                <a:solidFill>
+                  <a:schemeClr val="bg1"/>
+                </a:solidFill>
+              </a:rPr>
+              <a:t> </a:t>
+            </a:r>
+            <a:r>
+              <a:rPr lang="fr-CA" dirty="0" err="1">
+                <a:solidFill>
+                  <a:schemeClr val="bg1"/>
+                </a:solidFill>
+              </a:rPr>
+              <a:t>is</a:t>
+            </a:r>
+            <a:r>
+              <a:rPr lang="fr-CA" dirty="0">
+                <a:solidFill>
+                  <a:schemeClr val="bg1"/>
+                </a:solidFill>
+              </a:rPr>
+              <a:t> </a:t>
+            </a:r>
+            <a:r>
+              <a:rPr lang="fr-CA" dirty="0" err="1">
+                <a:solidFill>
+                  <a:schemeClr val="bg1"/>
+                </a:solidFill>
+              </a:rPr>
+              <a:t>Logstash</a:t>
+            </a:r>
+            <a:r>
+              <a:rPr lang="fr-CA" dirty="0">
+                <a:solidFill>
+                  <a:schemeClr val="bg1"/>
+                </a:solidFill>
+              </a:rPr>
+              <a:t> ?</a:t>
+            </a:r>
+          </a:p>
+        </p:txBody>
+      </p:sp>
+      <p:sp>
+        <p:nvSpPr>
+          <p:cNvPr id="4099" name="Espace réservé du contenu 4"/>
+          <p:cNvSpPr>
+            <a:spLocks noGrp="1"/>
+          </p:cNvSpPr>
+          <p:nvPr>
+            <p:ph idx="1"/>
+          </p:nvPr>
+        </p:nvSpPr>
+        <p:spPr>
+          <a:xfrm>
+            <a:off x="228600" y="2133600"/>
+            <a:ext cx="8686800" cy="4419600"/>
+          </a:xfrm>
+        </p:spPr>
+        <p:txBody>
+          <a:bodyPr/>
+          <a:lstStyle/>
+          <a:p>
+            <a:r>
+              <a:rPr lang="en-US" sz="1500" dirty="0" err="1">
+                <a:solidFill>
+                  <a:srgbClr val="3C5790"/>
+                </a:solidFill>
+              </a:rPr>
+              <a:t>Logstash</a:t>
+            </a:r>
+            <a:r>
+              <a:rPr lang="en-US" sz="1500" dirty="0">
+                <a:solidFill>
+                  <a:srgbClr val="3C5790"/>
+                </a:solidFill>
+              </a:rPr>
+              <a:t> is a tool for managing events and logs, collect, process, and forward events and log messages.</a:t>
+            </a:r>
+          </a:p>
+          <a:p>
+            <a:r>
+              <a:rPr lang="en-US" sz="1500" dirty="0" err="1">
+                <a:solidFill>
+                  <a:srgbClr val="3C5790"/>
+                </a:solidFill>
+              </a:rPr>
+              <a:t>Logstash</a:t>
+            </a:r>
+            <a:r>
+              <a:rPr lang="en-US" sz="1500" dirty="0">
+                <a:solidFill>
+                  <a:srgbClr val="3C5790"/>
+                </a:solidFill>
+              </a:rPr>
+              <a:t> is free and open source (Apache 2.0 licensed) and developed by American developer, Jordan </a:t>
+            </a:r>
+            <a:r>
+              <a:rPr lang="en-US" sz="1500" dirty="0" err="1">
+                <a:solidFill>
+                  <a:srgbClr val="3C5790"/>
+                </a:solidFill>
+              </a:rPr>
+              <a:t>Sissel</a:t>
+            </a:r>
+            <a:r>
+              <a:rPr lang="en-US" sz="1500" dirty="0">
+                <a:solidFill>
+                  <a:srgbClr val="3C5790"/>
+                </a:solidFill>
+              </a:rPr>
+              <a:t> and the team from Elastic.</a:t>
+            </a:r>
+          </a:p>
+          <a:p>
+            <a:r>
+              <a:rPr lang="en-US" sz="1500" dirty="0">
+                <a:solidFill>
+                  <a:srgbClr val="3C5790"/>
+                </a:solidFill>
+              </a:rPr>
+              <a:t>It’s easy to set up, performant, scalable and easy to extend.</a:t>
+            </a:r>
+          </a:p>
+        </p:txBody>
+      </p:sp>
+    </p:spTree>
+  </p:cSld>
+  <p:clrMapOvr>
+    <a:masterClrMapping/>
+  </p:clrMapOvr>
+</p:sld>
+</file>
+
+<file path=ppt/slides/slide30.xml><?xml version="1.0" encoding="utf-8"?>
+<p:sld xmlns:a="http://schemas.openxmlformats.org/drawingml/2006/main" xmlns:r="http://schemas.openxmlformats.org/officeDocument/2006/relationships" xmlns:p="http://schemas.openxmlformats.org/presentationml/2006/main">
+  <p:cSld>
+    <p:bg>
+      <p:bgPr>
+        <a:blipFill dpi="0" rotWithShape="0">
+          <a:blip r:embed="rId2" cstate="print"/>
+          <a:srcRect/>
+          <a:stretch>
+            <a:fillRect/>
+          </a:stretch>
+        </a:blipFill>
+        <a:effectLst/>
+      </p:bgPr>
+    </p:bg>
+    <p:spTree>
+      <p:nvGrpSpPr>
+        <p:cNvPr id="1" name=""/>
+        <p:cNvGrpSpPr/>
+        <p:nvPr/>
+      </p:nvGrpSpPr>
+      <p:grpSpPr>
+        <a:xfrm>
+          <a:off x="0" y="0"/>
+          <a:ext cx="0" cy="0"/>
+          <a:chOff x="0" y="0"/>
+          <a:chExt cx="0" cy="0"/>
+        </a:xfrm>
+      </p:grpSpPr>
+      <p:sp>
+        <p:nvSpPr>
+          <p:cNvPr id="4098" name="Titre 3"/>
+          <p:cNvSpPr>
+            <a:spLocks noGrp="1"/>
+          </p:cNvSpPr>
+          <p:nvPr>
+            <p:ph type="title"/>
+          </p:nvPr>
+        </p:nvSpPr>
+        <p:spPr/>
+        <p:txBody>
+          <a:bodyPr/>
+          <a:lstStyle/>
+          <a:p>
+            <a:r>
+              <a:rPr lang="fr-CA" dirty="0" err="1">
+                <a:solidFill>
+                  <a:schemeClr val="bg1"/>
+                </a:solidFill>
+              </a:rPr>
+              <a:t>Core</a:t>
+            </a:r>
+            <a:r>
+              <a:rPr lang="fr-CA" dirty="0">
+                <a:solidFill>
+                  <a:schemeClr val="bg1"/>
+                </a:solidFill>
+              </a:rPr>
+              <a:t> (</a:t>
+            </a:r>
+            <a:r>
+              <a:rPr lang="fr-CA" dirty="0" err="1">
+                <a:solidFill>
+                  <a:schemeClr val="bg1"/>
+                </a:solidFill>
+              </a:rPr>
+              <a:t>cont</a:t>
+            </a:r>
+            <a:r>
+              <a:rPr lang="fr-CA" dirty="0">
+                <a:solidFill>
+                  <a:schemeClr val="bg1"/>
+                </a:solidFill>
+              </a:rPr>
+              <a:t>.)</a:t>
+            </a:r>
+          </a:p>
+        </p:txBody>
+      </p:sp>
+      <p:sp>
+        <p:nvSpPr>
+          <p:cNvPr id="4099" name="Espace réservé du contenu 4"/>
+          <p:cNvSpPr>
+            <a:spLocks noGrp="1"/>
+          </p:cNvSpPr>
+          <p:nvPr>
+            <p:ph idx="1"/>
+          </p:nvPr>
+        </p:nvSpPr>
+        <p:spPr>
+          <a:xfrm>
+            <a:off x="304800" y="1905000"/>
+            <a:ext cx="8534400" cy="3505200"/>
+          </a:xfrm>
+        </p:spPr>
+        <p:txBody>
+          <a:bodyPr/>
+          <a:lstStyle/>
+          <a:p>
+            <a:r>
+              <a:rPr lang="en-US" sz="1400" dirty="0">
+                <a:solidFill>
+                  <a:srgbClr val="3C5790"/>
+                </a:solidFill>
+              </a:rPr>
+              <a:t>We can drop the event if the path parameter contains the “admin” value.</a:t>
+            </a:r>
+          </a:p>
+          <a:p>
+            <a:r>
+              <a:rPr lang="en-US" sz="1400" dirty="0">
+                <a:solidFill>
+                  <a:srgbClr val="3C5790"/>
+                </a:solidFill>
+              </a:rPr>
+              <a:t>If [path] =~ /admin/ {</a:t>
+            </a:r>
+          </a:p>
+          <a:p>
+            <a:r>
+              <a:rPr lang="en-US" sz="1400" dirty="0">
+                <a:solidFill>
+                  <a:srgbClr val="3C5790"/>
+                </a:solidFill>
+              </a:rPr>
+              <a:t>   drop {}</a:t>
+            </a:r>
+          </a:p>
+          <a:p>
+            <a:r>
+              <a:rPr lang="en-US" sz="1400" dirty="0">
+                <a:solidFill>
+                  <a:srgbClr val="3C5790"/>
+                </a:solidFill>
+              </a:rPr>
+              <a:t>}</a:t>
+            </a:r>
+          </a:p>
+          <a:p>
+            <a:endParaRPr lang="en-US" sz="1400" dirty="0">
+              <a:solidFill>
+                <a:srgbClr val="3C5790"/>
+              </a:solidFill>
+            </a:endParaRPr>
+          </a:p>
+          <a:p>
+            <a:r>
+              <a:rPr lang="en-US" sz="1400" dirty="0">
+                <a:solidFill>
+                  <a:srgbClr val="3C5790"/>
+                </a:solidFill>
+              </a:rPr>
+              <a:t>Elasticsearch output plugin provides real-time search and analytics for all types of data:</a:t>
+            </a:r>
+          </a:p>
+          <a:p>
+            <a:r>
+              <a:rPr lang="en-US" sz="1400" dirty="0">
+                <a:solidFill>
+                  <a:srgbClr val="3C5790"/>
+                </a:solidFill>
+              </a:rPr>
+              <a:t>output {</a:t>
+            </a:r>
+          </a:p>
+          <a:p>
+            <a:r>
+              <a:rPr lang="en-US" sz="1400" dirty="0">
+                <a:solidFill>
+                  <a:srgbClr val="3C5790"/>
+                </a:solidFill>
+              </a:rPr>
+              <a:t>   </a:t>
+            </a:r>
+            <a:r>
+              <a:rPr lang="en-US" sz="1400" dirty="0" err="1">
+                <a:solidFill>
+                  <a:srgbClr val="3C5790"/>
+                </a:solidFill>
+              </a:rPr>
+              <a:t>elasticsearch</a:t>
+            </a:r>
+            <a:r>
+              <a:rPr lang="en-US" sz="1400" dirty="0">
+                <a:solidFill>
+                  <a:srgbClr val="3C5790"/>
+                </a:solidFill>
+              </a:rPr>
+              <a:t> {</a:t>
+            </a:r>
+          </a:p>
+          <a:p>
+            <a:r>
+              <a:rPr lang="en-US" sz="1400" dirty="0">
+                <a:solidFill>
+                  <a:srgbClr val="3C5790"/>
+                </a:solidFill>
+              </a:rPr>
+              <a:t>    hosts =&gt; [ </a:t>
+            </a:r>
+            <a:r>
+              <a:rPr lang="en-US" sz="1400" dirty="0">
+                <a:solidFill>
+                  <a:srgbClr val="3C5790"/>
+                </a:solidFill>
+                <a:hlinkClick r:id="rId3"/>
+              </a:rPr>
+              <a:t>https://localhost:9200</a:t>
+            </a:r>
+            <a:r>
+              <a:rPr lang="en-US" sz="1400" dirty="0">
+                <a:solidFill>
+                  <a:srgbClr val="3C5790"/>
+                </a:solidFill>
+              </a:rPr>
+              <a:t> ]</a:t>
+            </a:r>
+          </a:p>
+          <a:p>
+            <a:r>
+              <a:rPr lang="en-US" sz="1400" dirty="0">
+                <a:solidFill>
+                  <a:srgbClr val="3C5790"/>
+                </a:solidFill>
+              </a:rPr>
+              <a:t>     </a:t>
+            </a:r>
+            <a:r>
+              <a:rPr lang="en-US" sz="1400" dirty="0" err="1">
+                <a:solidFill>
+                  <a:srgbClr val="3C5790"/>
+                </a:solidFill>
+              </a:rPr>
+              <a:t>document_type</a:t>
+            </a:r>
+            <a:r>
+              <a:rPr lang="en-US" sz="1400" dirty="0">
+                <a:solidFill>
+                  <a:srgbClr val="3C5790"/>
+                </a:solidFill>
+              </a:rPr>
+              <a:t> =&gt; “default”</a:t>
+            </a:r>
+          </a:p>
+          <a:p>
+            <a:r>
+              <a:rPr lang="en-US" sz="1400" dirty="0">
+                <a:solidFill>
+                  <a:srgbClr val="3C5790"/>
+                </a:solidFill>
+              </a:rPr>
+              <a:t>      </a:t>
+            </a:r>
+            <a:r>
+              <a:rPr lang="en-US" sz="1400" dirty="0" err="1">
+                <a:solidFill>
+                  <a:srgbClr val="3C5790"/>
+                </a:solidFill>
+              </a:rPr>
+              <a:t>http_compression</a:t>
+            </a:r>
+            <a:r>
+              <a:rPr lang="en-US" sz="1400" dirty="0">
+                <a:solidFill>
+                  <a:srgbClr val="3C5790"/>
+                </a:solidFill>
+              </a:rPr>
+              <a:t> =&gt; true</a:t>
+            </a:r>
+          </a:p>
+          <a:p>
+            <a:r>
+              <a:rPr lang="en-US" sz="1400" dirty="0">
+                <a:solidFill>
+                  <a:srgbClr val="3C5790"/>
+                </a:solidFill>
+              </a:rPr>
+              <a:t>   }</a:t>
+            </a:r>
+          </a:p>
+          <a:p>
+            <a:r>
+              <a:rPr lang="en-US" sz="1400" dirty="0">
+                <a:solidFill>
+                  <a:srgbClr val="3C5790"/>
+                </a:solidFill>
+              </a:rPr>
+              <a:t>}</a:t>
+            </a:r>
+          </a:p>
+          <a:p>
+            <a:endParaRPr lang="en-US" sz="1400" dirty="0">
+              <a:solidFill>
+                <a:srgbClr val="3C5790"/>
+              </a:solidFill>
+            </a:endParaRPr>
+          </a:p>
+        </p:txBody>
+      </p:sp>
+    </p:spTree>
+    <p:extLst>
+      <p:ext uri="{BB962C8B-B14F-4D97-AF65-F5344CB8AC3E}">
+        <p14:creationId xmlns:p14="http://schemas.microsoft.com/office/powerpoint/2010/main" val="1903654396"/>
+      </p:ext>
+    </p:extLst>
+  </p:cSld>
+  <p:clrMapOvr>
+    <a:masterClrMapping/>
+  </p:clrMapOvr>
+</p:sld>
+</file>
+
+<file path=ppt/slides/slide31.xml><?xml version="1.0" encoding="utf-8"?>
+<p:sld xmlns:a="http://schemas.openxmlformats.org/drawingml/2006/main" xmlns:r="http://schemas.openxmlformats.org/officeDocument/2006/relationships" xmlns:p="http://schemas.openxmlformats.org/presentationml/2006/main">
+  <p:cSld>
+    <p:bg>
+      <p:bgPr>
+        <a:blipFill dpi="0" rotWithShape="0">
+          <a:blip r:embed="rId2" cstate="print"/>
+          <a:srcRect/>
+          <a:stretch>
+            <a:fillRect/>
+          </a:stretch>
+        </a:blipFill>
+        <a:effectLst/>
+      </p:bgPr>
+    </p:bg>
+    <p:spTree>
+      <p:nvGrpSpPr>
+        <p:cNvPr id="1" name=""/>
+        <p:cNvGrpSpPr/>
+        <p:nvPr/>
+      </p:nvGrpSpPr>
+      <p:grpSpPr>
+        <a:xfrm>
+          <a:off x="0" y="0"/>
+          <a:ext cx="0" cy="0"/>
+          <a:chOff x="0" y="0"/>
+          <a:chExt cx="0" cy="0"/>
+        </a:xfrm>
+      </p:grpSpPr>
+      <p:sp>
+        <p:nvSpPr>
+          <p:cNvPr id="4098" name="Titre 3"/>
+          <p:cNvSpPr>
+            <a:spLocks noGrp="1"/>
+          </p:cNvSpPr>
+          <p:nvPr>
+            <p:ph type="title"/>
+          </p:nvPr>
+        </p:nvSpPr>
+        <p:spPr/>
+        <p:txBody>
+          <a:bodyPr/>
+          <a:lstStyle/>
+          <a:p>
+            <a:r>
+              <a:rPr lang="fr-CA" dirty="0" err="1">
+                <a:solidFill>
+                  <a:schemeClr val="bg1"/>
+                </a:solidFill>
+              </a:rPr>
+              <a:t>Core</a:t>
+            </a:r>
+            <a:r>
+              <a:rPr lang="fr-CA" dirty="0">
+                <a:solidFill>
+                  <a:schemeClr val="bg1"/>
+                </a:solidFill>
+              </a:rPr>
+              <a:t> (</a:t>
+            </a:r>
+            <a:r>
+              <a:rPr lang="fr-CA" dirty="0" err="1">
+                <a:solidFill>
+                  <a:schemeClr val="bg1"/>
+                </a:solidFill>
+              </a:rPr>
+              <a:t>cont</a:t>
+            </a:r>
+            <a:r>
+              <a:rPr lang="fr-CA" dirty="0">
+                <a:solidFill>
+                  <a:schemeClr val="bg1"/>
+                </a:solidFill>
+              </a:rPr>
+              <a:t>.)</a:t>
+            </a:r>
+          </a:p>
+        </p:txBody>
+      </p:sp>
+      <p:sp>
+        <p:nvSpPr>
+          <p:cNvPr id="4099" name="Espace réservé du contenu 4"/>
+          <p:cNvSpPr>
+            <a:spLocks noGrp="1"/>
+          </p:cNvSpPr>
+          <p:nvPr>
+            <p:ph idx="1"/>
+          </p:nvPr>
+        </p:nvSpPr>
+        <p:spPr>
+          <a:xfrm>
+            <a:off x="304800" y="1905000"/>
+            <a:ext cx="8534400" cy="3200400"/>
+          </a:xfrm>
+        </p:spPr>
+        <p:txBody>
+          <a:bodyPr/>
+          <a:lstStyle/>
+          <a:p>
+            <a:r>
+              <a:rPr lang="en-US" sz="1400" dirty="0">
+                <a:solidFill>
+                  <a:srgbClr val="3C5790"/>
+                </a:solidFill>
+              </a:rPr>
+              <a:t>The </a:t>
+            </a:r>
+            <a:r>
+              <a:rPr lang="en-US" sz="1400" b="1" dirty="0">
+                <a:solidFill>
+                  <a:srgbClr val="3C5790"/>
+                </a:solidFill>
+              </a:rPr>
+              <a:t>stdin</a:t>
+            </a:r>
+            <a:r>
+              <a:rPr lang="en-US" sz="1400" dirty="0">
+                <a:solidFill>
+                  <a:srgbClr val="3C5790"/>
+                </a:solidFill>
+              </a:rPr>
+              <a:t> plugin is used to stream events and log lines from standard input.</a:t>
+            </a:r>
+          </a:p>
+          <a:p>
+            <a:r>
+              <a:rPr lang="en-US" sz="1400" dirty="0">
+                <a:solidFill>
+                  <a:srgbClr val="3C5790"/>
+                </a:solidFill>
+              </a:rPr>
+              <a:t>Whatever we type in the console will go as input to the </a:t>
+            </a:r>
+            <a:r>
+              <a:rPr lang="en-US" sz="1400" dirty="0" err="1">
+                <a:solidFill>
+                  <a:srgbClr val="3C5790"/>
+                </a:solidFill>
+              </a:rPr>
+              <a:t>Logstash</a:t>
+            </a:r>
+            <a:r>
+              <a:rPr lang="en-US" sz="1400" dirty="0">
+                <a:solidFill>
+                  <a:srgbClr val="3C5790"/>
+                </a:solidFill>
+              </a:rPr>
+              <a:t> event pipeline.</a:t>
+            </a:r>
+          </a:p>
+          <a:p>
+            <a:r>
+              <a:rPr lang="en-US" sz="1400" dirty="0">
+                <a:solidFill>
+                  <a:srgbClr val="3C5790"/>
+                </a:solidFill>
+              </a:rPr>
+              <a:t>The </a:t>
+            </a:r>
+            <a:r>
+              <a:rPr lang="en-US" sz="1400" b="1" dirty="0">
+                <a:solidFill>
+                  <a:srgbClr val="3C5790"/>
+                </a:solidFill>
+              </a:rPr>
+              <a:t>lumberjack</a:t>
+            </a:r>
+            <a:r>
+              <a:rPr lang="en-US" sz="1400" dirty="0">
+                <a:solidFill>
+                  <a:srgbClr val="3C5790"/>
+                </a:solidFill>
+              </a:rPr>
+              <a:t> plugin is useful to receive events via the lumberjack protocol that is used in </a:t>
+            </a:r>
+            <a:r>
+              <a:rPr lang="en-US" sz="1400" dirty="0" err="1">
+                <a:solidFill>
+                  <a:srgbClr val="3C5790"/>
+                </a:solidFill>
+              </a:rPr>
+              <a:t>Logstash</a:t>
+            </a:r>
+            <a:r>
+              <a:rPr lang="en-US" sz="1400" dirty="0">
+                <a:solidFill>
+                  <a:srgbClr val="3C5790"/>
+                </a:solidFill>
+              </a:rPr>
+              <a:t> forwarder.</a:t>
+            </a:r>
+          </a:p>
+        </p:txBody>
+      </p:sp>
+    </p:spTree>
+    <p:extLst>
+      <p:ext uri="{BB962C8B-B14F-4D97-AF65-F5344CB8AC3E}">
+        <p14:creationId xmlns:p14="http://schemas.microsoft.com/office/powerpoint/2010/main" val="171951245"/>
+      </p:ext>
+    </p:extLst>
+  </p:cSld>
+  <p:clrMapOvr>
+    <a:masterClrMapping/>
+  </p:clrMapOvr>
+</p:sld>
+</file>
+
+<file path=ppt/slides/slide32.xml><?xml version="1.0" encoding="utf-8"?>
+<p:sld xmlns:a="http://schemas.openxmlformats.org/drawingml/2006/main" xmlns:r="http://schemas.openxmlformats.org/officeDocument/2006/relationships" xmlns:p="http://schemas.openxmlformats.org/presentationml/2006/main">
+  <p:cSld>
+    <p:bg>
+      <p:bgPr>
+        <a:blipFill dpi="0" rotWithShape="0">
+          <a:blip r:embed="rId2" cstate="print"/>
+          <a:srcRect/>
+          <a:stretch>
+            <a:fillRect/>
+          </a:stretch>
+        </a:blipFill>
+        <a:effectLst/>
+      </p:bgPr>
+    </p:bg>
+    <p:spTree>
+      <p:nvGrpSpPr>
+        <p:cNvPr id="1" name=""/>
+        <p:cNvGrpSpPr/>
+        <p:nvPr/>
+      </p:nvGrpSpPr>
+      <p:grpSpPr>
+        <a:xfrm>
+          <a:off x="0" y="0"/>
+          <a:ext cx="0" cy="0"/>
+          <a:chOff x="0" y="0"/>
+          <a:chExt cx="0" cy="0"/>
+        </a:xfrm>
+      </p:grpSpPr>
+      <p:sp>
+        <p:nvSpPr>
+          <p:cNvPr id="4098" name="Titre 3"/>
+          <p:cNvSpPr>
+            <a:spLocks noGrp="1"/>
+          </p:cNvSpPr>
+          <p:nvPr>
+            <p:ph type="title"/>
+          </p:nvPr>
+        </p:nvSpPr>
+        <p:spPr/>
+        <p:txBody>
+          <a:bodyPr/>
+          <a:lstStyle/>
+          <a:p>
+            <a:r>
+              <a:rPr lang="fr-CA" dirty="0" err="1">
+                <a:solidFill>
+                  <a:schemeClr val="bg1"/>
+                </a:solidFill>
+              </a:rPr>
+              <a:t>Core</a:t>
+            </a:r>
+            <a:r>
+              <a:rPr lang="fr-CA" dirty="0">
+                <a:solidFill>
+                  <a:schemeClr val="bg1"/>
+                </a:solidFill>
+              </a:rPr>
+              <a:t> (</a:t>
+            </a:r>
+            <a:r>
+              <a:rPr lang="fr-CA" dirty="0" err="1">
+                <a:solidFill>
+                  <a:schemeClr val="bg1"/>
+                </a:solidFill>
+              </a:rPr>
+              <a:t>cont</a:t>
+            </a:r>
+            <a:r>
+              <a:rPr lang="fr-CA" dirty="0">
+                <a:solidFill>
+                  <a:schemeClr val="bg1"/>
+                </a:solidFill>
+              </a:rPr>
+              <a:t>.)</a:t>
+            </a:r>
+          </a:p>
+        </p:txBody>
+      </p:sp>
+      <p:sp>
+        <p:nvSpPr>
+          <p:cNvPr id="4099" name="Espace réservé du contenu 4"/>
+          <p:cNvSpPr>
+            <a:spLocks noGrp="1"/>
+          </p:cNvSpPr>
+          <p:nvPr>
+            <p:ph idx="1"/>
+          </p:nvPr>
+        </p:nvSpPr>
+        <p:spPr>
+          <a:xfrm>
+            <a:off x="304800" y="1905000"/>
+            <a:ext cx="8534400" cy="3200400"/>
+          </a:xfrm>
+        </p:spPr>
+        <p:txBody>
+          <a:bodyPr/>
+          <a:lstStyle/>
+          <a:p>
+            <a:r>
               <a:rPr lang="en-US" sz="1400" dirty="0" err="1">
                 <a:solidFill>
                   <a:srgbClr val="3C5790"/>
@@ -6578,7 +9744,7 @@
 </p:sld>
 </file>
 
-<file path=ppt/slides/slide21.xml><?xml version="1.0" encoding="utf-8"?>
+<file path=ppt/slides/slide33.xml><?xml version="1.0" encoding="utf-8"?>
 <p:sld xmlns:a="http://schemas.openxmlformats.org/drawingml/2006/main" xmlns:r="http://schemas.openxmlformats.org/officeDocument/2006/relationships" xmlns:p="http://schemas.openxmlformats.org/presentationml/2006/main">
   <p:cSld>
     <p:bg>
@@ -6747,7 +9913,7 @@
 </p:sld>
 </file>
 
-<file path=ppt/slides/slide22.xml><?xml version="1.0" encoding="utf-8"?>
+<file path=ppt/slides/slide34.xml><?xml version="1.0" encoding="utf-8"?>
 <p:sld xmlns:a="http://schemas.openxmlformats.org/drawingml/2006/main" xmlns:r="http://schemas.openxmlformats.org/officeDocument/2006/relationships" xmlns:p="http://schemas.openxmlformats.org/presentationml/2006/main">
   <p:cSld>
     <p:bg>
@@ -6954,7 +10120,7 @@
 </p:sld>
 </file>
 
-<file path=ppt/slides/slide23.xml><?xml version="1.0" encoding="utf-8"?>
+<file path=ppt/slides/slide35.xml><?xml version="1.0" encoding="utf-8"?>
 <p:sld xmlns:a="http://schemas.openxmlformats.org/drawingml/2006/main" xmlns:r="http://schemas.openxmlformats.org/officeDocument/2006/relationships" xmlns:p="http://schemas.openxmlformats.org/presentationml/2006/main">
   <p:cSld>
     <p:bg>
@@ -7219,7 +10385,7 @@
 </p:sld>
 </file>
 
-<file path=ppt/slides/slide24.xml><?xml version="1.0" encoding="utf-8"?>
+<file path=ppt/slides/slide36.xml><?xml version="1.0" encoding="utf-8"?>
 <p:sld xmlns:a="http://schemas.openxmlformats.org/drawingml/2006/main" xmlns:r="http://schemas.openxmlformats.org/officeDocument/2006/relationships" xmlns:p="http://schemas.openxmlformats.org/presentationml/2006/main">
   <p:cSld>
     <p:bg>
@@ -7454,7 +10620,7 @@
 </p:sld>
 </file>
 
-<file path=ppt/slides/slide25.xml><?xml version="1.0" encoding="utf-8"?>
+<file path=ppt/slides/slide37.xml><?xml version="1.0" encoding="utf-8"?>
 <p:sld xmlns:a="http://schemas.openxmlformats.org/drawingml/2006/main" xmlns:r="http://schemas.openxmlformats.org/officeDocument/2006/relationships" xmlns:p="http://schemas.openxmlformats.org/presentationml/2006/main">
   <p:cSld>
     <p:bg>
@@ -7703,7 +10869,1325 @@
 </p:sld>
 </file>
 
-<file path=ppt/slides/slide26.xml><?xml version="1.0" encoding="utf-8"?>
+<file path=ppt/slides/slide38.xml><?xml version="1.0" encoding="utf-8"?>
+<p:sld xmlns:a="http://schemas.openxmlformats.org/drawingml/2006/main" xmlns:r="http://schemas.openxmlformats.org/officeDocument/2006/relationships" xmlns:p="http://schemas.openxmlformats.org/presentationml/2006/main">
+  <p:cSld>
+    <p:bg>
+      <p:bgPr>
+        <a:blipFill dpi="0" rotWithShape="0">
+          <a:blip r:embed="rId2" cstate="print"/>
+          <a:srcRect/>
+          <a:stretch>
+            <a:fillRect/>
+          </a:stretch>
+        </a:blipFill>
+        <a:effectLst/>
+      </p:bgPr>
+    </p:bg>
+    <p:spTree>
+      <p:nvGrpSpPr>
+        <p:cNvPr id="1" name=""/>
+        <p:cNvGrpSpPr/>
+        <p:nvPr/>
+      </p:nvGrpSpPr>
+      <p:grpSpPr>
+        <a:xfrm>
+          <a:off x="0" y="0"/>
+          <a:ext cx="0" cy="0"/>
+          <a:chOff x="0" y="0"/>
+          <a:chExt cx="0" cy="0"/>
+        </a:xfrm>
+      </p:grpSpPr>
+      <p:sp>
+        <p:nvSpPr>
+          <p:cNvPr id="4098" name="Titre 3"/>
+          <p:cNvSpPr>
+            <a:spLocks noGrp="1"/>
+          </p:cNvSpPr>
+          <p:nvPr>
+            <p:ph type="title"/>
+          </p:nvPr>
+        </p:nvSpPr>
+        <p:spPr/>
+        <p:txBody>
+          <a:bodyPr/>
+          <a:lstStyle/>
+          <a:p>
+            <a:r>
+              <a:rPr lang="fr-CA" dirty="0" err="1">
+                <a:solidFill>
+                  <a:schemeClr val="bg1"/>
+                </a:solidFill>
+              </a:rPr>
+              <a:t>Core</a:t>
+            </a:r>
+            <a:r>
+              <a:rPr lang="fr-CA" dirty="0">
+                <a:solidFill>
+                  <a:schemeClr val="bg1"/>
+                </a:solidFill>
+              </a:rPr>
+              <a:t> (</a:t>
+            </a:r>
+            <a:r>
+              <a:rPr lang="fr-CA" dirty="0" err="1">
+                <a:solidFill>
+                  <a:schemeClr val="bg1"/>
+                </a:solidFill>
+              </a:rPr>
+              <a:t>cont</a:t>
+            </a:r>
+            <a:r>
+              <a:rPr lang="fr-CA" dirty="0">
+                <a:solidFill>
+                  <a:schemeClr val="bg1"/>
+                </a:solidFill>
+              </a:rPr>
+              <a:t>.)</a:t>
+            </a:r>
+          </a:p>
+        </p:txBody>
+      </p:sp>
+      <p:sp>
+        <p:nvSpPr>
+          <p:cNvPr id="4099" name="Espace réservé du contenu 4"/>
+          <p:cNvSpPr>
+            <a:spLocks noGrp="1"/>
+          </p:cNvSpPr>
+          <p:nvPr>
+            <p:ph idx="1"/>
+          </p:nvPr>
+        </p:nvSpPr>
+        <p:spPr>
+          <a:xfrm>
+            <a:off x="304800" y="1905000"/>
+            <a:ext cx="8534400" cy="3200400"/>
+          </a:xfrm>
+        </p:spPr>
+        <p:txBody>
+          <a:bodyPr/>
+          <a:lstStyle/>
+          <a:p>
+            <a:r>
+              <a:rPr lang="en-US" sz="1400" dirty="0">
+                <a:solidFill>
+                  <a:srgbClr val="3C5790"/>
+                </a:solidFill>
+              </a:rPr>
+              <a:t>The multiline codec plugin will collapse multiline messages and merge them into a single event.</a:t>
+            </a:r>
+          </a:p>
+          <a:p>
+            <a:r>
+              <a:rPr lang="en-US" sz="1400" dirty="0">
+                <a:solidFill>
+                  <a:srgbClr val="3C5790"/>
+                </a:solidFill>
+              </a:rPr>
+              <a:t>file {</a:t>
+            </a:r>
+          </a:p>
+          <a:p>
+            <a:r>
+              <a:rPr lang="en-US" sz="1400" dirty="0">
+                <a:solidFill>
+                  <a:srgbClr val="3C5790"/>
+                </a:solidFill>
+              </a:rPr>
+              <a:t>  path =&gt; “/absolute/path/event_errors.log</a:t>
+            </a:r>
+          </a:p>
+          <a:p>
+            <a:r>
+              <a:rPr lang="en-US" sz="1400" dirty="0">
+                <a:solidFill>
+                  <a:srgbClr val="3C5790"/>
+                </a:solidFill>
+              </a:rPr>
+              <a:t>  </a:t>
+            </a:r>
+            <a:r>
+              <a:rPr lang="en-US" sz="1400" dirty="0" err="1">
+                <a:solidFill>
+                  <a:srgbClr val="3C5790"/>
+                </a:solidFill>
+              </a:rPr>
+              <a:t>start_position</a:t>
+            </a:r>
+            <a:r>
+              <a:rPr lang="en-US" sz="1400" dirty="0">
+                <a:solidFill>
+                  <a:srgbClr val="3C5790"/>
+                </a:solidFill>
+              </a:rPr>
+              <a:t> =&gt; “beginning”</a:t>
+            </a:r>
+          </a:p>
+          <a:p>
+            <a:r>
+              <a:rPr lang="en-US" sz="1400" dirty="0">
+                <a:solidFill>
+                  <a:srgbClr val="3C5790"/>
+                </a:solidFill>
+              </a:rPr>
+              <a:t>  codec =&gt; multiline {</a:t>
+            </a:r>
+          </a:p>
+          <a:p>
+            <a:r>
+              <a:rPr lang="en-US" sz="1400" dirty="0">
+                <a:solidFill>
+                  <a:srgbClr val="3C5790"/>
+                </a:solidFill>
+              </a:rPr>
+              <a:t>     pattern =&gt; “^(\s+|\t)|(Caused by:)”</a:t>
+            </a:r>
+          </a:p>
+          <a:p>
+            <a:r>
+              <a:rPr lang="en-US" sz="1400" dirty="0">
+                <a:solidFill>
+                  <a:srgbClr val="3C5790"/>
+                </a:solidFill>
+              </a:rPr>
+              <a:t>     what =&gt; “previous”</a:t>
+            </a:r>
+          </a:p>
+          <a:p>
+            <a:r>
+              <a:rPr lang="en-US" sz="1400" dirty="0">
+                <a:solidFill>
+                  <a:srgbClr val="3C5790"/>
+                </a:solidFill>
+              </a:rPr>
+              <a:t>   }</a:t>
+            </a:r>
+          </a:p>
+          <a:p>
+            <a:r>
+              <a:rPr lang="en-US" sz="1400" dirty="0">
+                <a:solidFill>
+                  <a:srgbClr val="3C5790"/>
+                </a:solidFill>
+              </a:rPr>
+              <a:t>}</a:t>
+            </a:r>
+          </a:p>
+        </p:txBody>
+      </p:sp>
+    </p:spTree>
+    <p:extLst>
+      <p:ext uri="{BB962C8B-B14F-4D97-AF65-F5344CB8AC3E}">
+        <p14:creationId xmlns:p14="http://schemas.microsoft.com/office/powerpoint/2010/main" val="3410737493"/>
+      </p:ext>
+    </p:extLst>
+  </p:cSld>
+  <p:clrMapOvr>
+    <a:masterClrMapping/>
+  </p:clrMapOvr>
+</p:sld>
+</file>
+
+<file path=ppt/slides/slide39.xml><?xml version="1.0" encoding="utf-8"?>
+<p:sld xmlns:a="http://schemas.openxmlformats.org/drawingml/2006/main" xmlns:r="http://schemas.openxmlformats.org/officeDocument/2006/relationships" xmlns:p="http://schemas.openxmlformats.org/presentationml/2006/main">
+  <p:cSld>
+    <p:bg>
+      <p:bgPr>
+        <a:blipFill dpi="0" rotWithShape="0">
+          <a:blip r:embed="rId2" cstate="print"/>
+          <a:srcRect/>
+          <a:stretch>
+            <a:fillRect/>
+          </a:stretch>
+        </a:blipFill>
+        <a:effectLst/>
+      </p:bgPr>
+    </p:bg>
+    <p:spTree>
+      <p:nvGrpSpPr>
+        <p:cNvPr id="1" name=""/>
+        <p:cNvGrpSpPr/>
+        <p:nvPr/>
+      </p:nvGrpSpPr>
+      <p:grpSpPr>
+        <a:xfrm>
+          <a:off x="0" y="0"/>
+          <a:ext cx="0" cy="0"/>
+          <a:chOff x="0" y="0"/>
+          <a:chExt cx="0" cy="0"/>
+        </a:xfrm>
+      </p:grpSpPr>
+      <p:sp>
+        <p:nvSpPr>
+          <p:cNvPr id="4098" name="Titre 3"/>
+          <p:cNvSpPr>
+            <a:spLocks noGrp="1"/>
+          </p:cNvSpPr>
+          <p:nvPr>
+            <p:ph type="title"/>
+          </p:nvPr>
+        </p:nvSpPr>
+        <p:spPr/>
+        <p:txBody>
+          <a:bodyPr/>
+          <a:lstStyle/>
+          <a:p>
+            <a:r>
+              <a:rPr lang="fr-CA" dirty="0" err="1">
+                <a:solidFill>
+                  <a:schemeClr val="bg1"/>
+                </a:solidFill>
+              </a:rPr>
+              <a:t>Core</a:t>
+            </a:r>
+            <a:r>
+              <a:rPr lang="fr-CA" dirty="0">
+                <a:solidFill>
+                  <a:schemeClr val="bg1"/>
+                </a:solidFill>
+              </a:rPr>
+              <a:t> (</a:t>
+            </a:r>
+            <a:r>
+              <a:rPr lang="fr-CA" dirty="0" err="1">
+                <a:solidFill>
+                  <a:schemeClr val="bg1"/>
+                </a:solidFill>
+              </a:rPr>
+              <a:t>cont</a:t>
+            </a:r>
+            <a:r>
+              <a:rPr lang="fr-CA" dirty="0">
+                <a:solidFill>
+                  <a:schemeClr val="bg1"/>
+                </a:solidFill>
+              </a:rPr>
+              <a:t>.)</a:t>
+            </a:r>
+          </a:p>
+        </p:txBody>
+      </p:sp>
+      <p:sp>
+        <p:nvSpPr>
+          <p:cNvPr id="4099" name="Espace réservé du contenu 4"/>
+          <p:cNvSpPr>
+            <a:spLocks noGrp="1"/>
+          </p:cNvSpPr>
+          <p:nvPr>
+            <p:ph idx="1"/>
+          </p:nvPr>
+        </p:nvSpPr>
+        <p:spPr>
+          <a:xfrm>
+            <a:off x="304800" y="1905000"/>
+            <a:ext cx="8534400" cy="3200400"/>
+          </a:xfrm>
+        </p:spPr>
+        <p:txBody>
+          <a:bodyPr/>
+          <a:lstStyle/>
+          <a:p>
+            <a:r>
+              <a:rPr lang="en-US" sz="1400" dirty="0">
+                <a:solidFill>
+                  <a:srgbClr val="3C5790"/>
+                </a:solidFill>
+              </a:rPr>
+              <a:t>In </a:t>
+            </a:r>
+            <a:r>
+              <a:rPr lang="en-US" sz="1400" dirty="0" err="1">
+                <a:solidFill>
+                  <a:srgbClr val="3C5790"/>
+                </a:solidFill>
+              </a:rPr>
+              <a:t>logstash</a:t>
+            </a:r>
+            <a:r>
+              <a:rPr lang="en-US" sz="1400" dirty="0">
+                <a:solidFill>
+                  <a:srgbClr val="3C5790"/>
+                </a:solidFill>
+              </a:rPr>
+              <a:t> there is a special field called  </a:t>
+            </a:r>
+            <a:r>
+              <a:rPr lang="en-US" sz="1400" b="1" dirty="0">
+                <a:solidFill>
+                  <a:srgbClr val="3C5790"/>
+                </a:solidFill>
+              </a:rPr>
+              <a:t>@metadata</a:t>
+            </a:r>
+            <a:r>
+              <a:rPr lang="en-US" sz="1400" dirty="0">
+                <a:solidFill>
+                  <a:srgbClr val="3C5790"/>
+                </a:solidFill>
+              </a:rPr>
+              <a:t>. </a:t>
+            </a:r>
+          </a:p>
+          <a:p>
+            <a:r>
+              <a:rPr lang="en-US" sz="1400" dirty="0">
+                <a:solidFill>
+                  <a:srgbClr val="3C5790"/>
+                </a:solidFill>
+              </a:rPr>
+              <a:t>The contents of @metadata are not part of any events at output time, which makes it great to use for conditionals, or extending and building event fields with field reference.</a:t>
+            </a:r>
+          </a:p>
+          <a:p>
+            <a:r>
+              <a:rPr lang="en-US" sz="1400" dirty="0">
+                <a:solidFill>
+                  <a:srgbClr val="3C5790"/>
+                </a:solidFill>
+              </a:rPr>
+              <a:t>filter {</a:t>
+            </a:r>
+          </a:p>
+          <a:p>
+            <a:r>
+              <a:rPr lang="en-US" sz="1400" dirty="0">
+                <a:solidFill>
+                  <a:srgbClr val="3C5790"/>
+                </a:solidFill>
+              </a:rPr>
+              <a:t>   mutate  { </a:t>
+            </a:r>
+            <a:r>
+              <a:rPr lang="en-US" sz="1400" dirty="0" err="1">
+                <a:solidFill>
+                  <a:srgbClr val="3C5790"/>
+                </a:solidFill>
+              </a:rPr>
+              <a:t>add_field</a:t>
+            </a:r>
+            <a:r>
+              <a:rPr lang="en-US" sz="1400" dirty="0">
+                <a:solidFill>
+                  <a:srgbClr val="3C5790"/>
+                </a:solidFill>
+              </a:rPr>
+              <a:t> =&gt; { “[@metadata][test]” =&gt; “hello”}}</a:t>
+            </a:r>
+          </a:p>
+          <a:p>
+            <a:r>
+              <a:rPr lang="en-US" sz="1400" dirty="0">
+                <a:solidFill>
+                  <a:srgbClr val="3C5790"/>
+                </a:solidFill>
+              </a:rPr>
+              <a:t>}</a:t>
+            </a:r>
+          </a:p>
+          <a:p>
+            <a:r>
+              <a:rPr lang="en-US" sz="1400" dirty="0">
+                <a:solidFill>
+                  <a:srgbClr val="3C5790"/>
+                </a:solidFill>
+              </a:rPr>
+              <a:t>The </a:t>
+            </a:r>
+            <a:r>
+              <a:rPr lang="en-US" sz="1400" dirty="0" err="1">
+                <a:solidFill>
+                  <a:srgbClr val="3C5790"/>
+                </a:solidFill>
+              </a:rPr>
+              <a:t>rubydebug</a:t>
+            </a:r>
+            <a:r>
+              <a:rPr lang="en-US" sz="1400" dirty="0">
+                <a:solidFill>
+                  <a:srgbClr val="3C5790"/>
+                </a:solidFill>
+              </a:rPr>
+              <a:t> codec can display the contents of @metadata fields:</a:t>
+            </a:r>
+          </a:p>
+          <a:p>
+            <a:r>
+              <a:rPr lang="en-US" sz="1400" dirty="0" err="1">
+                <a:solidFill>
+                  <a:srgbClr val="3C5790"/>
+                </a:solidFill>
+              </a:rPr>
+              <a:t>stdout</a:t>
+            </a:r>
+            <a:r>
+              <a:rPr lang="en-US" sz="1400" dirty="0">
+                <a:solidFill>
+                  <a:srgbClr val="3C5790"/>
+                </a:solidFill>
+              </a:rPr>
+              <a:t> {</a:t>
+            </a:r>
+          </a:p>
+          <a:p>
+            <a:r>
+              <a:rPr lang="en-US" sz="1400" dirty="0">
+                <a:solidFill>
+                  <a:srgbClr val="3C5790"/>
+                </a:solidFill>
+              </a:rPr>
+              <a:t>     codec =&gt; </a:t>
+            </a:r>
+            <a:r>
+              <a:rPr lang="en-US" sz="1400" dirty="0" err="1">
+                <a:solidFill>
+                  <a:srgbClr val="3C5790"/>
+                </a:solidFill>
+              </a:rPr>
+              <a:t>rubydebug</a:t>
+            </a:r>
+            <a:r>
+              <a:rPr lang="en-US" sz="1400" dirty="0">
+                <a:solidFill>
+                  <a:srgbClr val="3C5790"/>
+                </a:solidFill>
+              </a:rPr>
+              <a:t> {</a:t>
+            </a:r>
+          </a:p>
+          <a:p>
+            <a:r>
+              <a:rPr lang="en-US" sz="1400" dirty="0">
+                <a:solidFill>
+                  <a:srgbClr val="3C5790"/>
+                </a:solidFill>
+              </a:rPr>
+              <a:t>        metadata =&gt; true</a:t>
+            </a:r>
+          </a:p>
+          <a:p>
+            <a:r>
+              <a:rPr lang="en-US" sz="1400" dirty="0">
+                <a:solidFill>
+                  <a:srgbClr val="3C5790"/>
+                </a:solidFill>
+              </a:rPr>
+              <a:t>    }</a:t>
+            </a:r>
+          </a:p>
+          <a:p>
+            <a:r>
+              <a:rPr lang="en-US" sz="1400" dirty="0">
+                <a:solidFill>
+                  <a:srgbClr val="3C5790"/>
+                </a:solidFill>
+              </a:rPr>
+              <a:t>}</a:t>
+            </a:r>
+          </a:p>
+        </p:txBody>
+      </p:sp>
+    </p:spTree>
+    <p:extLst>
+      <p:ext uri="{BB962C8B-B14F-4D97-AF65-F5344CB8AC3E}">
+        <p14:creationId xmlns:p14="http://schemas.microsoft.com/office/powerpoint/2010/main" val="657864928"/>
+      </p:ext>
+    </p:extLst>
+  </p:cSld>
+  <p:clrMapOvr>
+    <a:masterClrMapping/>
+  </p:clrMapOvr>
+</p:sld>
+</file>
+
+<file path=ppt/slides/slide4.xml><?xml version="1.0" encoding="utf-8"?>
+<p:sld xmlns:a="http://schemas.openxmlformats.org/drawingml/2006/main" xmlns:r="http://schemas.openxmlformats.org/officeDocument/2006/relationships" xmlns:p="http://schemas.openxmlformats.org/presentationml/2006/main">
+  <p:cSld>
+    <p:bg>
+      <p:bgPr>
+        <a:blipFill dpi="0" rotWithShape="0">
+          <a:blip r:embed="rId2" cstate="print"/>
+          <a:srcRect/>
+          <a:stretch>
+            <a:fillRect/>
+          </a:stretch>
+        </a:blipFill>
+        <a:effectLst/>
+      </p:bgPr>
+    </p:bg>
+    <p:spTree>
+      <p:nvGrpSpPr>
+        <p:cNvPr id="1" name=""/>
+        <p:cNvGrpSpPr/>
+        <p:nvPr/>
+      </p:nvGrpSpPr>
+      <p:grpSpPr>
+        <a:xfrm>
+          <a:off x="0" y="0"/>
+          <a:ext cx="0" cy="0"/>
+          <a:chOff x="0" y="0"/>
+          <a:chExt cx="0" cy="0"/>
+        </a:xfrm>
+      </p:grpSpPr>
+      <p:sp>
+        <p:nvSpPr>
+          <p:cNvPr id="4098" name="Titre 3"/>
+          <p:cNvSpPr>
+            <a:spLocks noGrp="1"/>
+          </p:cNvSpPr>
+          <p:nvPr>
+            <p:ph type="title"/>
+          </p:nvPr>
+        </p:nvSpPr>
+        <p:spPr/>
+        <p:txBody>
+          <a:bodyPr/>
+          <a:lstStyle/>
+          <a:p>
+            <a:r>
+              <a:rPr lang="fr-CA" dirty="0" err="1">
+                <a:solidFill>
+                  <a:schemeClr val="bg1"/>
+                </a:solidFill>
+              </a:rPr>
+              <a:t>What</a:t>
+            </a:r>
+            <a:r>
+              <a:rPr lang="fr-CA" dirty="0">
+                <a:solidFill>
+                  <a:schemeClr val="bg1"/>
+                </a:solidFill>
+              </a:rPr>
+              <a:t> </a:t>
+            </a:r>
+            <a:r>
+              <a:rPr lang="fr-CA" dirty="0" err="1">
+                <a:solidFill>
+                  <a:schemeClr val="bg1"/>
+                </a:solidFill>
+              </a:rPr>
+              <a:t>is</a:t>
+            </a:r>
+            <a:r>
+              <a:rPr lang="fr-CA" dirty="0">
+                <a:solidFill>
+                  <a:schemeClr val="bg1"/>
+                </a:solidFill>
+              </a:rPr>
+              <a:t> </a:t>
+            </a:r>
+            <a:r>
+              <a:rPr lang="fr-CA" dirty="0" err="1">
+                <a:solidFill>
+                  <a:schemeClr val="bg1"/>
+                </a:solidFill>
+              </a:rPr>
+              <a:t>Logstash</a:t>
+            </a:r>
+            <a:r>
+              <a:rPr lang="fr-CA" dirty="0">
+                <a:solidFill>
+                  <a:schemeClr val="bg1"/>
+                </a:solidFill>
+              </a:rPr>
+              <a:t> ? (</a:t>
+            </a:r>
+            <a:r>
+              <a:rPr lang="fr-CA" dirty="0" err="1">
+                <a:solidFill>
+                  <a:schemeClr val="bg1"/>
+                </a:solidFill>
+              </a:rPr>
+              <a:t>cont</a:t>
+            </a:r>
+            <a:r>
+              <a:rPr lang="fr-CA" dirty="0">
+                <a:solidFill>
+                  <a:schemeClr val="bg1"/>
+                </a:solidFill>
+              </a:rPr>
+              <a:t>.)</a:t>
+            </a:r>
+          </a:p>
+        </p:txBody>
+      </p:sp>
+      <p:sp>
+        <p:nvSpPr>
+          <p:cNvPr id="4099" name="Espace réservé du contenu 4"/>
+          <p:cNvSpPr>
+            <a:spLocks noGrp="1"/>
+          </p:cNvSpPr>
+          <p:nvPr>
+            <p:ph idx="1"/>
+          </p:nvPr>
+        </p:nvSpPr>
+        <p:spPr>
+          <a:xfrm>
+            <a:off x="228600" y="2133600"/>
+            <a:ext cx="8686800" cy="4419600"/>
+          </a:xfrm>
+        </p:spPr>
+        <p:txBody>
+          <a:bodyPr/>
+          <a:lstStyle/>
+          <a:p>
+            <a:r>
+              <a:rPr lang="en-US" sz="1500" dirty="0">
+                <a:solidFill>
+                  <a:srgbClr val="3C5790"/>
+                </a:solidFill>
+              </a:rPr>
+              <a:t>Collection is accomplished via configurable input plugins including raw socket/packet communication, file tailing, and several message bus clients.</a:t>
+            </a:r>
+          </a:p>
+          <a:p>
+            <a:r>
+              <a:rPr lang="en-US" sz="1500" dirty="0">
+                <a:solidFill>
+                  <a:srgbClr val="3C5790"/>
+                </a:solidFill>
+              </a:rPr>
+              <a:t>Once an input plugin has collected data it can be processed by any number of filters which modify and annotate the event data. </a:t>
+            </a:r>
+          </a:p>
+          <a:p>
+            <a:r>
+              <a:rPr lang="en-US" sz="1500" dirty="0">
+                <a:solidFill>
+                  <a:srgbClr val="3C5790"/>
+                </a:solidFill>
+              </a:rPr>
+              <a:t>Finally, </a:t>
+            </a:r>
+            <a:r>
+              <a:rPr lang="en-US" sz="1500" dirty="0" err="1">
+                <a:solidFill>
+                  <a:srgbClr val="3C5790"/>
+                </a:solidFill>
+              </a:rPr>
+              <a:t>logstash</a:t>
+            </a:r>
+            <a:r>
+              <a:rPr lang="en-US" sz="1500" dirty="0">
+                <a:solidFill>
+                  <a:srgbClr val="3C5790"/>
+                </a:solidFill>
+              </a:rPr>
+              <a:t> routes events to output plugins which can forward the events to a variety of external programs including Elasticsearch, local files and several message bus implementations. </a:t>
+            </a:r>
+          </a:p>
+        </p:txBody>
+      </p:sp>
+    </p:spTree>
+    <p:extLst>
+      <p:ext uri="{BB962C8B-B14F-4D97-AF65-F5344CB8AC3E}">
+        <p14:creationId xmlns:p14="http://schemas.microsoft.com/office/powerpoint/2010/main" val="2704087859"/>
+      </p:ext>
+    </p:extLst>
+  </p:cSld>
+  <p:clrMapOvr>
+    <a:masterClrMapping/>
+  </p:clrMapOvr>
+</p:sld>
+</file>
+
+<file path=ppt/slides/slide40.xml><?xml version="1.0" encoding="utf-8"?>
+<p:sld xmlns:a="http://schemas.openxmlformats.org/drawingml/2006/main" xmlns:r="http://schemas.openxmlformats.org/officeDocument/2006/relationships" xmlns:p="http://schemas.openxmlformats.org/presentationml/2006/main">
+  <p:cSld>
+    <p:bg>
+      <p:bgPr>
+        <a:blipFill dpi="0" rotWithShape="0">
+          <a:blip r:embed="rId2" cstate="print"/>
+          <a:srcRect/>
+          <a:stretch>
+            <a:fillRect/>
+          </a:stretch>
+        </a:blipFill>
+        <a:effectLst/>
+      </p:bgPr>
+    </p:bg>
+    <p:spTree>
+      <p:nvGrpSpPr>
+        <p:cNvPr id="1" name=""/>
+        <p:cNvGrpSpPr/>
+        <p:nvPr/>
+      </p:nvGrpSpPr>
+      <p:grpSpPr>
+        <a:xfrm>
+          <a:off x="0" y="0"/>
+          <a:ext cx="0" cy="0"/>
+          <a:chOff x="0" y="0"/>
+          <a:chExt cx="0" cy="0"/>
+        </a:xfrm>
+      </p:grpSpPr>
+      <p:sp>
+        <p:nvSpPr>
+          <p:cNvPr id="4098" name="Titre 3"/>
+          <p:cNvSpPr>
+            <a:spLocks noGrp="1"/>
+          </p:cNvSpPr>
+          <p:nvPr>
+            <p:ph type="title"/>
+          </p:nvPr>
+        </p:nvSpPr>
+        <p:spPr/>
+        <p:txBody>
+          <a:bodyPr/>
+          <a:lstStyle/>
+          <a:p>
+            <a:r>
+              <a:rPr lang="fr-CA" dirty="0" err="1">
+                <a:solidFill>
+                  <a:schemeClr val="bg1"/>
+                </a:solidFill>
+              </a:rPr>
+              <a:t>Core</a:t>
+            </a:r>
+            <a:r>
+              <a:rPr lang="fr-CA" dirty="0">
+                <a:solidFill>
+                  <a:schemeClr val="bg1"/>
+                </a:solidFill>
+              </a:rPr>
+              <a:t> (</a:t>
+            </a:r>
+            <a:r>
+              <a:rPr lang="fr-CA" dirty="0" err="1">
+                <a:solidFill>
+                  <a:schemeClr val="bg1"/>
+                </a:solidFill>
+              </a:rPr>
+              <a:t>cont</a:t>
+            </a:r>
+            <a:r>
+              <a:rPr lang="fr-CA" dirty="0">
+                <a:solidFill>
+                  <a:schemeClr val="bg1"/>
+                </a:solidFill>
+              </a:rPr>
+              <a:t>.)</a:t>
+            </a:r>
+          </a:p>
+        </p:txBody>
+      </p:sp>
+      <p:sp>
+        <p:nvSpPr>
+          <p:cNvPr id="4099" name="Espace réservé du contenu 4"/>
+          <p:cNvSpPr>
+            <a:spLocks noGrp="1"/>
+          </p:cNvSpPr>
+          <p:nvPr>
+            <p:ph idx="1"/>
+          </p:nvPr>
+        </p:nvSpPr>
+        <p:spPr>
+          <a:xfrm>
+            <a:off x="304800" y="1905000"/>
+            <a:ext cx="8534400" cy="3200400"/>
+          </a:xfrm>
+        </p:spPr>
+        <p:txBody>
+          <a:bodyPr/>
+          <a:lstStyle/>
+          <a:p>
+            <a:r>
+              <a:rPr lang="en-US" sz="1400" dirty="0">
+                <a:solidFill>
+                  <a:srgbClr val="3C5790"/>
+                </a:solidFill>
+              </a:rPr>
+              <a:t>The best way to have multiple pipelines, is to have them run within one Logstash instance.</a:t>
+            </a:r>
+          </a:p>
+          <a:p>
+            <a:r>
+              <a:rPr lang="en-US" sz="1400" dirty="0">
+                <a:solidFill>
+                  <a:srgbClr val="3C5790"/>
+                </a:solidFill>
+              </a:rPr>
+              <a:t>Pipelines are configured within a file named config/</a:t>
+            </a:r>
+            <a:r>
+              <a:rPr lang="en-US" sz="1400" b="1" dirty="0" err="1">
+                <a:solidFill>
+                  <a:srgbClr val="3C5790"/>
+                </a:solidFill>
+              </a:rPr>
+              <a:t>pipelines.yml</a:t>
+            </a:r>
+            <a:r>
+              <a:rPr lang="en-US" sz="1400" dirty="0">
+                <a:solidFill>
+                  <a:srgbClr val="3C5790"/>
+                </a:solidFill>
+              </a:rPr>
+              <a:t>.</a:t>
+            </a:r>
+          </a:p>
+          <a:p>
+            <a:r>
+              <a:rPr lang="en-US" sz="1400" dirty="0">
+                <a:solidFill>
+                  <a:srgbClr val="3C5790"/>
+                </a:solidFill>
+              </a:rPr>
+              <a:t>- pipeline.id: user1</a:t>
+            </a:r>
+          </a:p>
+          <a:p>
+            <a:r>
+              <a:rPr lang="en-US" sz="1400" dirty="0">
+                <a:solidFill>
+                  <a:srgbClr val="3C5790"/>
+                </a:solidFill>
+              </a:rPr>
+              <a:t>  </a:t>
+            </a:r>
+            <a:r>
+              <a:rPr lang="en-US" sz="1400" dirty="0" err="1">
+                <a:solidFill>
+                  <a:srgbClr val="3C5790"/>
+                </a:solidFill>
+              </a:rPr>
+              <a:t>pipeline.batch.size</a:t>
+            </a:r>
+            <a:r>
+              <a:rPr lang="en-US" sz="1400" dirty="0">
+                <a:solidFill>
+                  <a:srgbClr val="3C5790"/>
+                </a:solidFill>
+              </a:rPr>
+              <a:t>: 50</a:t>
+            </a:r>
+          </a:p>
+          <a:p>
+            <a:r>
+              <a:rPr lang="en-US" sz="1400" dirty="0">
+                <a:solidFill>
+                  <a:srgbClr val="3C5790"/>
+                </a:solidFill>
+              </a:rPr>
+              <a:t>  </a:t>
+            </a:r>
+            <a:r>
+              <a:rPr lang="en-US" sz="1400" dirty="0" err="1">
+                <a:solidFill>
+                  <a:srgbClr val="3C5790"/>
+                </a:solidFill>
+              </a:rPr>
+              <a:t>path.config</a:t>
+            </a:r>
+            <a:r>
+              <a:rPr lang="en-US" sz="1400" dirty="0">
+                <a:solidFill>
+                  <a:srgbClr val="3C5790"/>
+                </a:solidFill>
+              </a:rPr>
+              <a:t>: “/path/to/pipeline”</a:t>
+            </a:r>
+          </a:p>
+          <a:p>
+            <a:r>
+              <a:rPr lang="en-US" sz="1400" dirty="0">
+                <a:solidFill>
+                  <a:srgbClr val="3C5790"/>
+                </a:solidFill>
+              </a:rPr>
+              <a:t>- pipeline.id: user2</a:t>
+            </a:r>
+          </a:p>
+          <a:p>
+            <a:r>
+              <a:rPr lang="en-US" sz="1400" dirty="0">
+                <a:solidFill>
+                  <a:srgbClr val="3C5790"/>
+                </a:solidFill>
+              </a:rPr>
+              <a:t>  </a:t>
+            </a:r>
+            <a:r>
+              <a:rPr lang="en-US" sz="1400" dirty="0" err="1">
+                <a:solidFill>
+                  <a:srgbClr val="3C5790"/>
+                </a:solidFill>
+              </a:rPr>
+              <a:t>pipeline.batch.size</a:t>
+            </a:r>
+            <a:r>
+              <a:rPr lang="en-US" sz="1400" dirty="0">
+                <a:solidFill>
+                  <a:srgbClr val="3C5790"/>
+                </a:solidFill>
+              </a:rPr>
+              <a:t>: 10</a:t>
+            </a:r>
+          </a:p>
+          <a:p>
+            <a:r>
+              <a:rPr lang="en-US" sz="1400" dirty="0">
+                <a:solidFill>
+                  <a:srgbClr val="3C5790"/>
+                </a:solidFill>
+              </a:rPr>
+              <a:t>  </a:t>
+            </a:r>
+            <a:r>
+              <a:rPr lang="en-US" sz="1400" dirty="0" err="1">
+                <a:solidFill>
+                  <a:srgbClr val="3C5790"/>
+                </a:solidFill>
+              </a:rPr>
+              <a:t>config.string</a:t>
+            </a:r>
+            <a:r>
+              <a:rPr lang="en-US" sz="1400" dirty="0">
+                <a:solidFill>
+                  <a:srgbClr val="3C5790"/>
+                </a:solidFill>
+              </a:rPr>
+              <a:t>: “input { http {} } output { </a:t>
+            </a:r>
+            <a:r>
+              <a:rPr lang="en-US" sz="1400" dirty="0" err="1">
+                <a:solidFill>
+                  <a:srgbClr val="3C5790"/>
+                </a:solidFill>
+              </a:rPr>
+              <a:t>stdout</a:t>
+            </a:r>
+            <a:r>
+              <a:rPr lang="en-US" sz="1400" dirty="0">
+                <a:solidFill>
+                  <a:srgbClr val="3C5790"/>
+                </a:solidFill>
+              </a:rPr>
+              <a:t> {} }”</a:t>
+            </a:r>
+          </a:p>
+        </p:txBody>
+      </p:sp>
+    </p:spTree>
+    <p:extLst>
+      <p:ext uri="{BB962C8B-B14F-4D97-AF65-F5344CB8AC3E}">
+        <p14:creationId xmlns:p14="http://schemas.microsoft.com/office/powerpoint/2010/main" val="1544947994"/>
+      </p:ext>
+    </p:extLst>
+  </p:cSld>
+  <p:clrMapOvr>
+    <a:masterClrMapping/>
+  </p:clrMapOvr>
+</p:sld>
+</file>
+
+<file path=ppt/slides/slide41.xml><?xml version="1.0" encoding="utf-8"?>
+<p:sld xmlns:a="http://schemas.openxmlformats.org/drawingml/2006/main" xmlns:r="http://schemas.openxmlformats.org/officeDocument/2006/relationships" xmlns:p="http://schemas.openxmlformats.org/presentationml/2006/main">
+  <p:cSld>
+    <p:bg>
+      <p:bgPr>
+        <a:blipFill dpi="0" rotWithShape="0">
+          <a:blip r:embed="rId2" cstate="print"/>
+          <a:srcRect/>
+          <a:stretch>
+            <a:fillRect/>
+          </a:stretch>
+        </a:blipFill>
+        <a:effectLst/>
+      </p:bgPr>
+    </p:bg>
+    <p:spTree>
+      <p:nvGrpSpPr>
+        <p:cNvPr id="1" name=""/>
+        <p:cNvGrpSpPr/>
+        <p:nvPr/>
+      </p:nvGrpSpPr>
+      <p:grpSpPr>
+        <a:xfrm>
+          <a:off x="0" y="0"/>
+          <a:ext cx="0" cy="0"/>
+          <a:chOff x="0" y="0"/>
+          <a:chExt cx="0" cy="0"/>
+        </a:xfrm>
+      </p:grpSpPr>
+      <p:sp>
+        <p:nvSpPr>
+          <p:cNvPr id="4098" name="Titre 3"/>
+          <p:cNvSpPr>
+            <a:spLocks noGrp="1"/>
+          </p:cNvSpPr>
+          <p:nvPr>
+            <p:ph type="title"/>
+          </p:nvPr>
+        </p:nvSpPr>
+        <p:spPr/>
+        <p:txBody>
+          <a:bodyPr/>
+          <a:lstStyle/>
+          <a:p>
+            <a:r>
+              <a:rPr lang="fr-CA" dirty="0" err="1">
+                <a:solidFill>
+                  <a:schemeClr val="bg1"/>
+                </a:solidFill>
+              </a:rPr>
+              <a:t>Core</a:t>
+            </a:r>
+            <a:r>
+              <a:rPr lang="fr-CA" dirty="0">
+                <a:solidFill>
+                  <a:schemeClr val="bg1"/>
+                </a:solidFill>
+              </a:rPr>
+              <a:t> (</a:t>
+            </a:r>
+            <a:r>
+              <a:rPr lang="fr-CA" dirty="0" err="1">
+                <a:solidFill>
+                  <a:schemeClr val="bg1"/>
+                </a:solidFill>
+              </a:rPr>
+              <a:t>cont</a:t>
+            </a:r>
+            <a:r>
+              <a:rPr lang="fr-CA" dirty="0">
+                <a:solidFill>
+                  <a:schemeClr val="bg1"/>
+                </a:solidFill>
+              </a:rPr>
+              <a:t>.)</a:t>
+            </a:r>
+          </a:p>
+        </p:txBody>
+      </p:sp>
+      <p:sp>
+        <p:nvSpPr>
+          <p:cNvPr id="4099" name="Espace réservé du contenu 4"/>
+          <p:cNvSpPr>
+            <a:spLocks noGrp="1"/>
+          </p:cNvSpPr>
+          <p:nvPr>
+            <p:ph idx="1"/>
+          </p:nvPr>
+        </p:nvSpPr>
+        <p:spPr>
+          <a:xfrm>
+            <a:off x="304800" y="1905000"/>
+            <a:ext cx="8534400" cy="4191000"/>
+          </a:xfrm>
+        </p:spPr>
+        <p:txBody>
+          <a:bodyPr/>
+          <a:lstStyle/>
+          <a:p>
+            <a:r>
+              <a:rPr lang="en-US" sz="1400" dirty="0">
+                <a:solidFill>
+                  <a:srgbClr val="3C5790"/>
+                </a:solidFill>
+              </a:rPr>
+              <a:t>The </a:t>
+            </a:r>
+            <a:r>
+              <a:rPr lang="en-US" sz="1400" b="1" dirty="0">
+                <a:solidFill>
+                  <a:srgbClr val="3C5790"/>
+                </a:solidFill>
+              </a:rPr>
+              <a:t>beats </a:t>
+            </a:r>
+            <a:r>
+              <a:rPr lang="en-US" sz="1400" dirty="0">
+                <a:solidFill>
+                  <a:srgbClr val="3C5790"/>
+                </a:solidFill>
+              </a:rPr>
+              <a:t>input plugin is listening by convention on port 5044</a:t>
+            </a:r>
+          </a:p>
+          <a:p>
+            <a:r>
+              <a:rPr lang="en-US" sz="1400" dirty="0">
+                <a:solidFill>
+                  <a:srgbClr val="3C5790"/>
+                </a:solidFill>
+              </a:rPr>
+              <a:t>input {</a:t>
+            </a:r>
+          </a:p>
+          <a:p>
+            <a:r>
+              <a:rPr lang="en-US" sz="1400" dirty="0">
+                <a:solidFill>
+                  <a:srgbClr val="3C5790"/>
+                </a:solidFill>
+              </a:rPr>
+              <a:t>  beats {</a:t>
+            </a:r>
+          </a:p>
+          <a:p>
+            <a:r>
+              <a:rPr lang="en-US" sz="1400" dirty="0">
+                <a:solidFill>
+                  <a:srgbClr val="3C5790"/>
+                </a:solidFill>
+              </a:rPr>
+              <a:t>    port =&gt; 5044</a:t>
+            </a:r>
+          </a:p>
+          <a:p>
+            <a:r>
+              <a:rPr lang="en-US" sz="1400" dirty="0">
+                <a:solidFill>
+                  <a:srgbClr val="3C5790"/>
+                </a:solidFill>
+              </a:rPr>
+              <a:t>    host =&gt; "0.0.0.0"</a:t>
+            </a:r>
+          </a:p>
+          <a:p>
+            <a:r>
+              <a:rPr lang="en-US" sz="1400" dirty="0">
+                <a:solidFill>
+                  <a:srgbClr val="3C5790"/>
+                </a:solidFill>
+              </a:rPr>
+              <a:t>  }</a:t>
+            </a:r>
+          </a:p>
+          <a:p>
+            <a:r>
+              <a:rPr lang="en-US" sz="1400" dirty="0">
+                <a:solidFill>
+                  <a:srgbClr val="3C5790"/>
+                </a:solidFill>
+              </a:rPr>
+              <a:t>}</a:t>
+            </a:r>
+          </a:p>
+          <a:p>
+            <a:endParaRPr lang="en-US" sz="1400" dirty="0">
+              <a:solidFill>
+                <a:srgbClr val="3C5790"/>
+              </a:solidFill>
+            </a:endParaRPr>
+          </a:p>
+          <a:p>
+            <a:r>
+              <a:rPr lang="en-US" sz="1400" dirty="0">
+                <a:solidFill>
+                  <a:srgbClr val="3C5790"/>
+                </a:solidFill>
+              </a:rPr>
+              <a:t>output {</a:t>
+            </a:r>
+          </a:p>
+          <a:p>
+            <a:r>
+              <a:rPr lang="en-US" sz="1400" dirty="0">
+                <a:solidFill>
+                  <a:srgbClr val="3C5790"/>
+                </a:solidFill>
+              </a:rPr>
+              <a:t>  </a:t>
+            </a:r>
+            <a:r>
+              <a:rPr lang="en-US" sz="1400" dirty="0" err="1">
+                <a:solidFill>
+                  <a:srgbClr val="3C5790"/>
+                </a:solidFill>
+              </a:rPr>
+              <a:t>stdout</a:t>
+            </a:r>
+            <a:r>
+              <a:rPr lang="en-US" sz="1400" dirty="0">
+                <a:solidFill>
+                  <a:srgbClr val="3C5790"/>
+                </a:solidFill>
+              </a:rPr>
+              <a:t> {</a:t>
+            </a:r>
+          </a:p>
+          <a:p>
+            <a:r>
+              <a:rPr lang="en-US" sz="1400" dirty="0">
+                <a:solidFill>
+                  <a:srgbClr val="3C5790"/>
+                </a:solidFill>
+              </a:rPr>
+              <a:t>    codec =&gt; </a:t>
+            </a:r>
+            <a:r>
+              <a:rPr lang="en-US" sz="1400" dirty="0" err="1">
+                <a:solidFill>
+                  <a:srgbClr val="3C5790"/>
+                </a:solidFill>
+              </a:rPr>
+              <a:t>rubydebug</a:t>
+            </a:r>
+            <a:r>
+              <a:rPr lang="en-US" sz="1400" dirty="0">
+                <a:solidFill>
+                  <a:srgbClr val="3C5790"/>
+                </a:solidFill>
+              </a:rPr>
+              <a:t> {</a:t>
+            </a:r>
+          </a:p>
+          <a:p>
+            <a:r>
+              <a:rPr lang="en-US" sz="1400" dirty="0">
+                <a:solidFill>
+                  <a:srgbClr val="3C5790"/>
+                </a:solidFill>
+              </a:rPr>
+              <a:t>      metadata =&gt; true</a:t>
+            </a:r>
+          </a:p>
+          <a:p>
+            <a:r>
+              <a:rPr lang="en-US" sz="1400" dirty="0">
+                <a:solidFill>
+                  <a:srgbClr val="3C5790"/>
+                </a:solidFill>
+              </a:rPr>
+              <a:t>    }</a:t>
+            </a:r>
+          </a:p>
+          <a:p>
+            <a:r>
+              <a:rPr lang="en-US" sz="1400" dirty="0">
+                <a:solidFill>
+                  <a:srgbClr val="3C5790"/>
+                </a:solidFill>
+              </a:rPr>
+              <a:t>  }</a:t>
+            </a:r>
+          </a:p>
+          <a:p>
+            <a:r>
+              <a:rPr lang="en-US" sz="1400" dirty="0">
+                <a:solidFill>
+                  <a:srgbClr val="3C5790"/>
+                </a:solidFill>
+              </a:rPr>
+              <a:t>}</a:t>
+            </a:r>
+          </a:p>
+        </p:txBody>
+      </p:sp>
+    </p:spTree>
+    <p:extLst>
+      <p:ext uri="{BB962C8B-B14F-4D97-AF65-F5344CB8AC3E}">
+        <p14:creationId xmlns:p14="http://schemas.microsoft.com/office/powerpoint/2010/main" val="107226122"/>
+      </p:ext>
+    </p:extLst>
+  </p:cSld>
+  <p:clrMapOvr>
+    <a:masterClrMapping/>
+  </p:clrMapOvr>
+</p:sld>
+</file>
+
+<file path=ppt/slides/slide42.xml><?xml version="1.0" encoding="utf-8"?>
 <p:sld xmlns:a="http://schemas.openxmlformats.org/drawingml/2006/main" xmlns:r="http://schemas.openxmlformats.org/officeDocument/2006/relationships" xmlns:p="http://schemas.openxmlformats.org/presentationml/2006/main">
   <p:cSld>
     <p:bg>
@@ -7988,7 +12472,7 @@
 </p:sld>
 </file>
 
-<file path=ppt/slides/slide27.xml><?xml version="1.0" encoding="utf-8"?>
+<file path=ppt/slides/slide43.xml><?xml version="1.0" encoding="utf-8"?>
 <p:sld xmlns:a="http://schemas.openxmlformats.org/drawingml/2006/main" xmlns:r="http://schemas.openxmlformats.org/officeDocument/2006/relationships" xmlns:p="http://schemas.openxmlformats.org/presentationml/2006/main">
   <p:cSld>
     <p:bg>
@@ -8235,7 +12719,7 @@
 </p:sld>
 </file>
 
-<file path=ppt/slides/slide28.xml><?xml version="1.0" encoding="utf-8"?>
+<file path=ppt/slides/slide44.xml><?xml version="1.0" encoding="utf-8"?>
 <p:sld xmlns:a="http://schemas.openxmlformats.org/drawingml/2006/main" xmlns:r="http://schemas.openxmlformats.org/officeDocument/2006/relationships" xmlns:p="http://schemas.openxmlformats.org/presentationml/2006/main">
   <p:cSld>
     <p:bg>
@@ -8499,7 +12983,7 @@
 </p:sld>
 </file>
 
-<file path=ppt/slides/slide29.xml><?xml version="1.0" encoding="utf-8"?>
+<file path=ppt/slides/slide45.xml><?xml version="1.0" encoding="utf-8"?>
 <p:sld xmlns:a="http://schemas.openxmlformats.org/drawingml/2006/main" xmlns:r="http://schemas.openxmlformats.org/officeDocument/2006/relationships" xmlns:p="http://schemas.openxmlformats.org/presentationml/2006/main">
   <p:cSld>
     <p:bg>
@@ -8705,193 +13189,7 @@
 </p:sld>
 </file>
 
-<file path=ppt/slides/slide3.xml><?xml version="1.0" encoding="utf-8"?>
-<p:sld xmlns:a="http://schemas.openxmlformats.org/drawingml/2006/main" xmlns:r="http://schemas.openxmlformats.org/officeDocument/2006/relationships" xmlns:p="http://schemas.openxmlformats.org/presentationml/2006/main">
-  <p:cSld>
-    <p:bg>
-      <p:bgPr>
-        <a:blipFill dpi="0" rotWithShape="0">
-          <a:blip r:embed="rId2" cstate="print"/>
-          <a:srcRect/>
-          <a:stretch>
-            <a:fillRect/>
-          </a:stretch>
-        </a:blipFill>
-        <a:effectLst/>
-      </p:bgPr>
-    </p:bg>
-    <p:spTree>
-      <p:nvGrpSpPr>
-        <p:cNvPr id="1" name=""/>
-        <p:cNvGrpSpPr/>
-        <p:nvPr/>
-      </p:nvGrpSpPr>
-      <p:grpSpPr>
-        <a:xfrm>
-          <a:off x="0" y="0"/>
-          <a:ext cx="0" cy="0"/>
-          <a:chOff x="0" y="0"/>
-          <a:chExt cx="0" cy="0"/>
-        </a:xfrm>
-      </p:grpSpPr>
-      <p:sp>
-        <p:nvSpPr>
-          <p:cNvPr id="4098" name="Titre 3"/>
-          <p:cNvSpPr>
-            <a:spLocks noGrp="1"/>
-          </p:cNvSpPr>
-          <p:nvPr>
-            <p:ph type="title"/>
-          </p:nvPr>
-        </p:nvSpPr>
-        <p:spPr/>
-        <p:txBody>
-          <a:bodyPr/>
-          <a:lstStyle/>
-          <a:p>
-            <a:r>
-              <a:rPr lang="fr-CA" dirty="0" err="1">
-                <a:solidFill>
-                  <a:schemeClr val="bg1"/>
-                </a:solidFill>
-              </a:rPr>
-              <a:t>What</a:t>
-            </a:r>
-            <a:r>
-              <a:rPr lang="fr-CA" dirty="0">
-                <a:solidFill>
-                  <a:schemeClr val="bg1"/>
-                </a:solidFill>
-              </a:rPr>
-              <a:t> </a:t>
-            </a:r>
-            <a:r>
-              <a:rPr lang="fr-CA" dirty="0" err="1">
-                <a:solidFill>
-                  <a:schemeClr val="bg1"/>
-                </a:solidFill>
-              </a:rPr>
-              <a:t>is</a:t>
-            </a:r>
-            <a:r>
-              <a:rPr lang="fr-CA" dirty="0">
-                <a:solidFill>
-                  <a:schemeClr val="bg1"/>
-                </a:solidFill>
-              </a:rPr>
-              <a:t> </a:t>
-            </a:r>
-            <a:r>
-              <a:rPr lang="fr-CA" dirty="0" err="1">
-                <a:solidFill>
-                  <a:schemeClr val="bg1"/>
-                </a:solidFill>
-              </a:rPr>
-              <a:t>Logstash</a:t>
-            </a:r>
-            <a:r>
-              <a:rPr lang="fr-CA" dirty="0">
-                <a:solidFill>
-                  <a:schemeClr val="bg1"/>
-                </a:solidFill>
-              </a:rPr>
-              <a:t> ?</a:t>
-            </a:r>
-          </a:p>
-        </p:txBody>
-      </p:sp>
-      <p:sp>
-        <p:nvSpPr>
-          <p:cNvPr id="4099" name="Espace réservé du contenu 4"/>
-          <p:cNvSpPr>
-            <a:spLocks noGrp="1"/>
-          </p:cNvSpPr>
-          <p:nvPr>
-            <p:ph idx="1"/>
-          </p:nvPr>
-        </p:nvSpPr>
-        <p:spPr>
-          <a:xfrm>
-            <a:off x="228600" y="2133600"/>
-            <a:ext cx="8686800" cy="4419600"/>
-          </a:xfrm>
-        </p:spPr>
-        <p:txBody>
-          <a:bodyPr/>
-          <a:lstStyle/>
-          <a:p>
-            <a:r>
-              <a:rPr lang="en-US" sz="1500" dirty="0" err="1">
-                <a:solidFill>
-                  <a:srgbClr val="3C5790"/>
-                </a:solidFill>
-              </a:rPr>
-              <a:t>Logstash</a:t>
-            </a:r>
-            <a:r>
-              <a:rPr lang="en-US" sz="1500" dirty="0">
-                <a:solidFill>
-                  <a:srgbClr val="3C5790"/>
-                </a:solidFill>
-              </a:rPr>
-              <a:t> is a tool for managing events and logs, collect, process, and forward events and log messages.</a:t>
-            </a:r>
-          </a:p>
-          <a:p>
-            <a:r>
-              <a:rPr lang="en-US" sz="1500" dirty="0" err="1">
-                <a:solidFill>
-                  <a:srgbClr val="3C5790"/>
-                </a:solidFill>
-              </a:rPr>
-              <a:t>Logstash</a:t>
-            </a:r>
-            <a:r>
-              <a:rPr lang="en-US" sz="1500" dirty="0">
-                <a:solidFill>
-                  <a:srgbClr val="3C5790"/>
-                </a:solidFill>
-              </a:rPr>
-              <a:t> is free and open source (Apache 2.0 licensed) and developed by American developer, Jordan </a:t>
-            </a:r>
-            <a:r>
-              <a:rPr lang="en-US" sz="1500" dirty="0" err="1">
-                <a:solidFill>
-                  <a:srgbClr val="3C5790"/>
-                </a:solidFill>
-              </a:rPr>
-              <a:t>Sissel</a:t>
-            </a:r>
-            <a:r>
-              <a:rPr lang="en-US" sz="1500" dirty="0">
-                <a:solidFill>
-                  <a:srgbClr val="3C5790"/>
-                </a:solidFill>
-              </a:rPr>
-              <a:t> and the team from Elastic.</a:t>
-            </a:r>
-          </a:p>
-          <a:p>
-            <a:r>
-              <a:rPr lang="en-US" sz="1500" dirty="0">
-                <a:solidFill>
-                  <a:srgbClr val="3C5790"/>
-                </a:solidFill>
-              </a:rPr>
-              <a:t>It’s easy to set up, performant, scalable and easy to extend.</a:t>
-            </a:r>
-          </a:p>
-        </p:txBody>
-      </p:sp>
-    </p:spTree>
-  </p:cSld>
-  <p:clrMapOvr>
-    <a:masterClrMapping/>
-  </p:clrMapOvr>
-</p:sld>
-</file>
-
-<file path=ppt/slides/slide30.xml><?xml version="1.0" encoding="utf-8"?>
+<file path=ppt/slides/slide46.xml><?xml version="1.0" encoding="utf-8"?>
 <p:sld xmlns:a="http://schemas.openxmlformats.org/drawingml/2006/main" xmlns:r="http://schemas.openxmlformats.org/officeDocument/2006/relationships" xmlns:p="http://schemas.openxmlformats.org/presentationml/2006/main">
   <p:cSld>
     <p:bg>
@@ -9013,7 +13311,7 @@
 </p:sld>
 </file>
 
-<file path=ppt/slides/slide31.xml><?xml version="1.0" encoding="utf-8"?>
+<file path=ppt/slides/slide47.xml><?xml version="1.0" encoding="utf-8"?>
 <p:sld xmlns:a="http://schemas.openxmlformats.org/drawingml/2006/main" xmlns:r="http://schemas.openxmlformats.org/officeDocument/2006/relationships" xmlns:p="http://schemas.openxmlformats.org/presentationml/2006/main">
   <p:cSld>
     <p:bg>
@@ -9120,7 +13418,7 @@
 </p:sld>
 </file>
 
-<file path=ppt/slides/slide32.xml><?xml version="1.0" encoding="utf-8"?>
+<file path=ppt/slides/slide48.xml><?xml version="1.0" encoding="utf-8"?>
 <p:sld xmlns:a="http://schemas.openxmlformats.org/drawingml/2006/main" xmlns:r="http://schemas.openxmlformats.org/officeDocument/2006/relationships" xmlns:p="http://schemas.openxmlformats.org/presentationml/2006/main">
   <p:cSld>
     <p:bg>
@@ -9275,7 +13573,7 @@
 </p:sld>
 </file>
 
-<file path=ppt/slides/slide33.xml><?xml version="1.0" encoding="utf-8"?>
+<file path=ppt/slides/slide49.xml><?xml version="1.0" encoding="utf-8"?>
 <p:sld xmlns:a="http://schemas.openxmlformats.org/drawingml/2006/main" xmlns:r="http://schemas.openxmlformats.org/officeDocument/2006/relationships" xmlns:p="http://schemas.openxmlformats.org/presentationml/2006/main">
   <p:cSld>
     <p:bg>
@@ -9353,197 +13651,6 @@
         </p:txBody>
       </p:sp>
     </p:spTree>
-  </p:cSld>
-  <p:clrMapOvr>
-    <a:masterClrMapping/>
-  </p:clrMapOvr>
-</p:sld>
-</file>
-
-<file path=ppt/slides/slide4.xml><?xml version="1.0" encoding="utf-8"?>
-<p:sld xmlns:a="http://schemas.openxmlformats.org/drawingml/2006/main" xmlns:r="http://schemas.openxmlformats.org/officeDocument/2006/relationships" xmlns:p="http://schemas.openxmlformats.org/presentationml/2006/main">
-  <p:cSld>
-    <p:bg>
-      <p:bgPr>
-        <a:blipFill dpi="0" rotWithShape="0">
-          <a:blip r:embed="rId2" cstate="print"/>
-          <a:srcRect/>
-          <a:stretch>
-            <a:fillRect/>
-          </a:stretch>
-        </a:blipFill>
-        <a:effectLst/>
-      </p:bgPr>
-    </p:bg>
-    <p:spTree>
-      <p:nvGrpSpPr>
-        <p:cNvPr id="1" name=""/>
-        <p:cNvGrpSpPr/>
-        <p:nvPr/>
-      </p:nvGrpSpPr>
-      <p:grpSpPr>
-        <a:xfrm>
-          <a:off x="0" y="0"/>
-          <a:ext cx="0" cy="0"/>
-          <a:chOff x="0" y="0"/>
-          <a:chExt cx="0" cy="0"/>
-        </a:xfrm>
-      </p:grpSpPr>
-      <p:sp>
-        <p:nvSpPr>
-          <p:cNvPr id="4098" name="Titre 3"/>
-          <p:cNvSpPr>
-            <a:spLocks noGrp="1"/>
-          </p:cNvSpPr>
-          <p:nvPr>
-            <p:ph type="title"/>
-          </p:nvPr>
-        </p:nvSpPr>
-        <p:spPr/>
-        <p:txBody>
-          <a:bodyPr/>
-          <a:lstStyle/>
-          <a:p>
-            <a:r>
-              <a:rPr lang="fr-CA" dirty="0" err="1">
-                <a:solidFill>
-                  <a:schemeClr val="bg1"/>
-                </a:solidFill>
-              </a:rPr>
-              <a:t>What</a:t>
-            </a:r>
-            <a:r>
-              <a:rPr lang="fr-CA" dirty="0">
-                <a:solidFill>
-                  <a:schemeClr val="bg1"/>
-                </a:solidFill>
-              </a:rPr>
-              <a:t> </a:t>
-            </a:r>
-            <a:r>
-              <a:rPr lang="fr-CA" dirty="0" err="1">
-                <a:solidFill>
-                  <a:schemeClr val="bg1"/>
-                </a:solidFill>
-              </a:rPr>
-              <a:t>is</a:t>
-            </a:r>
-            <a:r>
-              <a:rPr lang="fr-CA" dirty="0">
-                <a:solidFill>
-                  <a:schemeClr val="bg1"/>
-                </a:solidFill>
-              </a:rPr>
-              <a:t> </a:t>
-            </a:r>
-            <a:r>
-              <a:rPr lang="fr-CA" dirty="0" err="1">
-                <a:solidFill>
-                  <a:schemeClr val="bg1"/>
-                </a:solidFill>
-              </a:rPr>
-              <a:t>Logstash</a:t>
-            </a:r>
-            <a:r>
-              <a:rPr lang="fr-CA" dirty="0">
-                <a:solidFill>
-                  <a:schemeClr val="bg1"/>
-                </a:solidFill>
-              </a:rPr>
-              <a:t> ? (</a:t>
-            </a:r>
-            <a:r>
-              <a:rPr lang="fr-CA" dirty="0" err="1">
-                <a:solidFill>
-                  <a:schemeClr val="bg1"/>
-                </a:solidFill>
-              </a:rPr>
-              <a:t>cont</a:t>
-            </a:r>
-            <a:r>
-              <a:rPr lang="fr-CA" dirty="0">
-                <a:solidFill>
-                  <a:schemeClr val="bg1"/>
-                </a:solidFill>
-              </a:rPr>
-              <a:t>.)</a:t>
-            </a:r>
-          </a:p>
-        </p:txBody>
-      </p:sp>
-      <p:sp>
-        <p:nvSpPr>
-          <p:cNvPr id="4099" name="Espace réservé du contenu 4"/>
-          <p:cNvSpPr>
-            <a:spLocks noGrp="1"/>
-          </p:cNvSpPr>
-          <p:nvPr>
-            <p:ph idx="1"/>
-          </p:nvPr>
-        </p:nvSpPr>
-        <p:spPr>
-          <a:xfrm>
-            <a:off x="228600" y="2133600"/>
-            <a:ext cx="8686800" cy="4419600"/>
-          </a:xfrm>
-        </p:spPr>
-        <p:txBody>
-          <a:bodyPr/>
-          <a:lstStyle/>
-          <a:p>
-            <a:r>
-              <a:rPr lang="en-US" sz="1500" dirty="0">
-                <a:solidFill>
-                  <a:srgbClr val="3C5790"/>
-                </a:solidFill>
-              </a:rPr>
-              <a:t>Collection is accomplished via configurable input plugins including raw socket/packet communication, file tailing, and several message bus clients.</a:t>
-            </a:r>
-          </a:p>
-          <a:p>
-            <a:r>
-              <a:rPr lang="en-US" sz="1500" dirty="0">
-                <a:solidFill>
-                  <a:srgbClr val="3C5790"/>
-                </a:solidFill>
-              </a:rPr>
-              <a:t>Once an input plugin has collected data it can be processed by any number of filters which modify and annotate the event data. </a:t>
-            </a:r>
-          </a:p>
-          <a:p>
-            <a:r>
-              <a:rPr lang="en-US" sz="1500" dirty="0">
-                <a:solidFill>
-                  <a:srgbClr val="3C5790"/>
-                </a:solidFill>
-              </a:rPr>
-              <a:t>Finally </a:t>
-            </a:r>
-            <a:r>
-              <a:rPr lang="en-US" sz="1500" dirty="0" err="1">
-                <a:solidFill>
-                  <a:srgbClr val="3C5790"/>
-                </a:solidFill>
-              </a:rPr>
-              <a:t>logstash</a:t>
-            </a:r>
-            <a:r>
-              <a:rPr lang="en-US" sz="1500" dirty="0">
-                <a:solidFill>
-                  <a:srgbClr val="3C5790"/>
-                </a:solidFill>
-              </a:rPr>
-              <a:t> routes events to output plugins which can forward the events to a variety of external programs including Elasticsearch, local files and several message bus implementations. </a:t>
-            </a:r>
-          </a:p>
-        </p:txBody>
-      </p:sp>
-    </p:spTree>
-    <p:extLst>
-      <p:ext uri="{BB962C8B-B14F-4D97-AF65-F5344CB8AC3E}">
-        <p14:creationId xmlns:p14="http://schemas.microsoft.com/office/powerpoint/2010/main" val="2704087859"/>
-      </p:ext>
-    </p:extLst>
   </p:cSld>
   <p:clrMapOvr>
     <a:masterClrMapping/>
@@ -9727,20 +13834,12 @@
           </a:p>
           <a:p>
             <a:r>
-              <a:rPr lang="en-US" sz="1500" dirty="0" err="1">
-                <a:solidFill>
-                  <a:srgbClr val="3C5790"/>
-                </a:solidFill>
-              </a:rPr>
-              <a:t>Logstash</a:t>
-            </a:r>
-            <a:r>
               <a:rPr lang="en-US" sz="1500" dirty="0">
                 <a:solidFill>
                   <a:srgbClr val="3C5790"/>
                 </a:solidFill>
               </a:rPr>
-              <a:t> has a single agent that is configured to perform different functions in combination with other open source components.</a:t>
+              <a:t>Logstash has a single agent that is configured to perform different functions in combination with other open-source components.</a:t>
             </a:r>
           </a:p>
         </p:txBody>
@@ -9966,209 +14065,40 @@
           </a:p>
         </p:txBody>
       </p:sp>
-      <p:sp>
-        <p:nvSpPr>
-          <p:cNvPr id="4099" name="Espace réservé du contenu 4"/>
-          <p:cNvSpPr>
-            <a:spLocks noGrp="1"/>
-          </p:cNvSpPr>
-          <p:nvPr>
-            <p:ph idx="1"/>
-          </p:nvPr>
-        </p:nvSpPr>
+      <p:pic>
+        <p:nvPicPr>
+          <p:cNvPr id="6" name="Picture 5">
+            <a:extLst>
+              <a:ext uri="{FF2B5EF4-FFF2-40B4-BE49-F238E27FC236}">
+                <a16:creationId xmlns:a16="http://schemas.microsoft.com/office/drawing/2014/main" id="{D240A3C0-ED76-4E2D-8005-1B2F70485D3E}"/>
+              </a:ext>
+            </a:extLst>
+          </p:cNvPr>
+          <p:cNvPicPr>
+            <a:picLocks noChangeAspect="1"/>
+          </p:cNvPicPr>
+          <p:nvPr/>
+        </p:nvPicPr>
+        <p:blipFill>
+          <a:blip r:embed="rId3"/>
+          <a:stretch>
+            <a:fillRect/>
+          </a:stretch>
+        </p:blipFill>
         <p:spPr>
           <a:xfrm>
-            <a:off x="228600" y="2133600"/>
-            <a:ext cx="8686800" cy="2438400"/>
+            <a:off x="448733" y="1981200"/>
+            <a:ext cx="8229600" cy="4280868"/>
           </a:xfrm>
+          <a:prstGeom prst="rect">
+            <a:avLst/>
+          </a:prstGeom>
         </p:spPr>
-        <p:txBody>
-          <a:bodyPr/>
-          <a:lstStyle/>
-          <a:p>
-            <a:r>
-              <a:rPr lang="en-US" sz="1500" dirty="0">
-                <a:solidFill>
-                  <a:srgbClr val="3C5790"/>
-                </a:solidFill>
-              </a:rPr>
-              <a:t>In the </a:t>
-            </a:r>
-            <a:r>
-              <a:rPr lang="en-US" sz="1500" dirty="0" err="1">
-                <a:solidFill>
-                  <a:srgbClr val="3C5790"/>
-                </a:solidFill>
-              </a:rPr>
-              <a:t>Logstash</a:t>
-            </a:r>
-            <a:r>
-              <a:rPr lang="en-US" sz="1500" dirty="0">
-                <a:solidFill>
-                  <a:srgbClr val="3C5790"/>
-                </a:solidFill>
-              </a:rPr>
-              <a:t> ecosystem there are 4 components:</a:t>
-            </a:r>
-          </a:p>
-          <a:p>
-            <a:r>
-              <a:rPr lang="en-US" sz="1500" b="1" dirty="0">
-                <a:solidFill>
-                  <a:srgbClr val="3C5790"/>
-                </a:solidFill>
-              </a:rPr>
-              <a:t>Shipper</a:t>
-            </a:r>
-            <a:r>
-              <a:rPr lang="en-US" sz="1500" dirty="0">
-                <a:solidFill>
-                  <a:srgbClr val="3C5790"/>
-                </a:solidFill>
-              </a:rPr>
-              <a:t>: Sends events to </a:t>
-            </a:r>
-            <a:r>
-              <a:rPr lang="en-US" sz="1500" dirty="0" err="1">
-                <a:solidFill>
-                  <a:srgbClr val="3C5790"/>
-                </a:solidFill>
-              </a:rPr>
-              <a:t>Logstash</a:t>
-            </a:r>
-            <a:r>
-              <a:rPr lang="en-US" sz="1500" dirty="0">
-                <a:solidFill>
-                  <a:srgbClr val="3C5790"/>
-                </a:solidFill>
-              </a:rPr>
-              <a:t>. Your remote agents will generally only run this component.</a:t>
-            </a:r>
-          </a:p>
-          <a:p>
-            <a:r>
-              <a:rPr lang="en-US" sz="1500" b="1" dirty="0">
-                <a:solidFill>
-                  <a:srgbClr val="3C5790"/>
-                </a:solidFill>
-              </a:rPr>
-              <a:t>Broker</a:t>
-            </a:r>
-            <a:r>
-              <a:rPr lang="en-US" sz="1500" dirty="0">
-                <a:solidFill>
-                  <a:srgbClr val="3C5790"/>
-                </a:solidFill>
-              </a:rPr>
-              <a:t> and </a:t>
-            </a:r>
-            <a:r>
-              <a:rPr lang="en-US" sz="1500" b="1" dirty="0">
-                <a:solidFill>
-                  <a:srgbClr val="3C5790"/>
-                </a:solidFill>
-              </a:rPr>
-              <a:t>Indexer</a:t>
-            </a:r>
-            <a:r>
-              <a:rPr lang="en-US" sz="1500" dirty="0">
-                <a:solidFill>
-                  <a:srgbClr val="3C5790"/>
-                </a:solidFill>
-              </a:rPr>
-              <a:t>: Receives and indexes the events.</a:t>
-            </a:r>
-          </a:p>
-          <a:p>
-            <a:r>
-              <a:rPr lang="en-US" sz="1500" b="1" dirty="0">
-                <a:solidFill>
-                  <a:srgbClr val="3C5790"/>
-                </a:solidFill>
-              </a:rPr>
-              <a:t>Search</a:t>
-            </a:r>
-            <a:r>
-              <a:rPr lang="en-US" sz="1500" dirty="0">
-                <a:solidFill>
-                  <a:srgbClr val="3C5790"/>
-                </a:solidFill>
-              </a:rPr>
-              <a:t> and </a:t>
-            </a:r>
-            <a:r>
-              <a:rPr lang="en-US" sz="1500" b="1" dirty="0">
-                <a:solidFill>
-                  <a:srgbClr val="3C5790"/>
-                </a:solidFill>
-              </a:rPr>
-              <a:t>Storage</a:t>
-            </a:r>
-            <a:r>
-              <a:rPr lang="en-US" sz="1500" dirty="0">
-                <a:solidFill>
-                  <a:srgbClr val="3C5790"/>
-                </a:solidFill>
-              </a:rPr>
-              <a:t>: Allows you to search and store events.</a:t>
-            </a:r>
-          </a:p>
-          <a:p>
-            <a:r>
-              <a:rPr lang="en-US" sz="1500" b="1" dirty="0">
-                <a:solidFill>
-                  <a:srgbClr val="3C5790"/>
-                </a:solidFill>
-              </a:rPr>
-              <a:t>Web</a:t>
-            </a:r>
-            <a:r>
-              <a:rPr lang="en-US" sz="1500" dirty="0">
-                <a:solidFill>
-                  <a:srgbClr val="3C5790"/>
-                </a:solidFill>
-              </a:rPr>
-              <a:t> </a:t>
-            </a:r>
-            <a:r>
-              <a:rPr lang="en-US" sz="1500" b="1" dirty="0">
-                <a:solidFill>
-                  <a:srgbClr val="3C5790"/>
-                </a:solidFill>
-              </a:rPr>
-              <a:t>Interface</a:t>
-            </a:r>
-            <a:r>
-              <a:rPr lang="en-US" sz="1500" dirty="0">
-                <a:solidFill>
-                  <a:srgbClr val="3C5790"/>
-                </a:solidFill>
-              </a:rPr>
-              <a:t>: A Web-based interface to </a:t>
-            </a:r>
-            <a:r>
-              <a:rPr lang="en-US" sz="1500" dirty="0" err="1">
-                <a:solidFill>
-                  <a:srgbClr val="3C5790"/>
-                </a:solidFill>
-              </a:rPr>
-              <a:t>Logstash</a:t>
-            </a:r>
-            <a:r>
-              <a:rPr lang="en-US" sz="1500" dirty="0">
-                <a:solidFill>
-                  <a:srgbClr val="3C5790"/>
-                </a:solidFill>
-              </a:rPr>
-              <a:t> called Kibana.</a:t>
-            </a:r>
-          </a:p>
-        </p:txBody>
-      </p:sp>
+      </p:pic>
     </p:spTree>
     <p:extLst>
       <p:ext uri="{BB962C8B-B14F-4D97-AF65-F5344CB8AC3E}">
-        <p14:creationId xmlns:p14="http://schemas.microsoft.com/office/powerpoint/2010/main" val="1356695386"/>
+        <p14:creationId xmlns:p14="http://schemas.microsoft.com/office/powerpoint/2010/main" val="2618191515"/>
       </p:ext>
     </p:extLst>
   </p:cSld>
@@ -10223,18 +14153,29 @@
           <a:lstStyle/>
           <a:p>
             <a:r>
+              <a:rPr lang="fr-CA" dirty="0">
+                <a:solidFill>
+                  <a:schemeClr val="bg1"/>
+                </a:solidFill>
+              </a:rPr>
+              <a:t>Architecture (</a:t>
+            </a:r>
+            <a:r>
               <a:rPr lang="fr-CA" dirty="0" err="1">
                 <a:solidFill>
                   <a:schemeClr val="bg1"/>
                 </a:solidFill>
               </a:rPr>
-              <a:t>Features</a:t>
-            </a:r>
-            <a:endParaRPr lang="fr-CA" dirty="0">
-              <a:solidFill>
-                <a:schemeClr val="bg1"/>
-              </a:solidFill>
-            </a:endParaRPr>
+              <a:t>cont</a:t>
+            </a:r>
+            <a:r>
+              <a:rPr lang="fr-CA" dirty="0">
+                <a:solidFill>
+                  <a:schemeClr val="bg1"/>
+                </a:solidFill>
+              </a:rPr>
+              <a:t>.)</a:t>
+            </a:r>
           </a:p>
         </p:txBody>
       </p:sp>
@@ -10250,8 +14191,8 @@
         </p:nvSpPr>
         <p:spPr>
           <a:xfrm>
-            <a:off x="304800" y="1905000"/>
-            <a:ext cx="8534400" cy="1447800"/>
+            <a:off x="228600" y="2133600"/>
+            <a:ext cx="8686800" cy="2438400"/>
           </a:xfrm>
         </p:spPr>
         <p:txBody>
@@ -10259,97 +14200,188 @@
           <a:lstStyle/>
           <a:p>
             <a:r>
-              <a:rPr lang="en-US" sz="1400" dirty="0">
-                <a:solidFill>
-                  <a:srgbClr val="3C5790"/>
-                </a:solidFill>
-              </a:rPr>
-              <a:t>Pluggable pipeline architecture</a:t>
-            </a:r>
-          </a:p>
-          <a:p>
-            <a:r>
-              <a:rPr lang="en-US" sz="1400" dirty="0">
-                <a:solidFill>
-                  <a:srgbClr val="3C5790"/>
-                </a:solidFill>
-              </a:rPr>
-              <a:t>Community-extensible and developer-friendly plugin ecosystem</a:t>
-            </a:r>
-          </a:p>
-          <a:p>
-            <a:r>
-              <a:rPr lang="en-US" sz="1400" dirty="0">
-                <a:solidFill>
-                  <a:srgbClr val="3C5790"/>
-                </a:solidFill>
-              </a:rPr>
-              <a:t>Logs and metrics</a:t>
-            </a:r>
-          </a:p>
-          <a:p>
-            <a:r>
-              <a:rPr lang="en-US" sz="1400" dirty="0">
-                <a:solidFill>
-                  <a:srgbClr val="3C5790"/>
-                </a:solidFill>
-              </a:rPr>
-              <a:t>The Web</a:t>
-            </a:r>
-          </a:p>
-          <a:p>
-            <a:r>
-              <a:rPr lang="en-US" sz="1400" dirty="0">
-                <a:solidFill>
-                  <a:srgbClr val="3C5790"/>
-                </a:solidFill>
-              </a:rPr>
-              <a:t>Data stores and streams</a:t>
-            </a:r>
-          </a:p>
-          <a:p>
-            <a:endParaRPr lang="en-US" sz="1400" dirty="0">
-              <a:solidFill>
-                <a:srgbClr val="3C5790"/>
-              </a:solidFill>
-            </a:endParaRPr>
-          </a:p>
-        </p:txBody>
-      </p:sp>
-      <p:pic>
-        <p:nvPicPr>
-          <p:cNvPr id="2" name="Picture 1">
-            <a:extLst>
-              <a:ext uri="{FF2B5EF4-FFF2-40B4-BE49-F238E27FC236}">
-                <a16:creationId xmlns:a16="http://schemas.microsoft.com/office/drawing/2014/main" id="{989A06FC-923D-4E48-8100-1A2C5F4CF712}"/>
-              </a:ext>
-            </a:extLst>
-          </p:cNvPr>
-          <p:cNvPicPr>
-            <a:picLocks noChangeAspect="1"/>
-          </p:cNvPicPr>
-          <p:nvPr/>
-        </p:nvPicPr>
-        <p:blipFill>
-          <a:blip r:embed="rId3"/>
-          <a:stretch>
-            <a:fillRect/>
-          </a:stretch>
-        </p:blipFill>
-        <p:spPr>
-          <a:xfrm>
-            <a:off x="1949017" y="3352800"/>
-            <a:ext cx="5245966" cy="3243407"/>
-          </a:xfrm>
-          <a:prstGeom prst="rect">
-            <a:avLst/>
-          </a:prstGeom>
-        </p:spPr>
-      </p:pic>
+              <a:rPr lang="en-US" sz="1500" dirty="0">
+                <a:solidFill>
+                  <a:srgbClr val="3C5790"/>
+                </a:solidFill>
+              </a:rPr>
+              <a:t>In the </a:t>
+            </a:r>
+            <a:r>
+              <a:rPr lang="en-US" sz="1500" dirty="0" err="1">
+                <a:solidFill>
+                  <a:srgbClr val="3C5790"/>
+                </a:solidFill>
+              </a:rPr>
+              <a:t>Logstash</a:t>
+            </a:r>
+            <a:r>
+              <a:rPr lang="en-US" sz="1500" dirty="0">
+                <a:solidFill>
+                  <a:srgbClr val="3C5790"/>
+                </a:solidFill>
+              </a:rPr>
+              <a:t> ecosystem there are 4 components:</a:t>
+            </a:r>
+          </a:p>
+          <a:p>
+            <a:r>
+              <a:rPr lang="en-US" sz="1500" b="1" dirty="0">
+                <a:solidFill>
+                  <a:srgbClr val="3C5790"/>
+                </a:solidFill>
+              </a:rPr>
+              <a:t>Shipper</a:t>
+            </a:r>
+            <a:r>
+              <a:rPr lang="en-US" sz="1500" dirty="0">
+                <a:solidFill>
+                  <a:srgbClr val="3C5790"/>
+                </a:solidFill>
+              </a:rPr>
+              <a:t>: Sends events to </a:t>
+            </a:r>
+            <a:r>
+              <a:rPr lang="en-US" sz="1500" dirty="0" err="1">
+                <a:solidFill>
+                  <a:srgbClr val="3C5790"/>
+                </a:solidFill>
+              </a:rPr>
+              <a:t>Logstash</a:t>
+            </a:r>
+            <a:r>
+              <a:rPr lang="en-US" sz="1500" dirty="0">
+                <a:solidFill>
+                  <a:srgbClr val="3C5790"/>
+                </a:solidFill>
+              </a:rPr>
+              <a:t>. Your remote agents will generally only run this component.</a:t>
+            </a:r>
+          </a:p>
+          <a:p>
+            <a:r>
+              <a:rPr lang="en-US" sz="1500" b="1" dirty="0">
+                <a:solidFill>
+                  <a:srgbClr val="3C5790"/>
+                </a:solidFill>
+              </a:rPr>
+              <a:t>Broker</a:t>
+            </a:r>
+            <a:r>
+              <a:rPr lang="en-US" sz="1500" dirty="0">
+                <a:solidFill>
+                  <a:srgbClr val="3C5790"/>
+                </a:solidFill>
+              </a:rPr>
+              <a:t> and </a:t>
+            </a:r>
+            <a:r>
+              <a:rPr lang="en-US" sz="1500" b="1" dirty="0">
+                <a:solidFill>
+                  <a:srgbClr val="3C5790"/>
+                </a:solidFill>
+              </a:rPr>
+              <a:t>Indexer</a:t>
+            </a:r>
+            <a:r>
+              <a:rPr lang="en-US" sz="1500" dirty="0">
+                <a:solidFill>
+                  <a:srgbClr val="3C5790"/>
+                </a:solidFill>
+              </a:rPr>
+              <a:t>: Receives and indexes the events.</a:t>
+            </a:r>
+          </a:p>
+          <a:p>
+            <a:r>
+              <a:rPr lang="en-US" sz="1500" b="1" dirty="0">
+                <a:solidFill>
+                  <a:srgbClr val="3C5790"/>
+                </a:solidFill>
+              </a:rPr>
+              <a:t>Search</a:t>
+            </a:r>
+            <a:r>
+              <a:rPr lang="en-US" sz="1500" dirty="0">
+                <a:solidFill>
+                  <a:srgbClr val="3C5790"/>
+                </a:solidFill>
+              </a:rPr>
+              <a:t> and </a:t>
+            </a:r>
+            <a:r>
+              <a:rPr lang="en-US" sz="1500" b="1" dirty="0">
+                <a:solidFill>
+                  <a:srgbClr val="3C5790"/>
+                </a:solidFill>
+              </a:rPr>
+              <a:t>Storage</a:t>
+            </a:r>
+            <a:r>
+              <a:rPr lang="en-US" sz="1500" dirty="0">
+                <a:solidFill>
+                  <a:srgbClr val="3C5790"/>
+                </a:solidFill>
+              </a:rPr>
+              <a:t>: Allows you to search and store events.</a:t>
+            </a:r>
+          </a:p>
+          <a:p>
+            <a:r>
+              <a:rPr lang="en-US" sz="1500" b="1" dirty="0">
+                <a:solidFill>
+                  <a:srgbClr val="3C5790"/>
+                </a:solidFill>
+              </a:rPr>
+              <a:t>Web</a:t>
+            </a:r>
+            <a:r>
+              <a:rPr lang="en-US" sz="1500" dirty="0">
+                <a:solidFill>
+                  <a:srgbClr val="3C5790"/>
+                </a:solidFill>
+              </a:rPr>
+              <a:t> </a:t>
+            </a:r>
+            <a:r>
+              <a:rPr lang="en-US" sz="1500" b="1" dirty="0">
+                <a:solidFill>
+                  <a:srgbClr val="3C5790"/>
+                </a:solidFill>
+              </a:rPr>
+              <a:t>Interface</a:t>
+            </a:r>
+            <a:r>
+              <a:rPr lang="en-US" sz="1500" dirty="0">
+                <a:solidFill>
+                  <a:srgbClr val="3C5790"/>
+                </a:solidFill>
+              </a:rPr>
+              <a:t>: A Web-based interface to </a:t>
+            </a:r>
+            <a:r>
+              <a:rPr lang="en-US" sz="1500" dirty="0" err="1">
+                <a:solidFill>
+                  <a:srgbClr val="3C5790"/>
+                </a:solidFill>
+              </a:rPr>
+              <a:t>Logstash</a:t>
+            </a:r>
+            <a:r>
+              <a:rPr lang="en-US" sz="1500" dirty="0">
+                <a:solidFill>
+                  <a:srgbClr val="3C5790"/>
+                </a:solidFill>
+              </a:rPr>
+              <a:t> called Kibana.</a:t>
+            </a:r>
+          </a:p>
+        </p:txBody>
+      </p:sp>
     </p:spTree>
     <p:extLst>
       <p:ext uri="{BB962C8B-B14F-4D97-AF65-F5344CB8AC3E}">
-        <p14:creationId xmlns:p14="http://schemas.microsoft.com/office/powerpoint/2010/main" val="680267153"/>
+        <p14:creationId xmlns:p14="http://schemas.microsoft.com/office/powerpoint/2010/main" val="1356695386"/>
       </p:ext>
     </p:extLst>
   </p:cSld>
@@ -10411,30 +14443,11 @@
               </a:rPr>
               <a:t>Features</a:t>
             </a:r>
-            <a:r>
-              <a:rPr lang="fr-CA" dirty="0">
-                <a:solidFill>
-                  <a:schemeClr val="bg1"/>
-                </a:solidFill>
-              </a:rPr>
-              <a:t> (</a:t>
-            </a:r>
-            <a:r>
-              <a:rPr lang="fr-CA" dirty="0" err="1">
-                <a:solidFill>
-                  <a:schemeClr val="bg1"/>
-                </a:solidFill>
-              </a:rPr>
-              <a:t>cont</a:t>
-            </a:r>
-            <a:r>
-              <a:rPr lang="fr-CA" dirty="0">
-                <a:solidFill>
-                  <a:schemeClr val="bg1"/>
-                </a:solidFill>
-              </a:rPr>
-              <a:t>.)</a:t>
-            </a:r>
+            <a:endParaRPr lang="fr-CA" dirty="0">
+              <a:solidFill>
+                <a:schemeClr val="bg1"/>
+              </a:solidFill>
+            </a:endParaRPr>
           </a:p>
         </p:txBody>
       </p:sp>
@@ -10451,7 +14464,7 @@
         <p:spPr>
           <a:xfrm>
             <a:off x="304800" y="1905000"/>
-            <a:ext cx="8534400" cy="4572000"/>
+            <a:ext cx="8534400" cy="1447800"/>
           </a:xfrm>
         </p:spPr>
         <p:txBody>
@@ -10459,106 +14472,97 @@
           <a:lstStyle/>
           <a:p>
             <a:r>
-              <a:rPr lang="en-US" sz="1400" b="1" dirty="0">
-                <a:solidFill>
-                  <a:srgbClr val="3C5790"/>
-                </a:solidFill>
-              </a:rPr>
-              <a:t>Analysis</a:t>
-            </a:r>
-          </a:p>
-          <a:p>
-            <a:pPr lvl="1"/>
-            <a:r>
-              <a:rPr lang="en-US" sz="1400" dirty="0">
-                <a:solidFill>
-                  <a:srgbClr val="3C5790"/>
-                </a:solidFill>
-              </a:rPr>
-              <a:t>Elasticsearch</a:t>
-            </a:r>
-          </a:p>
-          <a:p>
-            <a:pPr lvl="1"/>
-            <a:r>
-              <a:rPr lang="en-US" sz="1400" dirty="0" err="1">
-                <a:solidFill>
-                  <a:srgbClr val="3C5790"/>
-                </a:solidFill>
-              </a:rPr>
-              <a:t>MongoDb</a:t>
-            </a:r>
+              <a:rPr lang="en-US" sz="1400" dirty="0">
+                <a:solidFill>
+                  <a:srgbClr val="3C5790"/>
+                </a:solidFill>
+              </a:rPr>
+              <a:t>Pluggable pipeline architecture</a:t>
+            </a:r>
+          </a:p>
+          <a:p>
+            <a:r>
+              <a:rPr lang="en-US" sz="1400" dirty="0">
+                <a:solidFill>
+                  <a:srgbClr val="3C5790"/>
+                </a:solidFill>
+              </a:rPr>
+              <a:t>Community-extensible and developer-friendly plugin ecosystem</a:t>
+            </a:r>
+          </a:p>
+          <a:p>
+            <a:r>
+              <a:rPr lang="en-US" sz="1400" dirty="0">
+                <a:solidFill>
+                  <a:srgbClr val="3C5790"/>
+                </a:solidFill>
+              </a:rPr>
+              <a:t>Logs and metrics</a:t>
+            </a:r>
+          </a:p>
+          <a:p>
+            <a:r>
+              <a:rPr lang="en-US" sz="1400" dirty="0">
+                <a:solidFill>
+                  <a:srgbClr val="3C5790"/>
+                </a:solidFill>
+              </a:rPr>
+              <a:t>The Web</a:t>
+            </a:r>
+          </a:p>
+          <a:p>
+            <a:r>
+              <a:rPr lang="en-US" sz="1400" dirty="0">
+                <a:solidFill>
+                  <a:srgbClr val="3C5790"/>
+                </a:solidFill>
+              </a:rPr>
+              <a:t>Data stores and streams</a:t>
+            </a:r>
+          </a:p>
+          <a:p>
             <a:endParaRPr lang="en-US" sz="1400" dirty="0">
               <a:solidFill>
                 <a:srgbClr val="3C5790"/>
               </a:solidFill>
             </a:endParaRPr>
           </a:p>
-          <a:p>
-            <a:pPr lvl="1"/>
-            <a:r>
-              <a:rPr lang="en-US" sz="1400" dirty="0" err="1">
-                <a:solidFill>
-                  <a:srgbClr val="3C5790"/>
-                </a:solidFill>
-              </a:rPr>
-              <a:t>Riak</a:t>
-            </a:r>
-            <a:endParaRPr lang="en-US" sz="1400" dirty="0">
-              <a:solidFill>
-                <a:srgbClr val="3C5790"/>
-              </a:solidFill>
-            </a:endParaRPr>
-          </a:p>
-          <a:p>
-            <a:r>
-              <a:rPr lang="en-US" sz="1400" b="1" dirty="0">
-                <a:solidFill>
-                  <a:srgbClr val="3C5790"/>
-                </a:solidFill>
-              </a:rPr>
-              <a:t>Archiving</a:t>
-            </a:r>
-          </a:p>
-          <a:p>
-            <a:pPr lvl="1"/>
-            <a:r>
-              <a:rPr lang="en-US" sz="1400" dirty="0">
-                <a:solidFill>
-                  <a:srgbClr val="3C5790"/>
-                </a:solidFill>
-              </a:rPr>
-              <a:t>HDFS</a:t>
-            </a:r>
-          </a:p>
-          <a:p>
-            <a:pPr lvl="1"/>
-            <a:r>
-              <a:rPr lang="en-US" sz="1400" dirty="0">
-                <a:solidFill>
-                  <a:srgbClr val="3C5790"/>
-                </a:solidFill>
-              </a:rPr>
-              <a:t>S3</a:t>
-            </a:r>
-          </a:p>
-          <a:p>
-            <a:pPr lvl="1"/>
-            <a:r>
-              <a:rPr lang="en-US" sz="1400" dirty="0">
-                <a:solidFill>
-                  <a:srgbClr val="3C5790"/>
-                </a:solidFill>
-              </a:rPr>
-              <a:t>Google Cloud Storage</a:t>
-            </a:r>
-          </a:p>
-        </p:txBody>
-      </p:sp>
+        </p:txBody>
+      </p:sp>
+      <p:pic>
+        <p:nvPicPr>
+          <p:cNvPr id="2" name="Picture 1">
+            <a:extLst>
+              <a:ext uri="{FF2B5EF4-FFF2-40B4-BE49-F238E27FC236}">
+                <a16:creationId xmlns:a16="http://schemas.microsoft.com/office/drawing/2014/main" id="{989A06FC-923D-4E48-8100-1A2C5F4CF712}"/>
+              </a:ext>
+            </a:extLst>
+          </p:cNvPr>
+          <p:cNvPicPr>
+            <a:picLocks noChangeAspect="1"/>
+          </p:cNvPicPr>
+          <p:nvPr/>
+        </p:nvPicPr>
+        <p:blipFill>
+          <a:blip r:embed="rId3"/>
+          <a:stretch>
+            <a:fillRect/>
+          </a:stretch>
+        </p:blipFill>
+        <p:spPr>
+          <a:xfrm>
+            <a:off x="1949017" y="3352800"/>
+            <a:ext cx="5245966" cy="3243407"/>
+          </a:xfrm>
+          <a:prstGeom prst="rect">
+            <a:avLst/>
+          </a:prstGeom>
+        </p:spPr>
+      </p:pic>
     </p:spTree>
     <p:extLst>
       <p:ext uri="{BB962C8B-B14F-4D97-AF65-F5344CB8AC3E}">
-        <p14:creationId xmlns:p14="http://schemas.microsoft.com/office/powerpoint/2010/main" val="1445172253"/>
+        <p14:creationId xmlns:p14="http://schemas.microsoft.com/office/powerpoint/2010/main" val="680267153"/>
       </p:ext>
     </p:extLst>
   </p:cSld>
